--- a/GP/Group5_GP/Group Presentation.pptx
+++ b/GP/Group5_GP/Group Presentation.pptx
@@ -2278,62 +2278,7 @@
               </a:spcAft>
               <a:buNone/>
             </a:pPr>
-            <a:r>
-              <a:rPr lang="nl-NL"/>
-              <a:t>First:</a:t>
-            </a:r>
-            <a:endParaRPr/>
-          </a:p>
-          <a:p>
-            <a:pPr marL="457200" lvl="0" indent="-317500" algn="l" rtl="0">
-              <a:spcBef>
-                <a:spcPts val="0"/>
-              </a:spcBef>
-              <a:spcAft>
-                <a:spcPts val="0"/>
-              </a:spcAft>
-              <a:buSzPts val="1400"/>
-              <a:buChar char="-"/>
-            </a:pPr>
-            <a:r>
-              <a:rPr lang="nl-NL"/>
-              <a:t>Fusion DNNs: Use DNNs to replace hand tuned feature extraction stage in BoF models. </a:t>
-            </a:r>
-            <a:endParaRPr/>
-          </a:p>
-          <a:p>
-            <a:pPr marL="457200" lvl="0" indent="-317500" algn="l" rtl="0">
-              <a:spcBef>
-                <a:spcPts val="0"/>
-              </a:spcBef>
-              <a:spcAft>
-                <a:spcPts val="0"/>
-              </a:spcAft>
-              <a:buSzPts val="1400"/>
-              <a:buChar char="-"/>
-            </a:pPr>
-            <a:r>
-              <a:rPr lang="nl-NL"/>
-              <a:t>Transfer insights: Explore how well DNN training insights transfer to the training of BOF</a:t>
-            </a:r>
-            <a:endParaRPr/>
-          </a:p>
-          <a:p>
-            <a:pPr marL="457200" lvl="0" indent="-317500" algn="l" rtl="0">
-              <a:spcBef>
-                <a:spcPts val="0"/>
-              </a:spcBef>
-              <a:spcAft>
-                <a:spcPts val="0"/>
-              </a:spcAft>
-              <a:buSzPts val="1400"/>
-              <a:buChar char="-"/>
-            </a:pPr>
-            <a:r>
-              <a:rPr lang="nl-NL"/>
-              <a:t>Proposed BoF is simpler and closer to standard DNN for object recognition but maintains interpretability of linear BoF with local features. First work that explores relationship between decision making of BoF and DNN models.</a:t>
-            </a:r>
-            <a:endParaRPr/>
+            <a:endParaRPr dirty="0"/>
           </a:p>
           <a:p>
             <a:pPr marL="0" lvl="0" indent="0" algn="l" rtl="0">
@@ -2345,19 +2290,7 @@
               </a:spcAft>
               <a:buNone/>
             </a:pPr>
-            <a:endParaRPr/>
-          </a:p>
-          <a:p>
-            <a:pPr marL="0" lvl="0" indent="0" algn="l" rtl="0">
-              <a:spcBef>
-                <a:spcPts val="0"/>
-              </a:spcBef>
-              <a:spcAft>
-                <a:spcPts val="0"/>
-              </a:spcAft>
-              <a:buNone/>
-            </a:pPr>
-            <a:endParaRPr/>
+            <a:endParaRPr dirty="0"/>
           </a:p>
         </p:txBody>
       </p:sp>
@@ -45364,10 +45297,10 @@
               <a:buNone/>
             </a:pPr>
             <a:r>
-              <a:rPr lang="nl-NL" sz="2976"/>
-              <a:t>Weakness</a:t>
+              <a:rPr lang="nl-NL" sz="2976" dirty="0"/>
+              <a:t>Vehicle validation model</a:t>
             </a:r>
-            <a:endParaRPr/>
+            <a:endParaRPr dirty="0"/>
           </a:p>
         </p:txBody>
       </p:sp>
@@ -45400,26 +45333,7 @@
           </a:bodyPr>
           <a:lstStyle/>
           <a:p>
-            <a:pPr marL="0" lvl="0" indent="0" algn="l" rtl="0">
-              <a:lnSpc>
-                <a:spcPct val="150000"/>
-              </a:lnSpc>
-              <a:spcBef>
-                <a:spcPts val="1200"/>
-              </a:spcBef>
-              <a:spcAft>
-                <a:spcPts val="0"/>
-              </a:spcAft>
-              <a:buNone/>
-            </a:pPr>
-            <a:endParaRPr>
-              <a:solidFill>
-                <a:schemeClr val="dk1"/>
-              </a:solidFill>
-            </a:endParaRPr>
-          </a:p>
-          <a:p>
-            <a:pPr marL="457200" lvl="0" indent="-368300" algn="l" rtl="0">
+            <a:pPr marL="88900" lvl="0" indent="0" algn="l" rtl="0">
               <a:lnSpc>
                 <a:spcPct val="150000"/>
               </a:lnSpc>
@@ -45433,132 +45347,9 @@
                 <a:schemeClr val="dk1"/>
               </a:buClr>
               <a:buSzPts val="2200"/>
-              <a:buChar char="▪"/>
+              <a:buNone/>
             </a:pPr>
-            <a:r>
-              <a:rPr lang="nl-NL" sz="2000">
-                <a:solidFill>
-                  <a:schemeClr val="dk1"/>
-                </a:solidFill>
-              </a:rPr>
-              <a:t>Sensitive to local maskings</a:t>
-            </a:r>
-            <a:endParaRPr sz="2000">
-              <a:solidFill>
-                <a:schemeClr val="dk1"/>
-              </a:solidFill>
-            </a:endParaRPr>
-          </a:p>
-          <a:p>
-            <a:pPr marL="457200" lvl="0" indent="-368300" algn="l" rtl="0">
-              <a:lnSpc>
-                <a:spcPct val="150000"/>
-              </a:lnSpc>
-              <a:spcBef>
-                <a:spcPts val="0"/>
-              </a:spcBef>
-              <a:spcAft>
-                <a:spcPts val="0"/>
-              </a:spcAft>
-              <a:buClr>
-                <a:schemeClr val="dk1"/>
-              </a:buClr>
-              <a:buSzPts val="2200"/>
-              <a:buChar char="▪"/>
-            </a:pPr>
-            <a:r>
-              <a:rPr lang="nl-NL" sz="2200">
-                <a:solidFill>
-                  <a:schemeClr val="dk1"/>
-                </a:solidFill>
-                <a:latin typeface="Calibri"/>
-                <a:ea typeface="Calibri"/>
-                <a:cs typeface="Calibri"/>
-                <a:sym typeface="Calibri"/>
-              </a:rPr>
-              <a:t>Runtime of BagNets are high.</a:t>
-            </a:r>
-            <a:endParaRPr sz="2200">
-              <a:solidFill>
-                <a:schemeClr val="dk1"/>
-              </a:solidFill>
-              <a:latin typeface="Calibri"/>
-              <a:ea typeface="Calibri"/>
-              <a:cs typeface="Calibri"/>
-              <a:sym typeface="Calibri"/>
-            </a:endParaRPr>
-          </a:p>
-          <a:p>
-            <a:pPr marL="457200" lvl="0" indent="-368300" algn="l" rtl="0">
-              <a:lnSpc>
-                <a:spcPct val="150000"/>
-              </a:lnSpc>
-              <a:spcBef>
-                <a:spcPts val="0"/>
-              </a:spcBef>
-              <a:spcAft>
-                <a:spcPts val="0"/>
-              </a:spcAft>
-              <a:buClr>
-                <a:schemeClr val="dk1"/>
-              </a:buClr>
-              <a:buSzPts val="2200"/>
-              <a:buFont typeface="Calibri"/>
-              <a:buChar char="▪"/>
-            </a:pPr>
-            <a:r>
-              <a:rPr lang="nl-NL" sz="2200">
-                <a:solidFill>
-                  <a:schemeClr val="dk1"/>
-                </a:solidFill>
-                <a:latin typeface="Calibri"/>
-                <a:ea typeface="Calibri"/>
-                <a:cs typeface="Calibri"/>
-                <a:sym typeface="Calibri"/>
-              </a:rPr>
-              <a:t>Background features are pretty much ignored in BagNets.</a:t>
-            </a:r>
-            <a:endParaRPr sz="2200">
-              <a:solidFill>
-                <a:schemeClr val="dk1"/>
-              </a:solidFill>
-              <a:latin typeface="Calibri"/>
-              <a:ea typeface="Calibri"/>
-              <a:cs typeface="Calibri"/>
-              <a:sym typeface="Calibri"/>
-            </a:endParaRPr>
-          </a:p>
-          <a:p>
-            <a:pPr marL="457200" lvl="0" indent="-368300" algn="l" rtl="0">
-              <a:lnSpc>
-                <a:spcPct val="150000"/>
-              </a:lnSpc>
-              <a:spcBef>
-                <a:spcPts val="0"/>
-              </a:spcBef>
-              <a:spcAft>
-                <a:spcPts val="0"/>
-              </a:spcAft>
-              <a:buClr>
-                <a:schemeClr val="dk1"/>
-              </a:buClr>
-              <a:buSzPts val="2200"/>
-              <a:buFont typeface="Calibri"/>
-              <a:buChar char="▪"/>
-            </a:pPr>
-            <a:r>
-              <a:rPr lang="nl-NL" sz="2200">
-                <a:solidFill>
-                  <a:schemeClr val="dk1"/>
-                </a:solidFill>
-                <a:latin typeface="Calibri"/>
-                <a:ea typeface="Calibri"/>
-                <a:cs typeface="Calibri"/>
-                <a:sym typeface="Calibri"/>
-              </a:rPr>
-              <a:t>Lesser Accuracy compared to DNNs .</a:t>
-            </a:r>
-            <a:endParaRPr sz="2200">
+            <a:endParaRPr sz="2200" dirty="0">
               <a:solidFill>
                 <a:schemeClr val="dk1"/>
               </a:solidFill>
@@ -45581,7 +45372,7 @@
               </a:spcAft>
               <a:buNone/>
             </a:pPr>
-            <a:endParaRPr sz="1800">
+            <a:endParaRPr sz="1800" dirty="0">
               <a:solidFill>
                 <a:schemeClr val="dk1"/>
               </a:solidFill>
@@ -45606,7 +45397,7 @@
               <a:buFont typeface="Arial"/>
               <a:buNone/>
             </a:pPr>
-            <a:endParaRPr/>
+            <a:endParaRPr dirty="0"/>
           </a:p>
           <a:p>
             <a:pPr marL="0" lvl="7" indent="0" algn="l" rtl="0">
@@ -45622,7 +45413,7 @@
               <a:buSzPts val="1600"/>
               <a:buNone/>
             </a:pPr>
-            <a:endParaRPr/>
+            <a:endParaRPr dirty="0"/>
           </a:p>
         </p:txBody>
       </p:sp>
@@ -45681,6 +45472,329 @@
               <a:t>10</a:t>
             </a:fld>
             <a:endParaRPr/>
+          </a:p>
+        </p:txBody>
+      </p:sp>
+      <p:sp>
+        <p:nvSpPr>
+          <p:cNvPr id="5" name="Google Shape;605;p26">
+            <a:extLst>
+              <a:ext uri="{FF2B5EF4-FFF2-40B4-BE49-F238E27FC236}">
+                <a16:creationId xmlns:a16="http://schemas.microsoft.com/office/drawing/2014/main" id="{8423F66B-86FB-71B1-CEB3-00B11EC07B4F}"/>
+              </a:ext>
+            </a:extLst>
+          </p:cNvPr>
+          <p:cNvSpPr txBox="1">
+            <a:spLocks/>
+          </p:cNvSpPr>
+          <p:nvPr/>
+        </p:nvSpPr>
+        <p:spPr>
+          <a:xfrm>
+            <a:off x="516250" y="1606425"/>
+            <a:ext cx="7142100" cy="4356600"/>
+          </a:xfrm>
+          <a:prstGeom prst="rect">
+            <a:avLst/>
+          </a:prstGeom>
+          <a:noFill/>
+          <a:ln>
+            <a:noFill/>
+          </a:ln>
+        </p:spPr>
+        <p:txBody>
+          <a:bodyPr spcFirstLastPara="1" wrap="square" lIns="0" tIns="0" rIns="0" bIns="0" anchor="t" anchorCtr="0">
+            <a:normAutofit/>
+          </a:bodyPr>
+          <a:lstStyle>
+            <a:defPPr marR="0" lvl="0" algn="l" rtl="0">
+              <a:lnSpc>
+                <a:spcPct val="100000"/>
+              </a:lnSpc>
+              <a:spcBef>
+                <a:spcPts val="0"/>
+              </a:spcBef>
+              <a:spcAft>
+                <a:spcPts val="0"/>
+              </a:spcAft>
+            </a:defPPr>
+            <a:lvl1pPr marL="457200" marR="0" lvl="0" indent="-342900" algn="l" rtl="0">
+              <a:lnSpc>
+                <a:spcPct val="90000"/>
+              </a:lnSpc>
+              <a:spcBef>
+                <a:spcPts val="1200"/>
+              </a:spcBef>
+              <a:spcAft>
+                <a:spcPts val="0"/>
+              </a:spcAft>
+              <a:buClr>
+                <a:schemeClr val="accent1"/>
+              </a:buClr>
+              <a:buSzPts val="1800"/>
+              <a:buFont typeface="Arial"/>
+              <a:buChar char="▪"/>
+              <a:defRPr sz="1600" b="0" i="0" u="none" strike="noStrike" cap="none">
+                <a:solidFill>
+                  <a:srgbClr val="000000"/>
+                </a:solidFill>
+                <a:latin typeface="Arial"/>
+                <a:ea typeface="Arial"/>
+                <a:cs typeface="Arial"/>
+                <a:sym typeface="Arial"/>
+              </a:defRPr>
+            </a:lvl1pPr>
+            <a:lvl2pPr marL="914400" marR="0" lvl="1" indent="-342900" algn="l" rtl="0">
+              <a:lnSpc>
+                <a:spcPct val="90000"/>
+              </a:lnSpc>
+              <a:spcBef>
+                <a:spcPts val="1200"/>
+              </a:spcBef>
+              <a:spcAft>
+                <a:spcPts val="0"/>
+              </a:spcAft>
+              <a:buClr>
+                <a:schemeClr val="accent1"/>
+              </a:buClr>
+              <a:buSzPts val="1800"/>
+              <a:buFont typeface="Arial"/>
+              <a:buChar char="▪"/>
+              <a:defRPr sz="1600" b="0" i="0" u="none" strike="noStrike" cap="none">
+                <a:solidFill>
+                  <a:srgbClr val="000000"/>
+                </a:solidFill>
+                <a:latin typeface="Arial"/>
+                <a:ea typeface="Arial"/>
+                <a:cs typeface="Arial"/>
+                <a:sym typeface="Arial"/>
+              </a:defRPr>
+            </a:lvl2pPr>
+            <a:lvl3pPr marL="1371600" marR="0" lvl="2" indent="-228600" algn="l" rtl="0">
+              <a:lnSpc>
+                <a:spcPct val="90000"/>
+              </a:lnSpc>
+              <a:spcBef>
+                <a:spcPts val="1200"/>
+              </a:spcBef>
+              <a:spcAft>
+                <a:spcPts val="0"/>
+              </a:spcAft>
+              <a:buClr>
+                <a:schemeClr val="accent1"/>
+              </a:buClr>
+              <a:buSzPts val="1800"/>
+              <a:buFont typeface="Noto Sans Symbols"/>
+              <a:buNone/>
+              <a:defRPr sz="1600" b="0" i="0" u="none" strike="noStrike" cap="none">
+                <a:solidFill>
+                  <a:srgbClr val="000000"/>
+                </a:solidFill>
+                <a:latin typeface="Arial"/>
+                <a:ea typeface="Arial"/>
+                <a:cs typeface="Arial"/>
+                <a:sym typeface="Arial"/>
+              </a:defRPr>
+            </a:lvl3pPr>
+            <a:lvl4pPr marL="1828800" marR="0" lvl="3" indent="-228600" algn="l" rtl="0">
+              <a:lnSpc>
+                <a:spcPct val="90000"/>
+              </a:lnSpc>
+              <a:spcBef>
+                <a:spcPts val="1200"/>
+              </a:spcBef>
+              <a:spcAft>
+                <a:spcPts val="0"/>
+              </a:spcAft>
+              <a:buClr>
+                <a:schemeClr val="accent1"/>
+              </a:buClr>
+              <a:buSzPts val="1800"/>
+              <a:buFont typeface="Noto Sans Symbols"/>
+              <a:buNone/>
+              <a:defRPr sz="1600" b="0" i="0" u="none" strike="noStrike" cap="none">
+                <a:solidFill>
+                  <a:srgbClr val="000000"/>
+                </a:solidFill>
+                <a:latin typeface="Arial"/>
+                <a:ea typeface="Arial"/>
+                <a:cs typeface="Arial"/>
+                <a:sym typeface="Arial"/>
+              </a:defRPr>
+            </a:lvl4pPr>
+            <a:lvl5pPr marL="2286000" marR="0" lvl="4" indent="-342900" algn="l" rtl="0">
+              <a:lnSpc>
+                <a:spcPct val="90000"/>
+              </a:lnSpc>
+              <a:spcBef>
+                <a:spcPts val="1200"/>
+              </a:spcBef>
+              <a:spcAft>
+                <a:spcPts val="0"/>
+              </a:spcAft>
+              <a:buClr>
+                <a:schemeClr val="accent1"/>
+              </a:buClr>
+              <a:buSzPts val="1800"/>
+              <a:buFont typeface="Noto Sans Symbols"/>
+              <a:buAutoNum type="arabicPeriod"/>
+              <a:defRPr sz="1600" b="0" i="0" u="none" strike="noStrike" cap="none">
+                <a:solidFill>
+                  <a:srgbClr val="000000"/>
+                </a:solidFill>
+                <a:latin typeface="Arial"/>
+                <a:ea typeface="Arial"/>
+                <a:cs typeface="Arial"/>
+                <a:sym typeface="Arial"/>
+              </a:defRPr>
+            </a:lvl5pPr>
+            <a:lvl6pPr marL="2743200" marR="0" lvl="5" indent="-342900" algn="l" rtl="0">
+              <a:lnSpc>
+                <a:spcPct val="90000"/>
+              </a:lnSpc>
+              <a:spcBef>
+                <a:spcPts val="1200"/>
+              </a:spcBef>
+              <a:spcAft>
+                <a:spcPts val="0"/>
+              </a:spcAft>
+              <a:buClr>
+                <a:schemeClr val="accent1"/>
+              </a:buClr>
+              <a:buSzPts val="1800"/>
+              <a:buFont typeface="Noto Sans Symbols"/>
+              <a:buAutoNum type="alphaLcPeriod"/>
+              <a:defRPr sz="1600" b="0" i="0" u="none" strike="noStrike" cap="none">
+                <a:solidFill>
+                  <a:srgbClr val="000000"/>
+                </a:solidFill>
+                <a:latin typeface="Arial"/>
+                <a:ea typeface="Arial"/>
+                <a:cs typeface="Arial"/>
+                <a:sym typeface="Arial"/>
+              </a:defRPr>
+            </a:lvl6pPr>
+            <a:lvl7pPr marL="3200400" marR="0" lvl="6" indent="-342900" algn="l" rtl="0">
+              <a:lnSpc>
+                <a:spcPct val="90000"/>
+              </a:lnSpc>
+              <a:spcBef>
+                <a:spcPts val="1200"/>
+              </a:spcBef>
+              <a:spcAft>
+                <a:spcPts val="0"/>
+              </a:spcAft>
+              <a:buClr>
+                <a:schemeClr val="accent1"/>
+              </a:buClr>
+              <a:buSzPts val="1800"/>
+              <a:buFont typeface="Arial"/>
+              <a:buChar char="▪"/>
+              <a:defRPr sz="1600" b="0" i="0" u="none" strike="noStrike" cap="none">
+                <a:solidFill>
+                  <a:srgbClr val="000000"/>
+                </a:solidFill>
+                <a:latin typeface="Arial"/>
+                <a:ea typeface="Arial"/>
+                <a:cs typeface="Arial"/>
+                <a:sym typeface="Arial"/>
+              </a:defRPr>
+            </a:lvl7pPr>
+            <a:lvl8pPr marL="3657600" marR="0" lvl="7" indent="-228600" algn="l" rtl="0">
+              <a:lnSpc>
+                <a:spcPct val="90000"/>
+              </a:lnSpc>
+              <a:spcBef>
+                <a:spcPts val="1200"/>
+              </a:spcBef>
+              <a:spcAft>
+                <a:spcPts val="0"/>
+              </a:spcAft>
+              <a:buClr>
+                <a:schemeClr val="accent1"/>
+              </a:buClr>
+              <a:buSzPts val="1800"/>
+              <a:buFont typeface="Noto Sans Symbols"/>
+              <a:buNone/>
+              <a:defRPr sz="1600" b="0" i="0" u="none" strike="noStrike" cap="none">
+                <a:solidFill>
+                  <a:srgbClr val="000000"/>
+                </a:solidFill>
+                <a:latin typeface="Arial"/>
+                <a:ea typeface="Arial"/>
+                <a:cs typeface="Arial"/>
+                <a:sym typeface="Arial"/>
+              </a:defRPr>
+            </a:lvl8pPr>
+            <a:lvl9pPr marL="4114800" marR="0" lvl="8" indent="-228600" algn="l" rtl="0">
+              <a:lnSpc>
+                <a:spcPct val="90000"/>
+              </a:lnSpc>
+              <a:spcBef>
+                <a:spcPts val="1200"/>
+              </a:spcBef>
+              <a:spcAft>
+                <a:spcPts val="0"/>
+              </a:spcAft>
+              <a:buClr>
+                <a:schemeClr val="accent1"/>
+              </a:buClr>
+              <a:buSzPts val="1800"/>
+              <a:buFont typeface="Noto Sans Symbols"/>
+              <a:buNone/>
+              <a:defRPr sz="1600" b="0" i="0" u="none" strike="noStrike" cap="none">
+                <a:solidFill>
+                  <a:srgbClr val="000000"/>
+                </a:solidFill>
+                <a:latin typeface="Arial"/>
+                <a:ea typeface="Arial"/>
+                <a:cs typeface="Arial"/>
+                <a:sym typeface="Arial"/>
+              </a:defRPr>
+            </a:lvl9pPr>
+          </a:lstStyle>
+          <a:p>
+            <a:pPr marL="263525" indent="-288925">
+              <a:buSzPts val="2000"/>
+            </a:pPr>
+            <a:r>
+              <a:rPr lang="en-US" sz="2000" b="1" dirty="0">
+                <a:solidFill>
+                  <a:schemeClr val="dk1"/>
+                </a:solidFill>
+              </a:rPr>
+              <a:t>Linear Bicycle model</a:t>
+            </a:r>
+            <a:endParaRPr lang="en-US" sz="1800" dirty="0">
+              <a:solidFill>
+                <a:schemeClr val="dk1"/>
+              </a:solidFill>
+            </a:endParaRPr>
+          </a:p>
+          <a:p>
+            <a:pPr marL="0" indent="0">
+              <a:buFont typeface="Arial"/>
+              <a:buNone/>
+            </a:pPr>
+            <a:endParaRPr lang="en-US" dirty="0">
+              <a:solidFill>
+                <a:schemeClr val="dk1"/>
+              </a:solidFill>
+            </a:endParaRPr>
+          </a:p>
+          <a:p>
+            <a:pPr marL="538162" lvl="1" indent="-173038">
+              <a:buSzPts val="1600"/>
+              <a:buFont typeface="Arial"/>
+              <a:buNone/>
+            </a:pPr>
+            <a:endParaRPr lang="en-US" dirty="0"/>
+          </a:p>
+          <a:p>
+            <a:pPr marL="0" lvl="7" indent="0">
+              <a:buSzPts val="1600"/>
+            </a:pPr>
+            <a:endParaRPr lang="en-US" dirty="0"/>
           </a:p>
         </p:txBody>
       </p:sp>
@@ -45826,10 +45940,10 @@
               <a:buNone/>
             </a:pPr>
             <a:r>
-              <a:rPr lang="nl-NL" sz="2976"/>
-              <a:t>Opportunities</a:t>
+              <a:rPr lang="nl-NL" sz="2976" dirty="0"/>
+              <a:t>Simulation and Results</a:t>
             </a:r>
-            <a:endParaRPr/>
+            <a:endParaRPr dirty="0"/>
           </a:p>
         </p:txBody>
       </p:sp>
@@ -45858,7 +45972,7 @@
         </p:spPr>
         <p:txBody>
           <a:bodyPr spcFirstLastPara="1" wrap="square" lIns="0" tIns="0" rIns="0" bIns="0" anchor="t" anchorCtr="0">
-            <a:normAutofit fontScale="32500" lnSpcReduction="10000"/>
+            <a:normAutofit/>
           </a:bodyPr>
           <a:lstStyle/>
           <a:p>
@@ -45874,159 +45988,7 @@
               </a:spcAft>
               <a:buNone/>
             </a:pPr>
-            <a:endParaRPr sz="8000">
-              <a:solidFill>
-                <a:schemeClr val="dk1"/>
-              </a:solidFill>
-            </a:endParaRPr>
-          </a:p>
-          <a:p>
-            <a:pPr marL="457200" lvl="0" indent="-368300" algn="l" rtl="0">
-              <a:lnSpc>
-                <a:spcPct val="150000"/>
-              </a:lnSpc>
-              <a:spcBef>
-                <a:spcPts val="1000"/>
-              </a:spcBef>
-              <a:spcAft>
-                <a:spcPts val="0"/>
-              </a:spcAft>
-              <a:buClr>
-                <a:schemeClr val="dk1"/>
-              </a:buClr>
-              <a:buSzPct val="100000"/>
-              <a:buChar char="▪"/>
-            </a:pPr>
-            <a:r>
-              <a:rPr lang="nl-NL" sz="8800">
-                <a:solidFill>
-                  <a:schemeClr val="dk1"/>
-                </a:solidFill>
-                <a:latin typeface="Calibri"/>
-                <a:ea typeface="Calibri"/>
-                <a:cs typeface="Calibri"/>
-                <a:sym typeface="Calibri"/>
-              </a:rPr>
-              <a:t>Evaluate lower bound in tasks where local statistical regularities cannot be used to solve.</a:t>
-            </a:r>
-            <a:endParaRPr sz="8800">
-              <a:solidFill>
-                <a:schemeClr val="dk1"/>
-              </a:solidFill>
-              <a:latin typeface="Calibri"/>
-              <a:ea typeface="Calibri"/>
-              <a:cs typeface="Calibri"/>
-              <a:sym typeface="Calibri"/>
-            </a:endParaRPr>
-          </a:p>
-          <a:p>
-            <a:pPr marL="457200" lvl="0" indent="-368300" algn="l" rtl="0">
-              <a:lnSpc>
-                <a:spcPct val="150000"/>
-              </a:lnSpc>
-              <a:spcBef>
-                <a:spcPts val="0"/>
-              </a:spcBef>
-              <a:spcAft>
-                <a:spcPts val="0"/>
-              </a:spcAft>
-              <a:buClr>
-                <a:schemeClr val="dk1"/>
-              </a:buClr>
-              <a:buSzPct val="100000"/>
-              <a:buChar char="▪"/>
-            </a:pPr>
-            <a:r>
-              <a:rPr lang="nl-NL" sz="8800">
-                <a:solidFill>
-                  <a:schemeClr val="dk1"/>
-                </a:solidFill>
-                <a:latin typeface="Calibri"/>
-                <a:ea typeface="Calibri"/>
-                <a:cs typeface="Calibri"/>
-                <a:sym typeface="Calibri"/>
-              </a:rPr>
-              <a:t>Desirable where opportunity to  trade some accuracy for better interpretability.</a:t>
-            </a:r>
-            <a:endParaRPr sz="8800">
-              <a:solidFill>
-                <a:schemeClr val="dk1"/>
-              </a:solidFill>
-              <a:latin typeface="Calibri"/>
-              <a:ea typeface="Calibri"/>
-              <a:cs typeface="Calibri"/>
-              <a:sym typeface="Calibri"/>
-            </a:endParaRPr>
-          </a:p>
-          <a:p>
-            <a:pPr marL="457200" lvl="0" indent="-368300" algn="l" rtl="0">
-              <a:lnSpc>
-                <a:spcPct val="150000"/>
-              </a:lnSpc>
-              <a:spcBef>
-                <a:spcPts val="0"/>
-              </a:spcBef>
-              <a:spcAft>
-                <a:spcPts val="0"/>
-              </a:spcAft>
-              <a:buClr>
-                <a:schemeClr val="dk1"/>
-              </a:buClr>
-              <a:buSzPct val="100000"/>
-              <a:buChar char="▪"/>
-            </a:pPr>
-            <a:r>
-              <a:rPr lang="nl-NL" sz="8800">
-                <a:solidFill>
-                  <a:schemeClr val="dk1"/>
-                </a:solidFill>
-                <a:latin typeface="Calibri"/>
-                <a:ea typeface="Calibri"/>
-                <a:cs typeface="Calibri"/>
-                <a:sym typeface="Calibri"/>
-              </a:rPr>
-              <a:t>Interpretable parts of a larger computer vision pipeline.</a:t>
-            </a:r>
-            <a:endParaRPr sz="8800">
-              <a:solidFill>
-                <a:schemeClr val="dk1"/>
-              </a:solidFill>
-              <a:latin typeface="Calibri"/>
-              <a:ea typeface="Calibri"/>
-              <a:cs typeface="Calibri"/>
-              <a:sym typeface="Calibri"/>
-            </a:endParaRPr>
-          </a:p>
-          <a:p>
-            <a:pPr marL="457200" lvl="0" indent="-368300" algn="l" rtl="0">
-              <a:lnSpc>
-                <a:spcPct val="150000"/>
-              </a:lnSpc>
-              <a:spcBef>
-                <a:spcPts val="0"/>
-              </a:spcBef>
-              <a:spcAft>
-                <a:spcPts val="0"/>
-              </a:spcAft>
-              <a:buClr>
-                <a:schemeClr val="dk1"/>
-              </a:buClr>
-              <a:buSzPct val="100000"/>
-              <a:buChar char="▪"/>
-            </a:pPr>
-            <a:r>
-              <a:rPr lang="nl-NL" sz="8800">
-                <a:solidFill>
-                  <a:schemeClr val="dk1"/>
-                </a:solidFill>
-                <a:latin typeface="Calibri"/>
-                <a:ea typeface="Calibri"/>
-                <a:cs typeface="Calibri"/>
-                <a:sym typeface="Calibri"/>
-              </a:rPr>
-              <a:t>Encourage and inspire.</a:t>
-            </a:r>
-            <a:endParaRPr sz="3200">
+            <a:endParaRPr sz="8000" dirty="0">
               <a:solidFill>
                 <a:schemeClr val="dk1"/>
               </a:solidFill>
@@ -46045,7 +46007,7 @@
               </a:spcAft>
               <a:buNone/>
             </a:pPr>
-            <a:endParaRPr sz="1800">
+            <a:endParaRPr sz="1800" dirty="0">
               <a:solidFill>
                 <a:schemeClr val="dk1"/>
               </a:solidFill>
@@ -46070,7 +46032,7 @@
               <a:buFont typeface="Arial"/>
               <a:buNone/>
             </a:pPr>
-            <a:endParaRPr/>
+            <a:endParaRPr dirty="0"/>
           </a:p>
           <a:p>
             <a:pPr marL="0" lvl="7" indent="0" algn="l" rtl="0">
@@ -46086,7 +46048,7 @@
               <a:buSzPct val="100000"/>
               <a:buNone/>
             </a:pPr>
-            <a:endParaRPr/>
+            <a:endParaRPr dirty="0"/>
           </a:p>
         </p:txBody>
       </p:sp>
@@ -46295,10 +46257,10 @@
               <a:buNone/>
             </a:pPr>
             <a:r>
-              <a:rPr lang="nl-NL" sz="2976"/>
-              <a:t>Threats</a:t>
+              <a:rPr lang="nl-NL" sz="2976" dirty="0"/>
+              <a:t>Conclusions</a:t>
             </a:r>
-            <a:endParaRPr/>
+            <a:endParaRPr dirty="0"/>
           </a:p>
         </p:txBody>
       </p:sp>
@@ -46343,156 +46305,7 @@
               </a:spcAft>
               <a:buNone/>
             </a:pPr>
-            <a:endParaRPr sz="1800">
-              <a:solidFill>
-                <a:schemeClr val="dk1"/>
-              </a:solidFill>
-            </a:endParaRPr>
-          </a:p>
-          <a:p>
-            <a:pPr marL="457200" lvl="0" indent="-368300" algn="l" rtl="0">
-              <a:lnSpc>
-                <a:spcPct val="150000"/>
-              </a:lnSpc>
-              <a:spcBef>
-                <a:spcPts val="1000"/>
-              </a:spcBef>
-              <a:spcAft>
-                <a:spcPts val="0"/>
-              </a:spcAft>
-              <a:buClr>
-                <a:schemeClr val="dk1"/>
-              </a:buClr>
-              <a:buSzPts val="2200"/>
-              <a:buChar char="▪"/>
-            </a:pPr>
-            <a:r>
-              <a:rPr lang="nl-NL" sz="2200">
-                <a:solidFill>
-                  <a:schemeClr val="dk1"/>
-                </a:solidFill>
-                <a:latin typeface="Calibri"/>
-                <a:ea typeface="Calibri"/>
-                <a:cs typeface="Calibri"/>
-                <a:sym typeface="Calibri"/>
-              </a:rPr>
-              <a:t>Will fail when there is non-linear interactions between image parts.</a:t>
-            </a:r>
-            <a:endParaRPr sz="2200">
-              <a:solidFill>
-                <a:schemeClr val="dk1"/>
-              </a:solidFill>
-              <a:latin typeface="Calibri"/>
-              <a:ea typeface="Calibri"/>
-              <a:cs typeface="Calibri"/>
-              <a:sym typeface="Calibri"/>
-            </a:endParaRPr>
-          </a:p>
-          <a:p>
-            <a:pPr marL="457200" lvl="0" indent="-355600" algn="l" rtl="0">
-              <a:lnSpc>
-                <a:spcPct val="150000"/>
-              </a:lnSpc>
-              <a:spcBef>
-                <a:spcPts val="0"/>
-              </a:spcBef>
-              <a:spcAft>
-                <a:spcPts val="0"/>
-              </a:spcAft>
-              <a:buClr>
-                <a:schemeClr val="dk1"/>
-              </a:buClr>
-              <a:buSzPts val="2000"/>
-              <a:buChar char="▪"/>
-            </a:pPr>
-            <a:r>
-              <a:rPr lang="nl-NL" sz="2200">
-                <a:solidFill>
-                  <a:schemeClr val="dk1"/>
-                </a:solidFill>
-                <a:latin typeface="Calibri"/>
-                <a:ea typeface="Calibri"/>
-                <a:cs typeface="Calibri"/>
-                <a:sym typeface="Calibri"/>
-              </a:rPr>
-              <a:t>Fails to completely explain decision making of deeper networks</a:t>
-            </a:r>
-            <a:r>
-              <a:rPr lang="nl-NL" sz="2000">
-                <a:solidFill>
-                  <a:schemeClr val="dk1"/>
-                </a:solidFill>
-                <a:latin typeface="Calibri"/>
-                <a:ea typeface="Calibri"/>
-                <a:cs typeface="Calibri"/>
-                <a:sym typeface="Calibri"/>
-              </a:rPr>
-              <a:t>.</a:t>
-            </a:r>
-            <a:endParaRPr sz="2000">
-              <a:solidFill>
-                <a:schemeClr val="dk1"/>
-              </a:solidFill>
-              <a:latin typeface="Calibri"/>
-              <a:ea typeface="Calibri"/>
-              <a:cs typeface="Calibri"/>
-              <a:sym typeface="Calibri"/>
-            </a:endParaRPr>
-          </a:p>
-          <a:p>
-            <a:pPr marL="457200" lvl="0" indent="-368300" algn="l" rtl="0">
-              <a:lnSpc>
-                <a:spcPct val="150000"/>
-              </a:lnSpc>
-              <a:spcBef>
-                <a:spcPts val="0"/>
-              </a:spcBef>
-              <a:spcAft>
-                <a:spcPts val="0"/>
-              </a:spcAft>
-              <a:buClr>
-                <a:schemeClr val="dk1"/>
-              </a:buClr>
-              <a:buSzPts val="2200"/>
-              <a:buFont typeface="Calibri"/>
-              <a:buChar char="▪"/>
-            </a:pPr>
-            <a:r>
-              <a:rPr lang="nl-NL" sz="2200">
-                <a:solidFill>
-                  <a:schemeClr val="dk1"/>
-                </a:solidFill>
-                <a:latin typeface="Calibri"/>
-                <a:ea typeface="Calibri"/>
-                <a:cs typeface="Calibri"/>
-                <a:sym typeface="Calibri"/>
-              </a:rPr>
-              <a:t>Currently tested only for ImageNet (image classification)</a:t>
-            </a:r>
-            <a:endParaRPr sz="2200">
-              <a:solidFill>
-                <a:schemeClr val="dk1"/>
-              </a:solidFill>
-              <a:latin typeface="Calibri"/>
-              <a:ea typeface="Calibri"/>
-              <a:cs typeface="Calibri"/>
-              <a:sym typeface="Calibri"/>
-            </a:endParaRPr>
-          </a:p>
-          <a:p>
-            <a:pPr marL="457200" lvl="0" indent="0" algn="l" rtl="0">
-              <a:lnSpc>
-                <a:spcPct val="150000"/>
-              </a:lnSpc>
-              <a:spcBef>
-                <a:spcPts val="1200"/>
-              </a:spcBef>
-              <a:spcAft>
-                <a:spcPts val="0"/>
-              </a:spcAft>
-              <a:buNone/>
-            </a:pPr>
-            <a:endParaRPr>
+            <a:endParaRPr sz="1800" dirty="0">
               <a:solidFill>
                 <a:schemeClr val="dk1"/>
               </a:solidFill>
@@ -46501,6 +46314,25 @@
           <a:p>
             <a:pPr marL="457200" lvl="0" indent="0" algn="l" rtl="0">
               <a:lnSpc>
+                <a:spcPct val="150000"/>
+              </a:lnSpc>
+              <a:spcBef>
+                <a:spcPts val="1200"/>
+              </a:spcBef>
+              <a:spcAft>
+                <a:spcPts val="0"/>
+              </a:spcAft>
+              <a:buNone/>
+            </a:pPr>
+            <a:endParaRPr dirty="0">
+              <a:solidFill>
+                <a:schemeClr val="dk1"/>
+              </a:solidFill>
+            </a:endParaRPr>
+          </a:p>
+          <a:p>
+            <a:pPr marL="457200" lvl="0" indent="0" algn="l" rtl="0">
+              <a:lnSpc>
                 <a:spcPct val="115000"/>
               </a:lnSpc>
               <a:spcBef>
@@ -46511,7 +46343,7 @@
               </a:spcAft>
               <a:buNone/>
             </a:pPr>
-            <a:endParaRPr sz="1800">
+            <a:endParaRPr sz="1800" dirty="0">
               <a:solidFill>
                 <a:schemeClr val="dk1"/>
               </a:solidFill>
@@ -46536,7 +46368,7 @@
               <a:buFont typeface="Arial"/>
               <a:buNone/>
             </a:pPr>
-            <a:endParaRPr/>
+            <a:endParaRPr dirty="0"/>
           </a:p>
           <a:p>
             <a:pPr marL="0" lvl="7" indent="0" algn="l" rtl="0">
@@ -46552,7 +46384,7 @@
               <a:buSzPts val="1600"/>
               <a:buNone/>
             </a:pPr>
-            <a:endParaRPr/>
+            <a:endParaRPr dirty="0"/>
           </a:p>
         </p:txBody>
       </p:sp>
@@ -46739,7 +46571,7 @@
         </p:spPr>
         <p:txBody>
           <a:bodyPr spcFirstLastPara="1" wrap="square" lIns="0" tIns="0" rIns="0" bIns="0" anchor="t" anchorCtr="0">
-            <a:normAutofit fontScale="90000"/>
+            <a:normAutofit/>
           </a:bodyPr>
           <a:lstStyle/>
           <a:p>
@@ -46761,10 +46593,10 @@
               <a:buNone/>
             </a:pPr>
             <a:r>
-              <a:rPr lang="nl-NL" sz="2976"/>
-              <a:t>Papers that build upon this research</a:t>
+              <a:rPr lang="nl-NL" sz="2976" dirty="0"/>
+              <a:t>Future Work</a:t>
             </a:r>
-            <a:endParaRPr/>
+            <a:endParaRPr dirty="0"/>
           </a:p>
         </p:txBody>
       </p:sp>
@@ -46809,7 +46641,7 @@
               </a:spcAft>
               <a:buNone/>
             </a:pPr>
-            <a:endParaRPr sz="1800">
+            <a:endParaRPr sz="1800" dirty="0">
               <a:solidFill>
                 <a:schemeClr val="dk1"/>
               </a:solidFill>
@@ -46832,58 +46664,38 @@
               <a:buSzPts val="1800"/>
               <a:buChar char="▪"/>
             </a:pPr>
-            <a:r>
-              <a:rPr lang="nl-NL" sz="1800">
-                <a:solidFill>
-                  <a:schemeClr val="dk1"/>
-                </a:solidFill>
-              </a:rPr>
-              <a:t>Highly cited in literature</a:t>
-            </a:r>
-            <a:endParaRPr sz="1800">
+            <a:endParaRPr sz="1800" dirty="0">
               <a:solidFill>
                 <a:schemeClr val="dk1"/>
               </a:solidFill>
             </a:endParaRPr>
           </a:p>
           <a:p>
-            <a:pPr marL="457200" lvl="0" indent="-342900" algn="l" rtl="0">
-              <a:lnSpc>
-                <a:spcPct val="150000"/>
-              </a:lnSpc>
-              <a:spcBef>
-                <a:spcPts val="0"/>
-              </a:spcBef>
-              <a:spcAft>
-                <a:spcPts val="0"/>
-              </a:spcAft>
-              <a:buClr>
-                <a:schemeClr val="dk1"/>
-              </a:buClr>
-              <a:buSzPts val="1800"/>
-              <a:buChar char="▪"/>
+            <a:pPr marL="0" lvl="0" indent="0" algn="l" rtl="0">
+              <a:lnSpc>
+                <a:spcPct val="115000"/>
+              </a:lnSpc>
+              <a:spcBef>
+                <a:spcPts val="1200"/>
+              </a:spcBef>
+              <a:spcAft>
+                <a:spcPts val="0"/>
+              </a:spcAft>
+              <a:buNone/>
             </a:pPr>
-            <a:r>
-              <a:rPr lang="nl-NL" sz="1800">
-                <a:solidFill>
-                  <a:schemeClr val="dk1"/>
-                </a:solidFill>
-              </a:rPr>
-              <a:t>Understanding CNNs</a:t>
-            </a:r>
-            <a:endParaRPr sz="1800">
+            <a:endParaRPr sz="1100" i="1" dirty="0">
               <a:solidFill>
                 <a:schemeClr val="dk1"/>
               </a:solidFill>
             </a:endParaRPr>
           </a:p>
           <a:p>
-            <a:pPr marL="457200" lvl="0" indent="-342900" algn="l" rtl="0">
-              <a:lnSpc>
-                <a:spcPct val="150000"/>
-              </a:lnSpc>
-              <a:spcBef>
-                <a:spcPts val="0"/>
+            <a:pPr marL="0" lvl="0" indent="0" algn="l" rtl="0">
+              <a:lnSpc>
+                <a:spcPct val="115000"/>
+              </a:lnSpc>
+              <a:spcBef>
+                <a:spcPts val="1200"/>
               </a:spcBef>
               <a:spcAft>
                 <a:spcPts val="0"/>
@@ -46891,18 +46703,11 @@
               <a:buClr>
                 <a:schemeClr val="dk1"/>
               </a:buClr>
-              <a:buSzPts val="1800"/>
-              <a:buChar char="▪"/>
+              <a:buSzPts val="1100"/>
+              <a:buFont typeface="Arial"/>
+              <a:buNone/>
             </a:pPr>
-            <a:r>
-              <a:rPr lang="nl-NL" sz="1800">
-                <a:solidFill>
-                  <a:schemeClr val="dk1"/>
-                </a:solidFill>
-              </a:rPr>
-              <a:t>Open-source algorithm BagNet</a:t>
-            </a:r>
-            <a:endParaRPr sz="1800">
+            <a:endParaRPr sz="1100" i="1" dirty="0">
               <a:solidFill>
                 <a:schemeClr val="dk1"/>
               </a:solidFill>
@@ -46914,57 +46719,14 @@
                 <a:spcPct val="150000"/>
               </a:lnSpc>
               <a:spcBef>
-                <a:spcPts val="1000"/>
+                <a:spcPts val="1200"/>
               </a:spcBef>
               <a:spcAft>
                 <a:spcPts val="0"/>
               </a:spcAft>
               <a:buNone/>
             </a:pPr>
-            <a:endParaRPr sz="1800">
-              <a:solidFill>
-                <a:schemeClr val="dk1"/>
-              </a:solidFill>
-            </a:endParaRPr>
-          </a:p>
-          <a:p>
-            <a:pPr marL="0" lvl="0" indent="0" algn="l" rtl="0">
-              <a:lnSpc>
-                <a:spcPct val="115000"/>
-              </a:lnSpc>
-              <a:spcBef>
-                <a:spcPts val="1200"/>
-              </a:spcBef>
-              <a:spcAft>
-                <a:spcPts val="0"/>
-              </a:spcAft>
-              <a:buNone/>
-            </a:pPr>
-            <a:endParaRPr sz="1100" i="1">
-              <a:solidFill>
-                <a:schemeClr val="dk1"/>
-              </a:solidFill>
-            </a:endParaRPr>
-          </a:p>
-          <a:p>
-            <a:pPr marL="0" lvl="0" indent="0" algn="l" rtl="0">
-              <a:lnSpc>
-                <a:spcPct val="115000"/>
-              </a:lnSpc>
-              <a:spcBef>
-                <a:spcPts val="1200"/>
-              </a:spcBef>
-              <a:spcAft>
-                <a:spcPts val="0"/>
-              </a:spcAft>
-              <a:buClr>
-                <a:schemeClr val="dk1"/>
-              </a:buClr>
-              <a:buSzPts val="1100"/>
-              <a:buFont typeface="Arial"/>
-              <a:buNone/>
-            </a:pPr>
-            <a:endParaRPr sz="1100" i="1">
+            <a:endParaRPr sz="1800" dirty="0">
               <a:solidFill>
                 <a:schemeClr val="dk1"/>
               </a:solidFill>
@@ -46973,7 +46735,7 @@
           <a:p>
             <a:pPr marL="457200" lvl="0" indent="0" algn="l" rtl="0">
               <a:lnSpc>
-                <a:spcPct val="150000"/>
+                <a:spcPct val="115000"/>
               </a:lnSpc>
               <a:spcBef>
                 <a:spcPts val="1200"/>
@@ -46983,26 +46745,7 @@
               </a:spcAft>
               <a:buNone/>
             </a:pPr>
-            <a:endParaRPr sz="1800">
-              <a:solidFill>
-                <a:schemeClr val="dk1"/>
-              </a:solidFill>
-            </a:endParaRPr>
-          </a:p>
-          <a:p>
-            <a:pPr marL="457200" lvl="0" indent="0" algn="l" rtl="0">
-              <a:lnSpc>
-                <a:spcPct val="115000"/>
-              </a:lnSpc>
-              <a:spcBef>
-                <a:spcPts val="1200"/>
-              </a:spcBef>
-              <a:spcAft>
-                <a:spcPts val="0"/>
-              </a:spcAft>
-              <a:buNone/>
-            </a:pPr>
-            <a:endParaRPr sz="4800">
+            <a:endParaRPr sz="4800" dirty="0">
               <a:solidFill>
                 <a:schemeClr val="dk1"/>
               </a:solidFill>
@@ -47027,7 +46770,7 @@
               <a:buFont typeface="Arial"/>
               <a:buNone/>
             </a:pPr>
-            <a:endParaRPr sz="4800"/>
+            <a:endParaRPr sz="4800" dirty="0"/>
           </a:p>
           <a:p>
             <a:pPr marL="0" lvl="7" indent="0" algn="l" rtl="0">
@@ -47043,7 +46786,7 @@
               <a:buSzPts val="1600"/>
               <a:buNone/>
             </a:pPr>
-            <a:endParaRPr sz="4800"/>
+            <a:endParaRPr sz="4800" dirty="0"/>
           </a:p>
         </p:txBody>
       </p:sp>
@@ -47102,82 +46845,6 @@
               <a:t>16</a:t>
             </a:fld>
             <a:endParaRPr/>
-          </a:p>
-        </p:txBody>
-      </p:sp>
-      <p:sp>
-        <p:nvSpPr>
-          <p:cNvPr id="737" name="Google Shape;737;p44"/>
-          <p:cNvSpPr txBox="1"/>
-          <p:nvPr/>
-        </p:nvSpPr>
-        <p:spPr>
-          <a:xfrm>
-            <a:off x="362150" y="3453800"/>
-            <a:ext cx="6664800" cy="1919400"/>
-          </a:xfrm>
-          <a:prstGeom prst="rect">
-            <a:avLst/>
-          </a:prstGeom>
-          <a:noFill/>
-          <a:ln>
-            <a:noFill/>
-          </a:ln>
-        </p:spPr>
-        <p:txBody>
-          <a:bodyPr spcFirstLastPara="1" wrap="square" lIns="91425" tIns="91425" rIns="91425" bIns="91425" anchor="t" anchorCtr="0">
-            <a:spAutoFit/>
-          </a:bodyPr>
-          <a:lstStyle/>
-          <a:p>
-            <a:pPr marL="0" lvl="0" indent="0" algn="l" rtl="0">
-              <a:lnSpc>
-                <a:spcPct val="115000"/>
-              </a:lnSpc>
-              <a:spcBef>
-                <a:spcPts val="1200"/>
-              </a:spcBef>
-              <a:spcAft>
-                <a:spcPts val="0"/>
-              </a:spcAft>
-              <a:buNone/>
-            </a:pPr>
-            <a:r>
-              <a:rPr lang="nl-NL" sz="1300" b="1" i="1">
-                <a:solidFill>
-                  <a:schemeClr val="dk1"/>
-                </a:solidFill>
-              </a:rPr>
-              <a:t>Geirhos, Robert, Patricia Rubisch, Claudio Michaelis, Matthias Bethge, Felix A. Wichmann, and Wieland Brendel. "ImageNet-trained CNNs are biased towards texture; increasing shape bias improves accuracy and robustness." arXiv preprint arXiv:1811.12231 (2018).</a:t>
-            </a:r>
-            <a:endParaRPr sz="1300" i="1">
-              <a:solidFill>
-                <a:schemeClr val="dk1"/>
-              </a:solidFill>
-            </a:endParaRPr>
-          </a:p>
-          <a:p>
-            <a:pPr marL="0" lvl="0" indent="0" algn="l" rtl="0">
-              <a:lnSpc>
-                <a:spcPct val="115000"/>
-              </a:lnSpc>
-              <a:spcBef>
-                <a:spcPts val="1200"/>
-              </a:spcBef>
-              <a:spcAft>
-                <a:spcPts val="1200"/>
-              </a:spcAft>
-              <a:buNone/>
-            </a:pPr>
-            <a:r>
-              <a:rPr lang="nl-NL" sz="1300" b="1" i="1">
-                <a:solidFill>
-                  <a:schemeClr val="dk1"/>
-                </a:solidFill>
-              </a:rPr>
-              <a:t>Geirhos, R., Jacobsen, J.H., Michaelis, C., Zemel, R., Brendel, W., Bethge, M. and Wichmann, F.A., 2020. Shortcut learning in deep neural networks. Nature Machine Intelligence, 2(11), pp.665-673.</a:t>
-            </a:r>
-            <a:endParaRPr sz="1600"/>
           </a:p>
         </p:txBody>
       </p:sp>
@@ -48338,104 +48005,6 @@
           </a:p>
         </p:txBody>
       </p:sp>
-      <p:sp>
-        <p:nvSpPr>
-          <p:cNvPr id="8" name="TextBox 7">
-            <a:extLst>
-              <a:ext uri="{FF2B5EF4-FFF2-40B4-BE49-F238E27FC236}">
-                <a16:creationId xmlns:a16="http://schemas.microsoft.com/office/drawing/2014/main" id="{6B4C1FCC-AF99-62E2-7288-559886FB1198}"/>
-              </a:ext>
-            </a:extLst>
-          </p:cNvPr>
-          <p:cNvSpPr txBox="1"/>
-          <p:nvPr/>
-        </p:nvSpPr>
-        <p:spPr>
-          <a:xfrm>
-            <a:off x="462116" y="4836415"/>
-            <a:ext cx="6705600" cy="954107"/>
-          </a:xfrm>
-          <a:prstGeom prst="rect">
-            <a:avLst/>
-          </a:prstGeom>
-          <a:noFill/>
-        </p:spPr>
-        <p:txBody>
-          <a:bodyPr wrap="square">
-            <a:spAutoFit/>
-          </a:bodyPr>
-          <a:lstStyle/>
-          <a:p>
-            <a:r>
-              <a:rPr lang="en-US" b="0" i="0" dirty="0">
-                <a:solidFill>
-                  <a:srgbClr val="222222"/>
-                </a:solidFill>
-                <a:effectLst/>
-                <a:latin typeface="Arial" panose="020B0604020202020204" pitchFamily="34" charset="0"/>
-              </a:rPr>
-              <a:t>[1] Liu, </a:t>
-            </a:r>
-            <a:r>
-              <a:rPr lang="en-US" b="0" i="0" dirty="0" err="1">
-                <a:solidFill>
-                  <a:srgbClr val="222222"/>
-                </a:solidFill>
-                <a:effectLst/>
-                <a:latin typeface="Arial" panose="020B0604020202020204" pitchFamily="34" charset="0"/>
-              </a:rPr>
-              <a:t>Jizheng</a:t>
-            </a:r>
-            <a:r>
-              <a:rPr lang="en-US" b="0" i="0" dirty="0">
-                <a:solidFill>
-                  <a:srgbClr val="222222"/>
-                </a:solidFill>
-                <a:effectLst/>
-                <a:latin typeface="Arial" panose="020B0604020202020204" pitchFamily="34" charset="0"/>
-              </a:rPr>
-              <a:t>, et al. "Sideslip angle estimation of ground vehicles: a comparative study." </a:t>
-            </a:r>
-            <a:r>
-              <a:rPr lang="en-US" b="0" i="1" dirty="0">
-                <a:solidFill>
-                  <a:srgbClr val="222222"/>
-                </a:solidFill>
-                <a:effectLst/>
-                <a:latin typeface="Arial" panose="020B0604020202020204" pitchFamily="34" charset="0"/>
-              </a:rPr>
-              <a:t>IET Control Theory and Applications</a:t>
-            </a:r>
-            <a:r>
-              <a:rPr lang="en-US" b="0" i="0" dirty="0">
-                <a:solidFill>
-                  <a:srgbClr val="222222"/>
-                </a:solidFill>
-                <a:effectLst/>
-                <a:latin typeface="Arial" panose="020B0604020202020204" pitchFamily="34" charset="0"/>
-              </a:rPr>
-              <a:t> (2020).</a:t>
-            </a:r>
-          </a:p>
-          <a:p>
-            <a:r>
-              <a:rPr lang="it-IT" dirty="0"/>
-              <a:t>[2] Federico Cheli</a:t>
-            </a:r>
-            <a:r>
-              <a:rPr lang="en-US" b="0" i="0" dirty="0">
-                <a:solidFill>
-                  <a:srgbClr val="222222"/>
-                </a:solidFill>
-                <a:effectLst/>
-                <a:latin typeface="Arial" panose="020B0604020202020204" pitchFamily="34" charset="0"/>
-              </a:rPr>
-              <a:t>, et al.  “A methodology for vehicle sideslip angle identification: comparison with experimental data”. Vehicle System Dynamics (2007)</a:t>
-            </a:r>
-            <a:endParaRPr lang="en-US" dirty="0"/>
-          </a:p>
-        </p:txBody>
-      </p:sp>
     </p:spTree>
   </p:cSld>
   <p:clrMapOvr>
@@ -48578,10 +48147,10 @@
               <a:buNone/>
             </a:pPr>
             <a:r>
-              <a:rPr lang="nl-NL" sz="2976"/>
-              <a:t>Related literature</a:t>
+              <a:rPr lang="nl-NL" sz="2976" dirty="0"/>
+              <a:t>Problem Statement</a:t>
             </a:r>
-            <a:endParaRPr/>
+            <a:endParaRPr dirty="0"/>
           </a:p>
         </p:txBody>
       </p:sp>
@@ -48628,81 +48197,13 @@
               <a:buChar char="▪"/>
             </a:pPr>
             <a:r>
-              <a:rPr lang="nl-NL" sz="2000" b="1" dirty="0"/>
-              <a:t>BoF models and DNNs</a:t>
+              <a:rPr lang="en-US" sz="2000" b="1" dirty="0">
+                <a:solidFill>
+                  <a:schemeClr val="dk1"/>
+                </a:solidFill>
+              </a:rPr>
+              <a:t>Sideslip</a:t>
             </a:r>
-            <a:endParaRPr sz="2000" b="1" dirty="0"/>
-          </a:p>
-          <a:p>
-            <a:pPr marL="457200" lvl="0" indent="-355600" algn="l" rtl="0">
-              <a:lnSpc>
-                <a:spcPct val="90000"/>
-              </a:lnSpc>
-              <a:spcBef>
-                <a:spcPts val="0"/>
-              </a:spcBef>
-              <a:spcAft>
-                <a:spcPts val="0"/>
-              </a:spcAft>
-              <a:buSzPts val="2000"/>
-              <a:buChar char="-"/>
-            </a:pPr>
-            <a:r>
-              <a:rPr lang="nl-NL" sz="1800" dirty="0"/>
-              <a:t>Fusion DNNs and BoF models [1]</a:t>
-            </a:r>
-            <a:endParaRPr sz="1800" dirty="0"/>
-          </a:p>
-          <a:p>
-            <a:pPr marL="457200" lvl="0" indent="-355600" algn="l" rtl="0">
-              <a:lnSpc>
-                <a:spcPct val="90000"/>
-              </a:lnSpc>
-              <a:spcBef>
-                <a:spcPts val="0"/>
-              </a:spcBef>
-              <a:spcAft>
-                <a:spcPts val="0"/>
-              </a:spcAft>
-              <a:buSzPts val="2000"/>
-              <a:buChar char="-"/>
-            </a:pPr>
-            <a:r>
-              <a:rPr lang="nl-NL" sz="1800" dirty="0"/>
-              <a:t>Transfer insights from DNNs to training of BoF [2]</a:t>
-            </a:r>
-            <a:endParaRPr sz="1800" dirty="0"/>
-          </a:p>
-          <a:p>
-            <a:pPr marL="457200" lvl="0" indent="-355600" algn="l" rtl="0">
-              <a:lnSpc>
-                <a:spcPct val="90000"/>
-              </a:lnSpc>
-              <a:spcBef>
-                <a:spcPts val="0"/>
-              </a:spcBef>
-              <a:spcAft>
-                <a:spcPts val="0"/>
-              </a:spcAft>
-              <a:buSzPts val="2000"/>
-              <a:buChar char="-"/>
-            </a:pPr>
-            <a:r>
-              <a:rPr lang="nl-NL" sz="1800" dirty="0"/>
-              <a:t>Proposed BoF closer to DNN but interpretable</a:t>
-            </a:r>
-            <a:endParaRPr sz="1800" dirty="0"/>
-          </a:p>
-          <a:p>
-            <a:pPr marL="0" lvl="0" indent="0" algn="l" rtl="0">
-              <a:spcBef>
-                <a:spcPts val="1200"/>
-              </a:spcBef>
-              <a:spcAft>
-                <a:spcPts val="0"/>
-              </a:spcAft>
-              <a:buNone/>
-            </a:pPr>
             <a:endParaRPr sz="1800" dirty="0">
               <a:solidFill>
                 <a:schemeClr val="dk1"/>
@@ -48757,117 +48258,6 @@
               <a:buNone/>
             </a:pPr>
             <a:endParaRPr dirty="0"/>
-          </a:p>
-        </p:txBody>
-      </p:sp>
-      <p:sp>
-        <p:nvSpPr>
-          <p:cNvPr id="606" name="Google Shape;606;p26"/>
-          <p:cNvSpPr txBox="1"/>
-          <p:nvPr/>
-        </p:nvSpPr>
-        <p:spPr>
-          <a:xfrm>
-            <a:off x="7987950" y="5322725"/>
-            <a:ext cx="4073400" cy="1108200"/>
-          </a:xfrm>
-          <a:prstGeom prst="rect">
-            <a:avLst/>
-          </a:prstGeom>
-          <a:noFill/>
-          <a:ln>
-            <a:noFill/>
-          </a:ln>
-        </p:spPr>
-        <p:txBody>
-          <a:bodyPr spcFirstLastPara="1" wrap="square" lIns="0" tIns="0" rIns="0" bIns="0" anchor="ctr" anchorCtr="0">
-            <a:normAutofit/>
-          </a:bodyPr>
-          <a:lstStyle/>
-          <a:p>
-            <a:pPr marL="0" marR="0" lvl="0" indent="0" algn="l" rtl="0">
-              <a:lnSpc>
-                <a:spcPct val="100000"/>
-              </a:lnSpc>
-              <a:spcBef>
-                <a:spcPts val="0"/>
-              </a:spcBef>
-              <a:spcAft>
-                <a:spcPts val="0"/>
-              </a:spcAft>
-              <a:buClr>
-                <a:srgbClr val="FFFFFF"/>
-              </a:buClr>
-              <a:buSzPts val="1200"/>
-              <a:buFont typeface="Arial"/>
-              <a:buNone/>
-            </a:pPr>
-            <a:r>
-              <a:rPr lang="nl-NL" sz="1200">
-                <a:solidFill>
-                  <a:srgbClr val="FFFFFF"/>
-                </a:solidFill>
-              </a:rPr>
-              <a:t>[1] Feng et al., 2017; Gong et al., 2014; Ng et al., 2015; Mohedano et al., 2016; Cao et al., 2017; Khan et al., 2016</a:t>
-            </a:r>
-            <a:endParaRPr sz="1200">
-              <a:solidFill>
-                <a:srgbClr val="FFFFFF"/>
-              </a:solidFill>
-            </a:endParaRPr>
-          </a:p>
-          <a:p>
-            <a:pPr marL="0" lvl="0" indent="0" algn="l" rtl="0">
-              <a:spcBef>
-                <a:spcPts val="0"/>
-              </a:spcBef>
-              <a:spcAft>
-                <a:spcPts val="0"/>
-              </a:spcAft>
-              <a:buClr>
-                <a:schemeClr val="lt1"/>
-              </a:buClr>
-              <a:buSzPts val="1200"/>
-              <a:buFont typeface="Arial"/>
-              <a:buNone/>
-            </a:pPr>
-            <a:r>
-              <a:rPr lang="nl-NL" sz="1200">
-                <a:solidFill>
-                  <a:schemeClr val="lt1"/>
-                </a:solidFill>
-              </a:rPr>
-              <a:t>[2] Chatfield et al., 2014</a:t>
-            </a:r>
-            <a:endParaRPr sz="1200">
-              <a:solidFill>
-                <a:srgbClr val="FFFFFF"/>
-              </a:solidFill>
-            </a:endParaRPr>
-          </a:p>
-          <a:p>
-            <a:pPr marL="0" marR="0" lvl="0" indent="0" algn="l" rtl="0">
-              <a:lnSpc>
-                <a:spcPct val="100000"/>
-              </a:lnSpc>
-              <a:spcBef>
-                <a:spcPts val="0"/>
-              </a:spcBef>
-              <a:spcAft>
-                <a:spcPts val="0"/>
-              </a:spcAft>
-              <a:buClr>
-                <a:srgbClr val="FFFFFF"/>
-              </a:buClr>
-              <a:buSzPts val="1200"/>
-              <a:buFont typeface="Arial"/>
-              <a:buNone/>
-            </a:pPr>
-            <a:endParaRPr sz="1200">
-              <a:solidFill>
-                <a:srgbClr val="FFFFFF"/>
-              </a:solidFill>
-            </a:endParaRPr>
           </a:p>
         </p:txBody>
       </p:sp>
@@ -49071,10 +48461,10 @@
               <a:buNone/>
             </a:pPr>
             <a:r>
-              <a:rPr lang="nl-NL" sz="2976"/>
-              <a:t>Strengths</a:t>
+              <a:rPr lang="nl-NL" sz="2976" dirty="0"/>
+              <a:t>Control Strategies</a:t>
             </a:r>
-            <a:endParaRPr/>
+            <a:endParaRPr dirty="0"/>
           </a:p>
         </p:txBody>
       </p:sp>
@@ -49119,7 +48509,7 @@
               </a:spcAft>
               <a:buNone/>
             </a:pPr>
-            <a:endParaRPr sz="1700">
+            <a:endParaRPr sz="1700" dirty="0">
               <a:solidFill>
                 <a:schemeClr val="dk1"/>
               </a:solidFill>
@@ -49142,114 +48532,7 @@
               <a:buSzPts val="2200"/>
               <a:buChar char="▪"/>
             </a:pPr>
-            <a:r>
-              <a:rPr lang="nl-NL" sz="2000">
-                <a:solidFill>
-                  <a:schemeClr val="dk1"/>
-                </a:solidFill>
-              </a:rPr>
-              <a:t>Basic insight on interpretation of a simple neural network.</a:t>
-            </a:r>
-            <a:endParaRPr sz="2000">
-              <a:solidFill>
-                <a:schemeClr val="dk1"/>
-              </a:solidFill>
-            </a:endParaRPr>
-          </a:p>
-          <a:p>
-            <a:pPr marL="457200" lvl="0" indent="-368300" algn="l" rtl="0">
-              <a:lnSpc>
-                <a:spcPct val="150000"/>
-              </a:lnSpc>
-              <a:spcBef>
-                <a:spcPts val="0"/>
-              </a:spcBef>
-              <a:spcAft>
-                <a:spcPts val="0"/>
-              </a:spcAft>
-              <a:buClr>
-                <a:schemeClr val="dk1"/>
-              </a:buClr>
-              <a:buSzPts val="2200"/>
-              <a:buChar char="▪"/>
-            </a:pPr>
-            <a:r>
-              <a:rPr lang="nl-NL" sz="2200">
-                <a:solidFill>
-                  <a:schemeClr val="dk1"/>
-                </a:solidFill>
-                <a:latin typeface="Calibri"/>
-                <a:ea typeface="Calibri"/>
-                <a:cs typeface="Calibri"/>
-                <a:sym typeface="Calibri"/>
-              </a:rPr>
-              <a:t>Shows complex tasks solved just based on small image features without spatial relationships.</a:t>
-            </a:r>
-            <a:endParaRPr sz="2200">
-              <a:solidFill>
-                <a:schemeClr val="dk1"/>
-              </a:solidFill>
-              <a:latin typeface="Calibri"/>
-              <a:ea typeface="Calibri"/>
-              <a:cs typeface="Calibri"/>
-              <a:sym typeface="Calibri"/>
-            </a:endParaRPr>
-          </a:p>
-          <a:p>
-            <a:pPr marL="457200" lvl="0" indent="-342900" algn="l" rtl="0">
-              <a:lnSpc>
-                <a:spcPct val="150000"/>
-              </a:lnSpc>
-              <a:spcBef>
-                <a:spcPts val="0"/>
-              </a:spcBef>
-              <a:spcAft>
-                <a:spcPts val="0"/>
-              </a:spcAft>
-              <a:buClr>
-                <a:schemeClr val="dk1"/>
-              </a:buClr>
-              <a:buSzPts val="1800"/>
-              <a:buFont typeface="Calibri"/>
-              <a:buChar char="▪"/>
-            </a:pPr>
-            <a:r>
-              <a:rPr lang="nl-NL" sz="2200">
-                <a:solidFill>
-                  <a:schemeClr val="dk1"/>
-                </a:solidFill>
-                <a:latin typeface="Calibri"/>
-                <a:ea typeface="Calibri"/>
-                <a:cs typeface="Calibri"/>
-                <a:sym typeface="Calibri"/>
-              </a:rPr>
-              <a:t>Shows invariance to spatial relationships as well as weak interactions between image features are present in most DNNs</a:t>
-            </a:r>
-            <a:r>
-              <a:rPr lang="nl-NL" sz="2100">
-                <a:solidFill>
-                  <a:schemeClr val="dk1"/>
-                </a:solidFill>
-                <a:latin typeface="Calibri"/>
-                <a:ea typeface="Calibri"/>
-                <a:cs typeface="Calibri"/>
-                <a:sym typeface="Calibri"/>
-              </a:rPr>
-              <a:t>.</a:t>
-            </a:r>
-            <a:r>
-              <a:rPr lang="nl-NL" sz="1900">
-                <a:solidFill>
-                  <a:schemeClr val="dk1"/>
-                </a:solidFill>
-                <a:latin typeface="Calibri"/>
-                <a:ea typeface="Calibri"/>
-                <a:cs typeface="Calibri"/>
-                <a:sym typeface="Calibri"/>
-              </a:rPr>
-              <a:t> </a:t>
-            </a:r>
-            <a:endParaRPr sz="1900">
+            <a:endParaRPr sz="1900" dirty="0">
               <a:solidFill>
                 <a:schemeClr val="dk1"/>
               </a:solidFill>
@@ -49272,7 +48555,7 @@
               </a:spcAft>
               <a:buNone/>
             </a:pPr>
-            <a:endParaRPr sz="1800">
+            <a:endParaRPr sz="1800" dirty="0">
               <a:solidFill>
                 <a:schemeClr val="dk1"/>
               </a:solidFill>
@@ -49297,7 +48580,7 @@
               <a:buFont typeface="Arial"/>
               <a:buNone/>
             </a:pPr>
-            <a:endParaRPr/>
+            <a:endParaRPr dirty="0"/>
           </a:p>
           <a:p>
             <a:pPr marL="0" lvl="7" indent="0" algn="l" rtl="0">
@@ -49313,7 +48596,7 @@
               <a:buSzPts val="1600"/>
               <a:buNone/>
             </a:pPr>
-            <a:endParaRPr/>
+            <a:endParaRPr dirty="0"/>
           </a:p>
         </p:txBody>
       </p:sp>

--- a/GP/Group5_GP/Group Presentation.pptx
+++ b/GP/Group5_GP/Group Presentation.pptx
@@ -5,7 +5,7 @@
     <p:sldMasterId id="2147483663" r:id="rId1"/>
   </p:sldMasterIdLst>
   <p:notesMasterIdLst>
-    <p:notesMasterId r:id="rId19"/>
+    <p:notesMasterId r:id="rId24"/>
   </p:notesMasterIdLst>
   <p:sldIdLst>
     <p:sldId id="256" r:id="rId2"/>
@@ -15,45 +15,54 @@
     <p:sldId id="264" r:id="rId6"/>
     <p:sldId id="265" r:id="rId7"/>
     <p:sldId id="268" r:id="rId8"/>
-    <p:sldId id="278" r:id="rId9"/>
-    <p:sldId id="277" r:id="rId10"/>
-    <p:sldId id="279" r:id="rId11"/>
-    <p:sldId id="282" r:id="rId12"/>
-    <p:sldId id="280" r:id="rId13"/>
-    <p:sldId id="288" r:id="rId14"/>
-    <p:sldId id="281" r:id="rId15"/>
-    <p:sldId id="289" r:id="rId16"/>
-    <p:sldId id="283" r:id="rId17"/>
-    <p:sldId id="287" r:id="rId18"/>
+    <p:sldId id="290" r:id="rId9"/>
+    <p:sldId id="291" r:id="rId10"/>
+    <p:sldId id="278" r:id="rId11"/>
+    <p:sldId id="292" r:id="rId12"/>
+    <p:sldId id="293" r:id="rId13"/>
+    <p:sldId id="294" r:id="rId14"/>
+    <p:sldId id="277" r:id="rId15"/>
+    <p:sldId id="279" r:id="rId16"/>
+    <p:sldId id="282" r:id="rId17"/>
+    <p:sldId id="280" r:id="rId18"/>
+    <p:sldId id="288" r:id="rId19"/>
+    <p:sldId id="281" r:id="rId20"/>
+    <p:sldId id="289" r:id="rId21"/>
+    <p:sldId id="283" r:id="rId22"/>
+    <p:sldId id="287" r:id="rId23"/>
   </p:sldIdLst>
   <p:sldSz cx="12192000" cy="6858000"/>
   <p:notesSz cx="6858000" cy="9144000"/>
   <p:embeddedFontLst>
     <p:embeddedFont>
       <p:font typeface="Calibri" panose="020F0502020204030204" pitchFamily="34" charset="0"/>
-      <p:regular r:id="rId20"/>
-      <p:bold r:id="rId21"/>
-      <p:italic r:id="rId22"/>
-      <p:boldItalic r:id="rId23"/>
+      <p:regular r:id="rId25"/>
+      <p:bold r:id="rId26"/>
+      <p:italic r:id="rId27"/>
+      <p:boldItalic r:id="rId28"/>
+    </p:embeddedFont>
+    <p:embeddedFont>
+      <p:font typeface="Cambria Math" panose="02040503050406030204" pitchFamily="18" charset="0"/>
+      <p:regular r:id="rId29"/>
     </p:embeddedFont>
     <p:embeddedFont>
       <p:font typeface="Open Sans" panose="020B0606030504020204" pitchFamily="34" charset="0"/>
-      <p:regular r:id="rId24"/>
-      <p:bold r:id="rId25"/>
-      <p:italic r:id="rId26"/>
-      <p:boldItalic r:id="rId27"/>
+      <p:regular r:id="rId30"/>
+      <p:bold r:id="rId31"/>
+      <p:italic r:id="rId32"/>
+      <p:boldItalic r:id="rId33"/>
     </p:embeddedFont>
     <p:embeddedFont>
       <p:font typeface="Quattrocento Sans" panose="020B0502050000020003" pitchFamily="34" charset="0"/>
-      <p:regular r:id="rId28"/>
-      <p:bold r:id="rId29"/>
-      <p:italic r:id="rId30"/>
-      <p:boldItalic r:id="rId31"/>
+      <p:regular r:id="rId34"/>
+      <p:bold r:id="rId35"/>
+      <p:italic r:id="rId36"/>
+      <p:boldItalic r:id="rId37"/>
     </p:embeddedFont>
     <p:embeddedFont>
       <p:font typeface="Roboto Slab" panose="020B0604020202020204" charset="0"/>
-      <p:regular r:id="rId32"/>
-      <p:bold r:id="rId33"/>
+      <p:regular r:id="rId38"/>
+      <p:bold r:id="rId39"/>
     </p:embeddedFont>
   </p:embeddedFontLst>
   <p:defaultTextStyle>
@@ -285,6 +294,11 @@
       </a:defRPr>
     </a:lvl9pPr>
   </p:defaultTextStyle>
+  <p:extLst>
+    <p:ext uri="{EFAFB233-063F-42B5-8137-9DF3F51BA10A}">
+      <p15:sldGuideLst xmlns:p15="http://schemas.microsoft.com/office/powerpoint/2012/main"/>
+    </p:ext>
+  </p:extLst>
 </p:presentation>
 </file>
 
@@ -822,7 +836,7 @@
               </a:spcAft>
               <a:buNone/>
             </a:pPr>
-            <a:endParaRPr/>
+            <a:endParaRPr dirty="0"/>
           </a:p>
         </p:txBody>
       </p:sp>
@@ -876,6 +890,110 @@
 </file>
 
 <file path=ppt/notesSlides/notesSlide10.xml><?xml version="1.0" encoding="utf-8"?>
+<p:notes xmlns:a="http://schemas.openxmlformats.org/drawingml/2006/main" xmlns:r="http://schemas.openxmlformats.org/officeDocument/2006/relationships" xmlns:p="http://schemas.openxmlformats.org/presentationml/2006/main" showMasterSp="0" showMasterPhAnim="0">
+  <p:cSld>
+    <p:spTree>
+      <p:nvGrpSpPr>
+        <p:cNvPr id="1" name="Shape 692"/>
+        <p:cNvGrpSpPr/>
+        <p:nvPr/>
+      </p:nvGrpSpPr>
+      <p:grpSpPr>
+        <a:xfrm>
+          <a:off x="0" y="0"/>
+          <a:ext cx="0" cy="0"/>
+          <a:chOff x="0" y="0"/>
+          <a:chExt cx="0" cy="0"/>
+        </a:xfrm>
+      </p:grpSpPr>
+      <p:sp>
+        <p:nvSpPr>
+          <p:cNvPr id="693" name="Google Shape;693;g118e2484d1c_0_20:notes"/>
+          <p:cNvSpPr>
+            <a:spLocks noGrp="1" noRot="1" noChangeAspect="1"/>
+          </p:cNvSpPr>
+          <p:nvPr>
+            <p:ph type="sldImg" idx="2"/>
+          </p:nvPr>
+        </p:nvSpPr>
+        <p:spPr>
+          <a:xfrm>
+            <a:off x="381000" y="685800"/>
+            <a:ext cx="6096000" cy="3429000"/>
+          </a:xfrm>
+          <a:custGeom>
+            <a:avLst/>
+            <a:gdLst/>
+            <a:ahLst/>
+            <a:cxnLst/>
+            <a:rect l="l" t="t" r="r" b="b"/>
+            <a:pathLst>
+              <a:path w="120000" h="120000" extrusionOk="0">
+                <a:moveTo>
+                  <a:pt x="0" y="0"/>
+                </a:moveTo>
+                <a:lnTo>
+                  <a:pt x="120000" y="0"/>
+                </a:lnTo>
+                <a:lnTo>
+                  <a:pt x="120000" y="120000"/>
+                </a:lnTo>
+                <a:lnTo>
+                  <a:pt x="0" y="120000"/>
+                </a:lnTo>
+                <a:close/>
+              </a:path>
+            </a:pathLst>
+          </a:custGeom>
+        </p:spPr>
+      </p:sp>
+      <p:sp>
+        <p:nvSpPr>
+          <p:cNvPr id="694" name="Google Shape;694;g118e2484d1c_0_20:notes"/>
+          <p:cNvSpPr txBox="1">
+            <a:spLocks noGrp="1"/>
+          </p:cNvSpPr>
+          <p:nvPr>
+            <p:ph type="body" idx="1"/>
+          </p:nvPr>
+        </p:nvSpPr>
+        <p:spPr>
+          <a:xfrm>
+            <a:off x="914400" y="4343400"/>
+            <a:ext cx="5029200" cy="4114800"/>
+          </a:xfrm>
+          <a:prstGeom prst="rect">
+            <a:avLst/>
+          </a:prstGeom>
+        </p:spPr>
+        <p:txBody>
+          <a:bodyPr spcFirstLastPara="1" wrap="square" lIns="91425" tIns="45700" rIns="91425" bIns="45700" anchor="t" anchorCtr="0">
+            <a:noAutofit/>
+          </a:bodyPr>
+          <a:lstStyle/>
+          <a:p>
+            <a:pPr marL="0" lvl="0" indent="0" algn="l" rtl="0">
+              <a:spcBef>
+                <a:spcPts val="0"/>
+              </a:spcBef>
+              <a:spcAft>
+                <a:spcPts val="0"/>
+              </a:spcAft>
+              <a:buNone/>
+            </a:pPr>
+            <a:endParaRPr/>
+          </a:p>
+        </p:txBody>
+      </p:sp>
+    </p:spTree>
+  </p:cSld>
+  <p:clrMapOvr>
+    <a:masterClrMapping/>
+  </p:clrMapOvr>
+</p:notes>
+</file>
+
+<file path=ppt/notesSlides/notesSlide11.xml><?xml version="1.0" encoding="utf-8"?>
 <p:notes xmlns:a="http://schemas.openxmlformats.org/drawingml/2006/main" xmlns:r="http://schemas.openxmlformats.org/officeDocument/2006/relationships" xmlns:p="http://schemas.openxmlformats.org/presentationml/2006/main" showMasterSp="0" showMasterPhAnim="0">
   <p:cSld>
     <p:spTree>
@@ -983,7 +1101,7 @@
 </p:notes>
 </file>
 
-<file path=ppt/notesSlides/notesSlide11.xml><?xml version="1.0" encoding="utf-8"?>
+<file path=ppt/notesSlides/notesSlide12.xml><?xml version="1.0" encoding="utf-8"?>
 <p:notes xmlns:a="http://schemas.openxmlformats.org/drawingml/2006/main" xmlns:r="http://schemas.openxmlformats.org/officeDocument/2006/relationships" xmlns:p="http://schemas.openxmlformats.org/presentationml/2006/main" showMasterSp="0" showMasterPhAnim="0">
   <p:cSld>
     <p:spTree>
@@ -1087,7 +1205,7 @@
 </p:notes>
 </file>
 
-<file path=ppt/notesSlides/notesSlide12.xml><?xml version="1.0" encoding="utf-8"?>
+<file path=ppt/notesSlides/notesSlide13.xml><?xml version="1.0" encoding="utf-8"?>
 <p:notes xmlns:a="http://schemas.openxmlformats.org/drawingml/2006/main" xmlns:r="http://schemas.openxmlformats.org/officeDocument/2006/relationships" xmlns:p="http://schemas.openxmlformats.org/presentationml/2006/main" showMasterSp="0" showMasterPhAnim="0">
   <p:cSld>
     <p:spTree>
@@ -1195,7 +1313,7 @@
 </p:notes>
 </file>
 
-<file path=ppt/notesSlides/notesSlide13.xml><?xml version="1.0" encoding="utf-8"?>
+<file path=ppt/notesSlides/notesSlide14.xml><?xml version="1.0" encoding="utf-8"?>
 <p:notes xmlns:a="http://schemas.openxmlformats.org/drawingml/2006/main" xmlns:r="http://schemas.openxmlformats.org/officeDocument/2006/relationships" xmlns:p="http://schemas.openxmlformats.org/presentationml/2006/main" showMasterSp="0" showMasterPhAnim="0">
   <p:cSld>
     <p:spTree>
@@ -1304,7 +1422,7 @@
 </p:notes>
 </file>
 
-<file path=ppt/notesSlides/notesSlide14.xml><?xml version="1.0" encoding="utf-8"?>
+<file path=ppt/notesSlides/notesSlide15.xml><?xml version="1.0" encoding="utf-8"?>
 <p:notes xmlns:a="http://schemas.openxmlformats.org/drawingml/2006/main" xmlns:r="http://schemas.openxmlformats.org/officeDocument/2006/relationships" xmlns:p="http://schemas.openxmlformats.org/presentationml/2006/main" showMasterSp="0" showMasterPhAnim="0">
   <p:cSld>
     <p:spTree>
@@ -1412,7 +1530,7 @@
 </p:notes>
 </file>
 
-<file path=ppt/notesSlides/notesSlide15.xml><?xml version="1.0" encoding="utf-8"?>
+<file path=ppt/notesSlides/notesSlide16.xml><?xml version="1.0" encoding="utf-8"?>
 <p:notes xmlns:a="http://schemas.openxmlformats.org/drawingml/2006/main" xmlns:r="http://schemas.openxmlformats.org/officeDocument/2006/relationships" xmlns:p="http://schemas.openxmlformats.org/presentationml/2006/main" showMasterSp="0" showMasterPhAnim="0">
   <p:cSld>
     <p:spTree>
@@ -1521,7 +1639,7 @@
 </p:notes>
 </file>
 
-<file path=ppt/notesSlides/notesSlide16.xml><?xml version="1.0" encoding="utf-8"?>
+<file path=ppt/notesSlides/notesSlide17.xml><?xml version="1.0" encoding="utf-8"?>
 <p:notes xmlns:a="http://schemas.openxmlformats.org/drawingml/2006/main" xmlns:r="http://schemas.openxmlformats.org/officeDocument/2006/relationships" xmlns:p="http://schemas.openxmlformats.org/presentationml/2006/main" showMasterSp="0" showMasterPhAnim="0">
   <p:cSld>
     <p:spTree>
@@ -1629,7 +1747,7 @@
 </p:notes>
 </file>
 
-<file path=ppt/notesSlides/notesSlide17.xml><?xml version="1.0" encoding="utf-8"?>
+<file path=ppt/notesSlides/notesSlide18.xml><?xml version="1.0" encoding="utf-8"?>
 <p:notes xmlns:a="http://schemas.openxmlformats.org/drawingml/2006/main" xmlns:r="http://schemas.openxmlformats.org/officeDocument/2006/relationships" xmlns:p="http://schemas.openxmlformats.org/presentationml/2006/main" showMasterSp="0" showMasterPhAnim="0">
   <p:cSld>
     <p:spTree>
@@ -2448,6 +2566,72 @@
 </file>
 
 <file path=ppt/notesSlides/notesSlide8.xml><?xml version="1.0" encoding="utf-8"?>
+<p:notes xmlns:a="http://schemas.openxmlformats.org/drawingml/2006/main" xmlns:r="http://schemas.openxmlformats.org/officeDocument/2006/relationships" xmlns:p="http://schemas.openxmlformats.org/presentationml/2006/main">
+  <p:cSld>
+    <p:spTree>
+      <p:nvGrpSpPr>
+        <p:cNvPr id="1" name=""/>
+        <p:cNvGrpSpPr/>
+        <p:nvPr/>
+      </p:nvGrpSpPr>
+      <p:grpSpPr>
+        <a:xfrm>
+          <a:off x="0" y="0"/>
+          <a:ext cx="0" cy="0"/>
+          <a:chOff x="0" y="0"/>
+          <a:chExt cx="0" cy="0"/>
+        </a:xfrm>
+      </p:grpSpPr>
+      <p:sp>
+        <p:nvSpPr>
+          <p:cNvPr id="2" name="Slide Image Placeholder 1"/>
+          <p:cNvSpPr>
+            <a:spLocks noGrp="1" noRot="1" noChangeAspect="1"/>
+          </p:cNvSpPr>
+          <p:nvPr>
+            <p:ph type="sldImg"/>
+          </p:nvPr>
+        </p:nvSpPr>
+        <p:spPr>
+          <a:xfrm>
+            <a:off x="381000" y="685800"/>
+            <a:ext cx="6096000" cy="3429000"/>
+          </a:xfrm>
+        </p:spPr>
+      </p:sp>
+      <p:sp>
+        <p:nvSpPr>
+          <p:cNvPr id="3" name="Notes Placeholder 2"/>
+          <p:cNvSpPr>
+            <a:spLocks noGrp="1"/>
+          </p:cNvSpPr>
+          <p:nvPr>
+            <p:ph type="body" idx="1"/>
+          </p:nvPr>
+        </p:nvSpPr>
+        <p:spPr/>
+        <p:txBody>
+          <a:bodyPr/>
+          <a:lstStyle/>
+          <a:p>
+            <a:endParaRPr lang="en-US" dirty="0"/>
+          </a:p>
+        </p:txBody>
+      </p:sp>
+    </p:spTree>
+    <p:extLst>
+      <p:ext uri="{BB962C8B-B14F-4D97-AF65-F5344CB8AC3E}">
+        <p14:creationId xmlns:p14="http://schemas.microsoft.com/office/powerpoint/2010/main" val="4031851218"/>
+      </p:ext>
+    </p:extLst>
+  </p:cSld>
+  <p:clrMapOvr>
+    <a:masterClrMapping/>
+  </p:clrMapOvr>
+</p:notes>
+</file>
+
+<file path=ppt/notesSlides/notesSlide9.xml><?xml version="1.0" encoding="utf-8"?>
 <p:notes xmlns:a="http://schemas.openxmlformats.org/drawingml/2006/main" xmlns:r="http://schemas.openxmlformats.org/officeDocument/2006/relationships" xmlns:p="http://schemas.openxmlformats.org/presentationml/2006/main" showMasterSp="0" showMasterPhAnim="0">
   <p:cSld>
     <p:spTree>
@@ -2546,110 +2730,6 @@
             </a:pathLst>
           </a:custGeom>
         </p:spPr>
-      </p:sp>
-    </p:spTree>
-  </p:cSld>
-  <p:clrMapOvr>
-    <a:masterClrMapping/>
-  </p:clrMapOvr>
-</p:notes>
-</file>
-
-<file path=ppt/notesSlides/notesSlide9.xml><?xml version="1.0" encoding="utf-8"?>
-<p:notes xmlns:a="http://schemas.openxmlformats.org/drawingml/2006/main" xmlns:r="http://schemas.openxmlformats.org/officeDocument/2006/relationships" xmlns:p="http://schemas.openxmlformats.org/presentationml/2006/main" showMasterSp="0" showMasterPhAnim="0">
-  <p:cSld>
-    <p:spTree>
-      <p:nvGrpSpPr>
-        <p:cNvPr id="1" name="Shape 692"/>
-        <p:cNvGrpSpPr/>
-        <p:nvPr/>
-      </p:nvGrpSpPr>
-      <p:grpSpPr>
-        <a:xfrm>
-          <a:off x="0" y="0"/>
-          <a:ext cx="0" cy="0"/>
-          <a:chOff x="0" y="0"/>
-          <a:chExt cx="0" cy="0"/>
-        </a:xfrm>
-      </p:grpSpPr>
-      <p:sp>
-        <p:nvSpPr>
-          <p:cNvPr id="693" name="Google Shape;693;g118e2484d1c_0_20:notes"/>
-          <p:cNvSpPr>
-            <a:spLocks noGrp="1" noRot="1" noChangeAspect="1"/>
-          </p:cNvSpPr>
-          <p:nvPr>
-            <p:ph type="sldImg" idx="2"/>
-          </p:nvPr>
-        </p:nvSpPr>
-        <p:spPr>
-          <a:xfrm>
-            <a:off x="381000" y="685800"/>
-            <a:ext cx="6096000" cy="3429000"/>
-          </a:xfrm>
-          <a:custGeom>
-            <a:avLst/>
-            <a:gdLst/>
-            <a:ahLst/>
-            <a:cxnLst/>
-            <a:rect l="l" t="t" r="r" b="b"/>
-            <a:pathLst>
-              <a:path w="120000" h="120000" extrusionOk="0">
-                <a:moveTo>
-                  <a:pt x="0" y="0"/>
-                </a:moveTo>
-                <a:lnTo>
-                  <a:pt x="120000" y="0"/>
-                </a:lnTo>
-                <a:lnTo>
-                  <a:pt x="120000" y="120000"/>
-                </a:lnTo>
-                <a:lnTo>
-                  <a:pt x="0" y="120000"/>
-                </a:lnTo>
-                <a:close/>
-              </a:path>
-            </a:pathLst>
-          </a:custGeom>
-        </p:spPr>
-      </p:sp>
-      <p:sp>
-        <p:nvSpPr>
-          <p:cNvPr id="694" name="Google Shape;694;g118e2484d1c_0_20:notes"/>
-          <p:cNvSpPr txBox="1">
-            <a:spLocks noGrp="1"/>
-          </p:cNvSpPr>
-          <p:nvPr>
-            <p:ph type="body" idx="1"/>
-          </p:nvPr>
-        </p:nvSpPr>
-        <p:spPr>
-          <a:xfrm>
-            <a:off x="914400" y="4343400"/>
-            <a:ext cx="5029200" cy="4114800"/>
-          </a:xfrm>
-          <a:prstGeom prst="rect">
-            <a:avLst/>
-          </a:prstGeom>
-        </p:spPr>
-        <p:txBody>
-          <a:bodyPr spcFirstLastPara="1" wrap="square" lIns="91425" tIns="45700" rIns="91425" bIns="45700" anchor="t" anchorCtr="0">
-            <a:noAutofit/>
-          </a:bodyPr>
-          <a:lstStyle/>
-          <a:p>
-            <a:pPr marL="0" lvl="0" indent="0" algn="l" rtl="0">
-              <a:spcBef>
-                <a:spcPts val="0"/>
-              </a:spcBef>
-              <a:spcAft>
-                <a:spcPts val="0"/>
-              </a:spcAft>
-              <a:buNone/>
-            </a:pPr>
-            <a:endParaRPr/>
-          </a:p>
-        </p:txBody>
       </p:sp>
     </p:spTree>
   </p:cSld>
@@ -44624,7 +44704,13 @@
       </p:grpSpPr>
       <p:grpSp>
         <p:nvGrpSpPr>
-          <p:cNvPr id="527" name="Google Shape;527;p17"/>
+          <p:cNvPr id="527" name="Google Shape;527;p17">
+            <a:extLst>
+              <a:ext uri="{C183D7F6-B498-43B3-948B-1728B52AA6E4}">
+                <adec:decorative xmlns:adec="http://schemas.microsoft.com/office/drawing/2017/decorative" val="1"/>
+              </a:ext>
+            </a:extLst>
+          </p:cNvPr>
           <p:cNvGrpSpPr/>
           <p:nvPr/>
         </p:nvGrpSpPr>
@@ -44782,13 +44868,13 @@
             <a:spLocks noGrp="1"/>
           </p:cNvSpPr>
           <p:nvPr>
-            <p:ph type="body" idx="3"/>
+            <p:ph type="title" idx="4294967295"/>
           </p:nvPr>
         </p:nvSpPr>
         <p:spPr>
           <a:xfrm>
-            <a:off x="600178" y="316384"/>
-            <a:ext cx="3962087" cy="1473087"/>
+            <a:off x="600075" y="315913"/>
+            <a:ext cx="3962400" cy="1473200"/>
           </a:xfrm>
           <a:prstGeom prst="rect">
             <a:avLst/>
@@ -44796,15 +44882,20 @@
           <a:noFill/>
           <a:ln>
             <a:noFill/>
+            <a:prstDash/>
           </a:ln>
+          <a:effectLst/>
         </p:spPr>
         <p:txBody>
-          <a:bodyPr spcFirstLastPara="1" wrap="square" lIns="0" tIns="0" rIns="0" bIns="0" anchor="b" anchorCtr="0">
+          <a:bodyPr rot="0" spcFirstLastPara="1" vertOverflow="overflow" horzOverflow="overflow" vert="horz" wrap="square" lIns="0" tIns="0" rIns="0" bIns="0" numCol="1" spcCol="0" rtlCol="0" fromWordArt="0" anchor="b" anchorCtr="0" forceAA="0" compatLnSpc="1">
+            <a:prstTxWarp prst="textNoShape">
+              <a:avLst/>
+            </a:prstTxWarp>
             <a:normAutofit/>
           </a:bodyPr>
           <a:lstStyle/>
           <a:p>
-            <a:pPr marL="0" lvl="0" indent="0" algn="l" rtl="0">
+            <a:pPr marL="0" marR="0" lvl="0" indent="0" algn="l" defTabSz="914400" rtl="0" eaLnBrk="1" fontAlgn="auto" latinLnBrk="0" hangingPunct="1">
               <a:lnSpc>
                 <a:spcPct val="100000"/>
               </a:lnSpc>
@@ -44820,12 +44911,27 @@
               <a:buSzPts val="3515"/>
               <a:buFont typeface="Roboto Slab"/>
               <a:buNone/>
+              <a:tabLst/>
+              <a:defRPr/>
             </a:pPr>
             <a:r>
-              <a:rPr lang="en-IN" sz="2815" dirty="0"/>
-              <a:t>Sideslip Control using DYC (Direct Yaw-Moment Control)</a:t>
+              <a:rPr kumimoji="0" lang="en-US" sz="2815" b="0" i="0" u="none" strike="noStrike" kern="0" cap="none" spc="0" normalizeH="0" baseline="0" noProof="0" dirty="0">
+                <a:ln>
+                  <a:noFill/>
+                </a:ln>
+                <a:solidFill>
+                  <a:srgbClr val="FFFFFF"/>
+                </a:solidFill>
+                <a:effectLst/>
+                <a:uLnTx/>
+                <a:uFillTx/>
+                <a:latin typeface="Roboto Slab"/>
+                <a:ea typeface="Roboto Slab"/>
+                <a:cs typeface="Roboto Slab"/>
+                <a:sym typeface="Roboto Slab"/>
+              </a:rPr>
+              <a:t>Vehicle stability control using Sideslip Control</a:t>
             </a:r>
-            <a:endParaRPr sz="2815" dirty="0"/>
           </a:p>
         </p:txBody>
       </p:sp>
@@ -45234,6 +45340,1602 @@
 </file>
 
 <file path=ppt/slides/slide10.xml><?xml version="1.0" encoding="utf-8"?>
+<p:sld xmlns:a="http://schemas.openxmlformats.org/drawingml/2006/main" xmlns:r="http://schemas.openxmlformats.org/officeDocument/2006/relationships" xmlns:p="http://schemas.openxmlformats.org/presentationml/2006/main">
+  <p:cSld>
+    <p:spTree>
+      <p:nvGrpSpPr>
+        <p:cNvPr id="1" name="Shape 700"/>
+        <p:cNvGrpSpPr/>
+        <p:nvPr/>
+      </p:nvGrpSpPr>
+      <p:grpSpPr>
+        <a:xfrm>
+          <a:off x="0" y="0"/>
+          <a:ext cx="0" cy="0"/>
+          <a:chOff x="0" y="0"/>
+          <a:chExt cx="0" cy="0"/>
+        </a:xfrm>
+      </p:grpSpPr>
+      <p:sp>
+        <p:nvSpPr>
+          <p:cNvPr id="701" name="Google Shape;701;p39"/>
+          <p:cNvSpPr txBox="1">
+            <a:spLocks noGrp="1"/>
+          </p:cNvSpPr>
+          <p:nvPr>
+            <p:ph type="title"/>
+          </p:nvPr>
+        </p:nvSpPr>
+        <p:spPr>
+          <a:xfrm>
+            <a:off x="705148" y="741499"/>
+            <a:ext cx="6321900" cy="490500"/>
+          </a:xfrm>
+          <a:prstGeom prst="rect">
+            <a:avLst/>
+          </a:prstGeom>
+          <a:noFill/>
+          <a:ln>
+            <a:noFill/>
+          </a:ln>
+        </p:spPr>
+        <p:txBody>
+          <a:bodyPr spcFirstLastPara="1" wrap="square" lIns="0" tIns="0" rIns="0" bIns="0" anchor="t" anchorCtr="0">
+            <a:normAutofit/>
+          </a:bodyPr>
+          <a:lstStyle/>
+          <a:p>
+            <a:pPr marL="0" lvl="0" indent="0" algn="l" rtl="0">
+              <a:lnSpc>
+                <a:spcPct val="90000"/>
+              </a:lnSpc>
+              <a:spcBef>
+                <a:spcPts val="0"/>
+              </a:spcBef>
+              <a:spcAft>
+                <a:spcPts val="0"/>
+              </a:spcAft>
+              <a:buClr>
+                <a:schemeClr val="accent1"/>
+              </a:buClr>
+              <a:buSzPts val="2976"/>
+              <a:buFont typeface="Roboto Slab"/>
+              <a:buNone/>
+            </a:pPr>
+            <a:r>
+              <a:rPr lang="nl-NL" sz="2976" dirty="0"/>
+              <a:t>Control Strategies</a:t>
+            </a:r>
+            <a:endParaRPr dirty="0"/>
+          </a:p>
+        </p:txBody>
+      </p:sp>
+      <p:sp>
+        <p:nvSpPr>
+          <p:cNvPr id="703" name="Google Shape;703;p39"/>
+          <p:cNvSpPr txBox="1">
+            <a:spLocks noGrp="1"/>
+          </p:cNvSpPr>
+          <p:nvPr>
+            <p:ph type="sldNum" idx="12"/>
+          </p:nvPr>
+        </p:nvSpPr>
+        <p:spPr>
+          <a:xfrm>
+            <a:off x="11345000" y="6246130"/>
+            <a:ext cx="126900" cy="184800"/>
+          </a:xfrm>
+          <a:prstGeom prst="rect">
+            <a:avLst/>
+          </a:prstGeom>
+          <a:noFill/>
+          <a:ln>
+            <a:noFill/>
+          </a:ln>
+        </p:spPr>
+        <p:txBody>
+          <a:bodyPr spcFirstLastPara="1" wrap="square" lIns="0" tIns="0" rIns="0" bIns="0" anchor="ctr" anchorCtr="0">
+            <a:spAutoFit/>
+          </a:bodyPr>
+          <a:lstStyle/>
+          <a:p>
+            <a:pPr marL="0" lvl="0" indent="0" algn="r" rtl="0">
+              <a:lnSpc>
+                <a:spcPct val="100000"/>
+              </a:lnSpc>
+              <a:spcBef>
+                <a:spcPts val="0"/>
+              </a:spcBef>
+              <a:spcAft>
+                <a:spcPts val="0"/>
+              </a:spcAft>
+              <a:buClr>
+                <a:srgbClr val="FFFFFF"/>
+              </a:buClr>
+              <a:buSzPts val="1200"/>
+              <a:buFont typeface="Arial"/>
+              <a:buNone/>
+            </a:pPr>
+            <a:fld id="{00000000-1234-1234-1234-123412341234}" type="slidenum">
+              <a:rPr lang="nl-NL">
+                <a:solidFill>
+                  <a:srgbClr val="FFFFFF"/>
+                </a:solidFill>
+              </a:rPr>
+              <a:t>10</a:t>
+            </a:fld>
+            <a:endParaRPr/>
+          </a:p>
+        </p:txBody>
+      </p:sp>
+      <p:sp>
+        <p:nvSpPr>
+          <p:cNvPr id="3" name="Text Placeholder 2">
+            <a:extLst>
+              <a:ext uri="{FF2B5EF4-FFF2-40B4-BE49-F238E27FC236}">
+                <a16:creationId xmlns:a16="http://schemas.microsoft.com/office/drawing/2014/main" id="{6D93579F-7012-D0AC-279F-F31CC84AEC7B}"/>
+              </a:ext>
+            </a:extLst>
+          </p:cNvPr>
+          <p:cNvSpPr>
+            <a:spLocks noGrp="1"/>
+          </p:cNvSpPr>
+          <p:nvPr>
+            <p:ph type="body" idx="3"/>
+          </p:nvPr>
+        </p:nvSpPr>
+        <p:spPr/>
+        <p:txBody>
+          <a:bodyPr>
+            <a:normAutofit/>
+          </a:bodyPr>
+          <a:lstStyle/>
+          <a:p>
+            <a:r>
+              <a:rPr lang="en-US" sz="2000" b="0" i="0" dirty="0">
+                <a:effectLst/>
+                <a:latin typeface="Arial" panose="020B0604020202020204" pitchFamily="34" charset="0"/>
+              </a:rPr>
+              <a:t>Direct Yaw Moment Control (DYC) with PD Control of Sideslip angle</a:t>
+            </a:r>
+          </a:p>
+          <a:p>
+            <a:r>
+              <a:rPr lang="en-US" sz="2000" b="0" i="0" dirty="0">
+                <a:effectLst/>
+                <a:latin typeface="Arial" panose="020B0604020202020204" pitchFamily="34" charset="0"/>
+              </a:rPr>
+              <a:t>Direct Yaw Moment Control (DYC) with reference correction </a:t>
+            </a:r>
+          </a:p>
+          <a:p>
+            <a:r>
+              <a:rPr lang="en-US" sz="2000" dirty="0"/>
+              <a:t>Direct Yaw Moment Control (DYC) with the saturation of yaw rate</a:t>
+            </a:r>
+          </a:p>
+        </p:txBody>
+      </p:sp>
+    </p:spTree>
+  </p:cSld>
+  <p:clrMapOvr>
+    <a:masterClrMapping/>
+  </p:clrMapOvr>
+  <p:transition spd="slow">
+    <p:fade/>
+  </p:transition>
+</p:sld>
+</file>
+
+<file path=ppt/slides/slide11.xml><?xml version="1.0" encoding="utf-8"?>
+<p:sld xmlns:a="http://schemas.openxmlformats.org/drawingml/2006/main" xmlns:r="http://schemas.openxmlformats.org/officeDocument/2006/relationships" xmlns:p="http://schemas.openxmlformats.org/presentationml/2006/main">
+  <p:cSld>
+    <p:spTree>
+      <p:nvGrpSpPr>
+        <p:cNvPr id="1" name=""/>
+        <p:cNvGrpSpPr/>
+        <p:nvPr/>
+      </p:nvGrpSpPr>
+      <p:grpSpPr>
+        <a:xfrm>
+          <a:off x="0" y="0"/>
+          <a:ext cx="0" cy="0"/>
+          <a:chOff x="0" y="0"/>
+          <a:chExt cx="0" cy="0"/>
+        </a:xfrm>
+      </p:grpSpPr>
+      <p:sp>
+        <p:nvSpPr>
+          <p:cNvPr id="4" name="Title 3">
+            <a:extLst>
+              <a:ext uri="{FF2B5EF4-FFF2-40B4-BE49-F238E27FC236}">
+                <a16:creationId xmlns:a16="http://schemas.microsoft.com/office/drawing/2014/main" id="{FACE8355-3145-DB8E-39BE-0D7C2C3A4170}"/>
+              </a:ext>
+            </a:extLst>
+          </p:cNvPr>
+          <p:cNvSpPr>
+            <a:spLocks noGrp="1"/>
+          </p:cNvSpPr>
+          <p:nvPr>
+            <p:ph type="title"/>
+          </p:nvPr>
+        </p:nvSpPr>
+        <p:spPr/>
+        <p:txBody>
+          <a:bodyPr/>
+          <a:lstStyle/>
+          <a:p>
+            <a:r>
+              <a:rPr lang="en-US" sz="3200" b="0" i="0" dirty="0">
+                <a:effectLst/>
+                <a:latin typeface="Arial" panose="020B0604020202020204" pitchFamily="34" charset="0"/>
+              </a:rPr>
+              <a:t>PD Control of Sideslip angle</a:t>
+            </a:r>
+          </a:p>
+        </p:txBody>
+      </p:sp>
+      <mc:AlternateContent xmlns:mc="http://schemas.openxmlformats.org/markup-compatibility/2006">
+        <mc:Choice xmlns:a14="http://schemas.microsoft.com/office/drawing/2010/main" Requires="a14">
+          <p:sp>
+            <p:nvSpPr>
+              <p:cNvPr id="5" name="Text Placeholder 4">
+                <a:extLst>
+                  <a:ext uri="{FF2B5EF4-FFF2-40B4-BE49-F238E27FC236}">
+                    <a16:creationId xmlns:a16="http://schemas.microsoft.com/office/drawing/2014/main" id="{244F1774-7BF7-EED2-4BA3-1122EA2AB986}"/>
+                  </a:ext>
+                </a:extLst>
+              </p:cNvPr>
+              <p:cNvSpPr>
+                <a:spLocks noGrp="1"/>
+              </p:cNvSpPr>
+              <p:nvPr>
+                <p:ph type="body" idx="3"/>
+              </p:nvPr>
+            </p:nvSpPr>
+            <p:spPr/>
+            <p:txBody>
+              <a:bodyPr>
+                <a:normAutofit/>
+              </a:bodyPr>
+              <a:lstStyle/>
+              <a:p>
+                <a:r>
+                  <a:rPr lang="en-US" sz="2000" dirty="0">
+                    <a:latin typeface="Arial" panose="020B0604020202020204" pitchFamily="34" charset="0"/>
+                  </a:rPr>
+                  <a:t>A</a:t>
+                </a:r>
+                <a:r>
+                  <a:rPr lang="en-US" sz="2000" b="0" i="0" dirty="0">
+                    <a:effectLst/>
+                    <a:latin typeface="Arial" panose="020B0604020202020204" pitchFamily="34" charset="0"/>
+                  </a:rPr>
+                  <a:t>dditional yaw moment ∆M</a:t>
+                </a:r>
+                <a:r>
+                  <a:rPr lang="en-US" sz="2000" b="0" i="0" baseline="-25000" dirty="0">
+                    <a:effectLst/>
+                    <a:latin typeface="Arial" panose="020B0604020202020204" pitchFamily="34" charset="0"/>
+                  </a:rPr>
+                  <a:t>z</a:t>
+                </a:r>
+                <a:r>
+                  <a:rPr lang="en-US" sz="2000" b="0" i="0" dirty="0">
+                    <a:effectLst/>
+                    <a:latin typeface="Arial" panose="020B0604020202020204" pitchFamily="34" charset="0"/>
+                  </a:rPr>
+                  <a:t>, computed using</a:t>
+                </a:r>
+                <a:br>
+                  <a:rPr lang="en-US" sz="2000" dirty="0"/>
+                </a:br>
+                <a:r>
+                  <a:rPr lang="en-US" sz="2000" b="0" i="0" dirty="0">
+                    <a:effectLst/>
+                    <a:latin typeface="Arial" panose="020B0604020202020204" pitchFamily="34" charset="0"/>
+                  </a:rPr>
+                  <a:t>PD control of sideslip angle is added to M</a:t>
+                </a:r>
+                <a:r>
+                  <a:rPr lang="en-US" sz="2000" b="0" i="0" baseline="-25000" dirty="0">
+                    <a:effectLst/>
+                    <a:latin typeface="Arial" panose="020B0604020202020204" pitchFamily="34" charset="0"/>
+                  </a:rPr>
+                  <a:t>z.</a:t>
+                </a:r>
+              </a:p>
+              <a:p>
+                <a:pPr marL="114300" indent="0">
+                  <a:buNone/>
+                </a:pPr>
+                <a:endParaRPr lang="en-US" sz="2000" b="0" i="0" baseline="-25000" dirty="0">
+                  <a:effectLst/>
+                  <a:latin typeface="Arial" panose="020B0604020202020204" pitchFamily="34" charset="0"/>
+                </a:endParaRPr>
+              </a:p>
+              <a:p>
+                <a:pPr marL="114300" indent="0">
+                  <a:buNone/>
+                </a:pPr>
+                <a14:m>
+                  <m:oMathPara xmlns:m="http://schemas.openxmlformats.org/officeDocument/2006/math">
+                    <m:oMathParaPr>
+                      <m:jc m:val="centerGroup"/>
+                    </m:oMathParaPr>
+                    <m:oMath xmlns:m="http://schemas.openxmlformats.org/officeDocument/2006/math">
+                      <m:r>
+                        <m:rPr>
+                          <m:nor/>
+                        </m:rPr>
+                        <a:rPr lang="en-US" sz="1800" dirty="0" smtClean="0">
+                          <a:latin typeface="Arial" panose="020B0604020202020204" pitchFamily="34" charset="0"/>
+                        </a:rPr>
+                        <m:t>∆</m:t>
+                      </m:r>
+                      <m:r>
+                        <m:rPr>
+                          <m:nor/>
+                        </m:rPr>
+                        <a:rPr lang="en-US" sz="1800" dirty="0" smtClean="0">
+                          <a:latin typeface="Arial" panose="020B0604020202020204" pitchFamily="34" charset="0"/>
+                        </a:rPr>
+                        <m:t>Mz</m:t>
+                      </m:r>
+                      <m:r>
+                        <m:rPr>
+                          <m:nor/>
+                        </m:rPr>
+                        <a:rPr lang="en-US" sz="1800" dirty="0" smtClean="0">
+                          <a:latin typeface="Arial" panose="020B0604020202020204" pitchFamily="34" charset="0"/>
+                        </a:rPr>
+                        <m:t> = </m:t>
+                      </m:r>
+                      <m:r>
+                        <m:rPr>
+                          <m:nor/>
+                        </m:rPr>
+                        <a:rPr lang="en-US" sz="1800" dirty="0" smtClean="0">
+                          <a:latin typeface="Arial" panose="020B0604020202020204" pitchFamily="34" charset="0"/>
+                        </a:rPr>
+                        <m:t>Kp</m:t>
+                      </m:r>
+                      <m:r>
+                        <m:rPr>
+                          <m:nor/>
+                        </m:rPr>
+                        <a:rPr lang="el-GR" sz="1800" dirty="0" smtClean="0">
+                          <a:latin typeface="Arial" panose="020B0604020202020204" pitchFamily="34" charset="0"/>
+                        </a:rPr>
+                        <m:t>β</m:t>
+                      </m:r>
+                      <m:r>
+                        <m:rPr>
+                          <m:nor/>
+                        </m:rPr>
+                        <a:rPr lang="el-GR" sz="1800" dirty="0" smtClean="0">
+                          <a:latin typeface="Arial" panose="020B0604020202020204" pitchFamily="34" charset="0"/>
+                        </a:rPr>
+                        <m:t> + </m:t>
+                      </m:r>
+                      <m:r>
+                        <m:rPr>
+                          <m:nor/>
+                        </m:rPr>
+                        <a:rPr lang="en-US" sz="1800" dirty="0" smtClean="0">
+                          <a:latin typeface="Arial" panose="020B0604020202020204" pitchFamily="34" charset="0"/>
+                        </a:rPr>
+                        <m:t>K</m:t>
+                      </m:r>
+                      <m:r>
+                        <m:rPr>
+                          <m:nor/>
+                        </m:rPr>
+                        <a:rPr lang="en-US" sz="1800" baseline="-25000" dirty="0" smtClean="0">
+                          <a:latin typeface="Arial" panose="020B0604020202020204" pitchFamily="34" charset="0"/>
+                        </a:rPr>
+                        <m:t>d</m:t>
+                      </m:r>
+                      <m:acc>
+                        <m:accPr>
+                          <m:chr m:val="̇"/>
+                          <m:ctrlPr>
+                            <a:rPr lang="el-GR" sz="1800" i="1" dirty="0">
+                              <a:latin typeface="Cambria Math" panose="02040503050406030204" pitchFamily="18" charset="0"/>
+                            </a:rPr>
+                          </m:ctrlPr>
+                        </m:accPr>
+                        <m:e>
+                          <m:r>
+                            <m:rPr>
+                              <m:nor/>
+                            </m:rPr>
+                            <a:rPr lang="el-GR" sz="1800" dirty="0">
+                              <a:latin typeface="Arial" panose="020B0604020202020204" pitchFamily="34" charset="0"/>
+                            </a:rPr>
+                            <m:t>β</m:t>
+                          </m:r>
+                        </m:e>
+                      </m:acc>
+                    </m:oMath>
+                  </m:oMathPara>
+                </a14:m>
+                <a:endParaRPr lang="en-US" sz="1800" baseline="-25000" dirty="0"/>
+              </a:p>
+              <a:p>
+                <a:r>
+                  <a:rPr lang="en-US" sz="2000" dirty="0">
+                    <a:latin typeface="Arial" panose="020B0604020202020204" pitchFamily="34" charset="0"/>
+                  </a:rPr>
+                  <a:t>C</a:t>
+                </a:r>
+                <a:r>
+                  <a:rPr lang="en-US" sz="2000" b="0" i="0" dirty="0">
+                    <a:effectLst/>
+                    <a:latin typeface="Arial" panose="020B0604020202020204" pitchFamily="34" charset="0"/>
+                  </a:rPr>
+                  <a:t>ontroller is activated only on the conditions :</a:t>
+                </a:r>
+                <a:br>
+                  <a:rPr lang="en-US" sz="2000" dirty="0"/>
+                </a:br>
+                <a:r>
+                  <a:rPr lang="en-US" sz="2000" b="0" i="0" dirty="0">
+                    <a:effectLst/>
+                    <a:latin typeface="Arial" panose="020B0604020202020204" pitchFamily="34" charset="0"/>
+                  </a:rPr>
+                  <a:t>β ≥ 5 deg and </a:t>
+                </a:r>
+                <a14:m>
+                  <m:oMath xmlns:m="http://schemas.openxmlformats.org/officeDocument/2006/math">
+                    <m:acc>
+                      <m:accPr>
+                        <m:chr m:val="̇"/>
+                        <m:ctrlPr>
+                          <a:rPr lang="el-GR" sz="2000" i="1" dirty="0">
+                            <a:latin typeface="Cambria Math" panose="02040503050406030204" pitchFamily="18" charset="0"/>
+                          </a:rPr>
+                        </m:ctrlPr>
+                      </m:accPr>
+                      <m:e>
+                        <m:r>
+                          <m:rPr>
+                            <m:nor/>
+                          </m:rPr>
+                          <a:rPr lang="el-GR" sz="2000" dirty="0">
+                            <a:latin typeface="Arial" panose="020B0604020202020204" pitchFamily="34" charset="0"/>
+                          </a:rPr>
+                          <m:t>β</m:t>
+                        </m:r>
+                      </m:e>
+                    </m:acc>
+                  </m:oMath>
+                </a14:m>
+                <a:r>
+                  <a:rPr lang="en-US" sz="2000" b="0" i="0" dirty="0">
+                    <a:effectLst/>
+                    <a:latin typeface="Arial" panose="020B0604020202020204" pitchFamily="34" charset="0"/>
+                  </a:rPr>
+                  <a:t> ≥ 10 deg/s</a:t>
+                </a:r>
+                <a:endParaRPr lang="en-US" sz="1800" dirty="0"/>
+              </a:p>
+              <a:p>
+                <a:pPr marL="114300" indent="0">
+                  <a:buNone/>
+                </a:pPr>
+                <a:endParaRPr lang="en-US" sz="1800" baseline="-25000" dirty="0"/>
+              </a:p>
+            </p:txBody>
+          </p:sp>
+        </mc:Choice>
+        <mc:Fallback>
+          <p:sp>
+            <p:nvSpPr>
+              <p:cNvPr id="5" name="Text Placeholder 4">
+                <a:extLst>
+                  <a:ext uri="{FF2B5EF4-FFF2-40B4-BE49-F238E27FC236}">
+                    <a16:creationId xmlns:a16="http://schemas.microsoft.com/office/drawing/2014/main" id="{244F1774-7BF7-EED2-4BA3-1122EA2AB986}"/>
+                  </a:ext>
+                </a:extLst>
+              </p:cNvPr>
+              <p:cNvSpPr>
+                <a:spLocks noGrp="1" noRot="1" noChangeAspect="1" noMove="1" noResize="1" noEditPoints="1" noAdjustHandles="1" noChangeArrowheads="1" noChangeShapeType="1" noTextEdit="1"/>
+              </p:cNvSpPr>
+              <p:nvPr>
+                <p:ph type="body" idx="3"/>
+              </p:nvPr>
+            </p:nvSpPr>
+            <p:spPr>
+              <a:blipFill>
+                <a:blip r:embed="rId2"/>
+                <a:stretch>
+                  <a:fillRect l="-289"/>
+                </a:stretch>
+              </a:blipFill>
+            </p:spPr>
+            <p:txBody>
+              <a:bodyPr/>
+              <a:lstStyle/>
+              <a:p>
+                <a:r>
+                  <a:rPr lang="en-US">
+                    <a:noFill/>
+                  </a:rPr>
+                  <a:t> </a:t>
+                </a:r>
+              </a:p>
+            </p:txBody>
+          </p:sp>
+        </mc:Fallback>
+      </mc:AlternateContent>
+    </p:spTree>
+    <p:extLst>
+      <p:ext uri="{BB962C8B-B14F-4D97-AF65-F5344CB8AC3E}">
+        <p14:creationId xmlns:p14="http://schemas.microsoft.com/office/powerpoint/2010/main" val="623183428"/>
+      </p:ext>
+    </p:extLst>
+  </p:cSld>
+  <p:clrMapOvr>
+    <a:masterClrMapping/>
+  </p:clrMapOvr>
+</p:sld>
+</file>
+
+<file path=ppt/slides/slide12.xml><?xml version="1.0" encoding="utf-8"?>
+<p:sld xmlns:a="http://schemas.openxmlformats.org/drawingml/2006/main" xmlns:r="http://schemas.openxmlformats.org/officeDocument/2006/relationships" xmlns:p="http://schemas.openxmlformats.org/presentationml/2006/main">
+  <p:cSld>
+    <p:spTree>
+      <p:nvGrpSpPr>
+        <p:cNvPr id="1" name=""/>
+        <p:cNvGrpSpPr/>
+        <p:nvPr/>
+      </p:nvGrpSpPr>
+      <p:grpSpPr>
+        <a:xfrm>
+          <a:off x="0" y="0"/>
+          <a:ext cx="0" cy="0"/>
+          <a:chOff x="0" y="0"/>
+          <a:chExt cx="0" cy="0"/>
+        </a:xfrm>
+      </p:grpSpPr>
+      <p:sp>
+        <p:nvSpPr>
+          <p:cNvPr id="4" name="Title 3">
+            <a:extLst>
+              <a:ext uri="{FF2B5EF4-FFF2-40B4-BE49-F238E27FC236}">
+                <a16:creationId xmlns:a16="http://schemas.microsoft.com/office/drawing/2014/main" id="{FACE8355-3145-DB8E-39BE-0D7C2C3A4170}"/>
+              </a:ext>
+            </a:extLst>
+          </p:cNvPr>
+          <p:cNvSpPr>
+            <a:spLocks noGrp="1"/>
+          </p:cNvSpPr>
+          <p:nvPr>
+            <p:ph type="title"/>
+          </p:nvPr>
+        </p:nvSpPr>
+        <p:spPr/>
+        <p:txBody>
+          <a:bodyPr/>
+          <a:lstStyle/>
+          <a:p>
+            <a:r>
+              <a:rPr lang="en-US" sz="3200" b="0" i="0" dirty="0">
+                <a:effectLst/>
+                <a:latin typeface="Arial" panose="020B0604020202020204" pitchFamily="34" charset="0"/>
+              </a:rPr>
+              <a:t>With reference correction</a:t>
+            </a:r>
+          </a:p>
+        </p:txBody>
+      </p:sp>
+      <mc:AlternateContent xmlns:mc="http://schemas.openxmlformats.org/markup-compatibility/2006">
+        <mc:Choice xmlns:a14="http://schemas.microsoft.com/office/drawing/2010/main" Requires="a14">
+          <p:sp>
+            <p:nvSpPr>
+              <p:cNvPr id="5" name="Text Placeholder 4">
+                <a:extLst>
+                  <a:ext uri="{FF2B5EF4-FFF2-40B4-BE49-F238E27FC236}">
+                    <a16:creationId xmlns:a16="http://schemas.microsoft.com/office/drawing/2014/main" id="{244F1774-7BF7-EED2-4BA3-1122EA2AB986}"/>
+                  </a:ext>
+                </a:extLst>
+              </p:cNvPr>
+              <p:cNvSpPr>
+                <a:spLocks noGrp="1"/>
+              </p:cNvSpPr>
+              <p:nvPr>
+                <p:ph type="body" idx="3"/>
+              </p:nvPr>
+            </p:nvSpPr>
+            <p:spPr>
+              <a:xfrm>
+                <a:off x="706067" y="1503408"/>
+                <a:ext cx="6321089" cy="4356465"/>
+              </a:xfrm>
+            </p:spPr>
+            <p:txBody>
+              <a:bodyPr>
+                <a:normAutofit/>
+              </a:bodyPr>
+              <a:lstStyle/>
+              <a:p>
+                <a:r>
+                  <a:rPr lang="en-US" sz="2000" dirty="0">
+                    <a:latin typeface="Arial" panose="020B0604020202020204" pitchFamily="34" charset="0"/>
+                  </a:rPr>
+                  <a:t>Adjustments are adopted to reference generator</a:t>
+                </a:r>
+              </a:p>
+              <a:p>
+                <a:pPr marL="114300" indent="0">
+                  <a:buNone/>
+                </a:pPr>
+                <a:endParaRPr lang="en-US" sz="2000" b="0" i="0" baseline="-25000" dirty="0">
+                  <a:effectLst/>
+                  <a:latin typeface="Arial" panose="020B0604020202020204" pitchFamily="34" charset="0"/>
+                </a:endParaRPr>
+              </a:p>
+              <a:p>
+                <a:pPr marL="114300" indent="0">
+                  <a:buNone/>
+                </a:pPr>
+                <a14:m>
+                  <m:oMathPara xmlns:m="http://schemas.openxmlformats.org/officeDocument/2006/math">
+                    <m:oMathParaPr>
+                      <m:jc m:val="centerGroup"/>
+                    </m:oMathParaPr>
+                    <m:oMath xmlns:m="http://schemas.openxmlformats.org/officeDocument/2006/math">
+                      <m:sSubSup>
+                        <m:sSubSupPr>
+                          <m:ctrlPr>
+                            <a:rPr lang="en-US" i="1" smtClean="0">
+                              <a:latin typeface="Cambria Math" panose="02040503050406030204" pitchFamily="18" charset="0"/>
+                            </a:rPr>
+                          </m:ctrlPr>
+                        </m:sSubSupPr>
+                        <m:e>
+                          <m:r>
+                            <a:rPr lang="en-IN" b="0" i="1" smtClean="0">
+                              <a:latin typeface="Cambria Math" panose="02040503050406030204" pitchFamily="18" charset="0"/>
+                            </a:rPr>
+                            <m:t>𝑟</m:t>
+                          </m:r>
+                        </m:e>
+                        <m:sub>
+                          <m:r>
+                            <a:rPr lang="en-IN" b="0" i="1" smtClean="0">
+                              <a:latin typeface="Cambria Math" panose="02040503050406030204" pitchFamily="18" charset="0"/>
+                            </a:rPr>
+                            <m:t>𝑟𝑒𝑓</m:t>
+                          </m:r>
+                          <m:r>
+                            <a:rPr lang="en-IN" b="0" i="1" smtClean="0">
+                              <a:latin typeface="Cambria Math" panose="02040503050406030204" pitchFamily="18" charset="0"/>
+                            </a:rPr>
+                            <m:t>,</m:t>
+                          </m:r>
+                          <m:r>
+                            <a:rPr lang="en-IN" b="0" i="1" smtClean="0">
+                              <a:latin typeface="Cambria Math" panose="02040503050406030204" pitchFamily="18" charset="0"/>
+                            </a:rPr>
+                            <m:t>𝑠𝑠</m:t>
+                          </m:r>
+                        </m:sub>
+                        <m:sup>
+                          <m:r>
+                            <a:rPr lang="en-IN" b="0" i="1" smtClean="0">
+                              <a:latin typeface="Cambria Math" panose="02040503050406030204" pitchFamily="18" charset="0"/>
+                            </a:rPr>
+                            <m:t>𝑛𝑒𝑤</m:t>
+                          </m:r>
+                        </m:sup>
+                      </m:sSubSup>
+                      <m:r>
+                        <m:rPr>
+                          <m:nor/>
+                        </m:rPr>
+                        <a:rPr lang="en-US"/>
+                        <m:t>= </m:t>
+                      </m:r>
+                      <m:sSub>
+                        <m:sSubPr>
+                          <m:ctrlPr>
+                            <a:rPr lang="en-US" i="1" smtClean="0">
+                              <a:latin typeface="Cambria Math" panose="02040503050406030204" pitchFamily="18" charset="0"/>
+                            </a:rPr>
+                          </m:ctrlPr>
+                        </m:sSubPr>
+                        <m:e>
+                          <m:r>
+                            <a:rPr lang="en-IN" b="0" i="1" smtClean="0">
+                              <a:latin typeface="Cambria Math" panose="02040503050406030204" pitchFamily="18" charset="0"/>
+                            </a:rPr>
+                            <m:t>𝑟</m:t>
+                          </m:r>
+                        </m:e>
+                        <m:sub>
+                          <m:r>
+                            <a:rPr lang="en-IN" b="0" i="1" smtClean="0">
+                              <a:latin typeface="Cambria Math" panose="02040503050406030204" pitchFamily="18" charset="0"/>
+                            </a:rPr>
+                            <m:t>h</m:t>
+                          </m:r>
+                        </m:sub>
+                      </m:sSub>
+                      <m:r>
+                        <a:rPr lang="en-IN" b="0" i="1" smtClean="0">
+                          <a:latin typeface="Cambria Math" panose="02040503050406030204" pitchFamily="18" charset="0"/>
+                        </a:rPr>
+                        <m:t>−</m:t>
+                      </m:r>
+                      <m:r>
+                        <a:rPr lang="en-IN" b="0" i="1" smtClean="0">
+                          <a:latin typeface="Cambria Math" panose="02040503050406030204" pitchFamily="18" charset="0"/>
+                        </a:rPr>
+                        <m:t>𝐹</m:t>
+                      </m:r>
+                      <m:r>
+                        <a:rPr lang="en-IN" b="0" i="1" smtClean="0">
+                          <a:latin typeface="Cambria Math" panose="02040503050406030204" pitchFamily="18" charset="0"/>
+                        </a:rPr>
+                        <m:t>(</m:t>
+                      </m:r>
+                      <m:sSub>
+                        <m:sSubPr>
+                          <m:ctrlPr>
+                            <a:rPr lang="en-US" sz="1800" i="1">
+                              <a:latin typeface="Cambria Math" panose="02040503050406030204" pitchFamily="18" charset="0"/>
+                            </a:rPr>
+                          </m:ctrlPr>
+                        </m:sSubPr>
+                        <m:e>
+                          <m:r>
+                            <a:rPr lang="en-IN" sz="1800" i="1">
+                              <a:latin typeface="Cambria Math" panose="02040503050406030204" pitchFamily="18" charset="0"/>
+                            </a:rPr>
+                            <m:t>𝑟</m:t>
+                          </m:r>
+                        </m:e>
+                        <m:sub>
+                          <m:r>
+                            <a:rPr lang="en-IN" sz="1800" i="1">
+                              <a:latin typeface="Cambria Math" panose="02040503050406030204" pitchFamily="18" charset="0"/>
+                            </a:rPr>
+                            <m:t>h</m:t>
+                          </m:r>
+                        </m:sub>
+                      </m:sSub>
+                      <m:sSub>
+                        <m:sSubPr>
+                          <m:ctrlPr>
+                            <a:rPr lang="en-US" sz="1800" i="1">
+                              <a:latin typeface="Cambria Math" panose="02040503050406030204" pitchFamily="18" charset="0"/>
+                            </a:rPr>
+                          </m:ctrlPr>
+                        </m:sSubPr>
+                        <m:e>
+                          <m:r>
+                            <a:rPr lang="en-IN" sz="1800" b="0" i="1" smtClean="0">
+                              <a:latin typeface="Cambria Math" panose="02040503050406030204" pitchFamily="18" charset="0"/>
+                            </a:rPr>
+                            <m:t>− </m:t>
+                          </m:r>
+                          <m:r>
+                            <a:rPr lang="en-IN" sz="1800" i="1">
+                              <a:latin typeface="Cambria Math" panose="02040503050406030204" pitchFamily="18" charset="0"/>
+                            </a:rPr>
+                            <m:t>𝑟</m:t>
+                          </m:r>
+                        </m:e>
+                        <m:sub>
+                          <m:r>
+                            <a:rPr lang="en-IN" sz="1800" b="0" i="1" smtClean="0">
+                              <a:latin typeface="Cambria Math" panose="02040503050406030204" pitchFamily="18" charset="0"/>
+                            </a:rPr>
+                            <m:t>𝑠</m:t>
+                          </m:r>
+                        </m:sub>
+                      </m:sSub>
+                      <m:r>
+                        <a:rPr lang="en-IN" sz="1800" b="0" i="1" smtClean="0">
+                          <a:latin typeface="Cambria Math" panose="02040503050406030204" pitchFamily="18" charset="0"/>
+                        </a:rPr>
+                        <m:t>)</m:t>
+                      </m:r>
+                    </m:oMath>
+                  </m:oMathPara>
+                </a14:m>
+                <a:endParaRPr lang="en-US" sz="1800" baseline="-25000" dirty="0"/>
+              </a:p>
+              <a:p>
+                <a:pPr marL="114300" indent="0">
+                  <a:buNone/>
+                </a:pPr>
+                <a:endParaRPr lang="en-US" sz="1800" baseline="-25000" dirty="0"/>
+              </a:p>
+              <a:p>
+                <a:pPr marL="114300" indent="0">
+                  <a:buNone/>
+                </a:pPr>
+                <a:endParaRPr lang="en-US" sz="1800" baseline="-25000" dirty="0"/>
+              </a:p>
+              <a:p>
+                <a:pPr marL="114300" indent="0">
+                  <a:buNone/>
+                </a:pPr>
+                <a:endParaRPr lang="en-US" sz="2400" b="0" i="0" baseline="-25000" dirty="0">
+                  <a:effectLst/>
+                  <a:latin typeface="Arial" panose="020B0604020202020204" pitchFamily="34" charset="0"/>
+                </a:endParaRPr>
+              </a:p>
+              <a:p>
+                <a:pPr marL="114300" indent="0">
+                  <a:buNone/>
+                </a:pPr>
+                <a14:m>
+                  <m:oMathPara xmlns:m="http://schemas.openxmlformats.org/officeDocument/2006/math">
+                    <m:oMathParaPr>
+                      <m:jc m:val="centerGroup"/>
+                    </m:oMathParaPr>
+                    <m:oMath xmlns:m="http://schemas.openxmlformats.org/officeDocument/2006/math">
+                      <m:sSub>
+                        <m:sSubPr>
+                          <m:ctrlPr>
+                            <a:rPr lang="en-US" sz="1800" i="1" smtClean="0">
+                              <a:latin typeface="Cambria Math" panose="02040503050406030204" pitchFamily="18" charset="0"/>
+                            </a:rPr>
+                          </m:ctrlPr>
+                        </m:sSubPr>
+                        <m:e>
+                          <m:r>
+                            <a:rPr lang="en-IN" sz="1800" b="0" i="1" smtClean="0">
+                              <a:latin typeface="Cambria Math" panose="02040503050406030204" pitchFamily="18" charset="0"/>
+                            </a:rPr>
+                            <m:t>𝑟</m:t>
+                          </m:r>
+                        </m:e>
+                        <m:sub>
+                          <m:r>
+                            <a:rPr lang="en-IN" sz="1800" b="0" i="1" smtClean="0">
+                              <a:latin typeface="Cambria Math" panose="02040503050406030204" pitchFamily="18" charset="0"/>
+                            </a:rPr>
+                            <m:t>𝑠𝑎𝑡</m:t>
+                          </m:r>
+                        </m:sub>
+                      </m:sSub>
+                      <m:r>
+                        <m:rPr>
+                          <m:nor/>
+                        </m:rPr>
+                        <a:rPr lang="en-US" sz="1800"/>
+                        <m:t>= </m:t>
+                      </m:r>
+                      <m:f>
+                        <m:fPr>
+                          <m:ctrlPr>
+                            <a:rPr lang="en-US" sz="1800" i="1" smtClean="0">
+                              <a:latin typeface="Cambria Math" panose="02040503050406030204" pitchFamily="18" charset="0"/>
+                            </a:rPr>
+                          </m:ctrlPr>
+                        </m:fPr>
+                        <m:num>
+                          <m:sSub>
+                            <m:sSubPr>
+                              <m:ctrlPr>
+                                <a:rPr lang="en-US" i="1">
+                                  <a:latin typeface="Cambria Math" panose="02040503050406030204" pitchFamily="18" charset="0"/>
+                                </a:rPr>
+                              </m:ctrlPr>
+                            </m:sSubPr>
+                            <m:e>
+                              <m:r>
+                                <a:rPr lang="en-IN" b="0" i="1" smtClean="0">
+                                  <a:latin typeface="Cambria Math" panose="02040503050406030204" pitchFamily="18" charset="0"/>
+                                </a:rPr>
+                                <m:t>𝑎</m:t>
+                              </m:r>
+                            </m:e>
+                            <m:sub>
+                              <m:r>
+                                <a:rPr lang="en-IN" b="0" i="1" smtClean="0">
+                                  <a:latin typeface="Cambria Math" panose="02040503050406030204" pitchFamily="18" charset="0"/>
+                                </a:rPr>
+                                <m:t>𝑦</m:t>
+                              </m:r>
+                            </m:sub>
+                          </m:sSub>
+                          <m:r>
+                            <a:rPr lang="en-IN" i="1">
+                              <a:latin typeface="Cambria Math" panose="02040503050406030204" pitchFamily="18" charset="0"/>
+                            </a:rPr>
+                            <m:t>−</m:t>
+                          </m:r>
+                          <m:r>
+                            <a:rPr lang="en-IN" b="0" i="1" smtClean="0">
+                              <a:latin typeface="Cambria Math" panose="02040503050406030204" pitchFamily="18" charset="0"/>
+                            </a:rPr>
+                            <m:t>𝑠𝑖𝑔𝑛</m:t>
+                          </m:r>
+                          <m:r>
+                            <a:rPr lang="en-IN" i="1">
+                              <a:latin typeface="Cambria Math" panose="02040503050406030204" pitchFamily="18" charset="0"/>
+                            </a:rPr>
+                            <m:t>(</m:t>
+                          </m:r>
+                          <m:sSub>
+                            <m:sSubPr>
+                              <m:ctrlPr>
+                                <a:rPr lang="en-US" sz="1800" i="1">
+                                  <a:latin typeface="Cambria Math" panose="02040503050406030204" pitchFamily="18" charset="0"/>
+                                </a:rPr>
+                              </m:ctrlPr>
+                            </m:sSubPr>
+                            <m:e>
+                              <m:r>
+                                <a:rPr lang="en-IN" sz="1800" b="0" i="1" smtClean="0">
+                                  <a:latin typeface="Cambria Math" panose="02040503050406030204" pitchFamily="18" charset="0"/>
+                                </a:rPr>
+                                <m:t>𝑎</m:t>
+                              </m:r>
+                            </m:e>
+                            <m:sub>
+                              <m:r>
+                                <a:rPr lang="en-IN" sz="1800" b="0" i="1" smtClean="0">
+                                  <a:latin typeface="Cambria Math" panose="02040503050406030204" pitchFamily="18" charset="0"/>
+                                </a:rPr>
+                                <m:t>𝑦</m:t>
+                              </m:r>
+                            </m:sub>
+                          </m:sSub>
+                          <m:r>
+                            <a:rPr lang="en-IN" sz="1800" b="0" i="1" smtClean="0">
+                              <a:latin typeface="Cambria Math" panose="02040503050406030204" pitchFamily="18" charset="0"/>
+                            </a:rPr>
+                            <m:t>)</m:t>
+                          </m:r>
+                          <m:sSub>
+                            <m:sSubPr>
+                              <m:ctrlPr>
+                                <a:rPr lang="en-US" sz="1800" i="1">
+                                  <a:latin typeface="Cambria Math" panose="02040503050406030204" pitchFamily="18" charset="0"/>
+                                </a:rPr>
+                              </m:ctrlPr>
+                            </m:sSubPr>
+                            <m:e>
+                              <m:r>
+                                <a:rPr lang="en-IN" sz="1800" i="1" smtClean="0">
+                                  <a:latin typeface="Cambria Math" panose="02040503050406030204" pitchFamily="18" charset="0"/>
+                                  <a:ea typeface="Cambria Math" panose="02040503050406030204" pitchFamily="18" charset="0"/>
+                                </a:rPr>
+                                <m:t>∆</m:t>
+                              </m:r>
+                              <m:r>
+                                <a:rPr lang="en-IN" sz="1800" b="0" i="1" smtClean="0">
+                                  <a:latin typeface="Cambria Math" panose="02040503050406030204" pitchFamily="18" charset="0"/>
+                                  <a:ea typeface="Cambria Math" panose="02040503050406030204" pitchFamily="18" charset="0"/>
+                                </a:rPr>
+                                <m:t>𝑎</m:t>
+                              </m:r>
+                            </m:e>
+                            <m:sub>
+                              <m:r>
+                                <a:rPr lang="en-IN" sz="1800" b="0" i="1" smtClean="0">
+                                  <a:latin typeface="Cambria Math" panose="02040503050406030204" pitchFamily="18" charset="0"/>
+                                </a:rPr>
+                                <m:t>𝑦</m:t>
+                              </m:r>
+                            </m:sub>
+                          </m:sSub>
+                          <m:r>
+                            <m:rPr>
+                              <m:nor/>
+                            </m:rPr>
+                            <a:rPr lang="en-US" sz="1800" baseline="-25000" dirty="0"/>
+                            <m:t> </m:t>
+                          </m:r>
+                        </m:num>
+                        <m:den>
+                          <m:sSub>
+                            <m:sSubPr>
+                              <m:ctrlPr>
+                                <a:rPr lang="en-US" sz="1800" i="1" smtClean="0">
+                                  <a:latin typeface="Cambria Math" panose="02040503050406030204" pitchFamily="18" charset="0"/>
+                                </a:rPr>
+                              </m:ctrlPr>
+                            </m:sSubPr>
+                            <m:e>
+                              <m:r>
+                                <a:rPr lang="en-IN" sz="1800" b="0" i="1" smtClean="0">
+                                  <a:latin typeface="Cambria Math" panose="02040503050406030204" pitchFamily="18" charset="0"/>
+                                </a:rPr>
+                                <m:t>𝑉</m:t>
+                              </m:r>
+                            </m:e>
+                            <m:sub>
+                              <m:r>
+                                <a:rPr lang="en-IN" sz="1800" b="0" i="1" smtClean="0">
+                                  <a:latin typeface="Cambria Math" panose="02040503050406030204" pitchFamily="18" charset="0"/>
+                                </a:rPr>
+                                <m:t>𝑥</m:t>
+                              </m:r>
+                            </m:sub>
+                          </m:sSub>
+                        </m:den>
+                      </m:f>
+                    </m:oMath>
+                  </m:oMathPara>
+                </a14:m>
+                <a:endParaRPr lang="en-US" sz="1800" baseline="-25000" dirty="0"/>
+              </a:p>
+              <a:p>
+                <a:pPr marL="114300" indent="0">
+                  <a:buNone/>
+                </a:pPr>
+                <a:endParaRPr lang="en-US" sz="1800" baseline="-25000" dirty="0"/>
+              </a:p>
+              <a:p>
+                <a:pPr marL="114300" indent="0">
+                  <a:buNone/>
+                </a:pPr>
+                <a:endParaRPr lang="en-US" sz="1800" baseline="-25000" dirty="0"/>
+              </a:p>
+              <a:p>
+                <a:pPr marL="114300" indent="0">
+                  <a:buNone/>
+                </a:pPr>
+                <a:endParaRPr lang="en-US" sz="1800" baseline="-25000" dirty="0"/>
+              </a:p>
+              <a:p>
+                <a:pPr marL="114300" indent="0">
+                  <a:buNone/>
+                </a:pPr>
+                <a:endParaRPr lang="en-US" sz="1800" baseline="-25000" dirty="0"/>
+              </a:p>
+              <a:p>
+                <a:r>
+                  <a:rPr lang="en-US" sz="2000" b="0" i="0" dirty="0">
+                    <a:effectLst/>
+                    <a:latin typeface="Arial" panose="020B0604020202020204" pitchFamily="34" charset="0"/>
+                  </a:rPr>
+                  <a:t>After trials, k</a:t>
+                </a:r>
+                <a:r>
+                  <a:rPr lang="en-US" sz="2000" b="0" i="0" baseline="-25000" dirty="0">
+                    <a:effectLst/>
+                    <a:latin typeface="Arial" panose="020B0604020202020204" pitchFamily="34" charset="0"/>
+                  </a:rPr>
+                  <a:t>1</a:t>
+                </a:r>
+                <a:r>
+                  <a:rPr lang="en-US" sz="2000" b="0" i="0" dirty="0">
+                    <a:effectLst/>
+                    <a:latin typeface="Arial" panose="020B0604020202020204" pitchFamily="34" charset="0"/>
+                  </a:rPr>
+                  <a:t> is set as 0.85 and k</a:t>
+                </a:r>
+                <a:r>
+                  <a:rPr lang="en-US" sz="2000" b="0" i="0" baseline="-25000" dirty="0">
+                    <a:effectLst/>
+                    <a:latin typeface="Arial" panose="020B0604020202020204" pitchFamily="34" charset="0"/>
+                  </a:rPr>
+                  <a:t>2</a:t>
+                </a:r>
+                <a:r>
+                  <a:rPr lang="en-US" sz="2000" b="0" i="0" dirty="0">
+                    <a:effectLst/>
+                    <a:latin typeface="Arial" panose="020B0604020202020204" pitchFamily="34" charset="0"/>
+                  </a:rPr>
+                  <a:t> is set as 1</a:t>
+                </a:r>
+                <a:endParaRPr lang="en-US" sz="1800" baseline="-25000" dirty="0"/>
+              </a:p>
+            </p:txBody>
+          </p:sp>
+        </mc:Choice>
+        <mc:Fallback>
+          <p:sp>
+            <p:nvSpPr>
+              <p:cNvPr id="5" name="Text Placeholder 4">
+                <a:extLst>
+                  <a:ext uri="{FF2B5EF4-FFF2-40B4-BE49-F238E27FC236}">
+                    <a16:creationId xmlns:a16="http://schemas.microsoft.com/office/drawing/2014/main" id="{244F1774-7BF7-EED2-4BA3-1122EA2AB986}"/>
+                  </a:ext>
+                </a:extLst>
+              </p:cNvPr>
+              <p:cNvSpPr>
+                <a:spLocks noGrp="1" noRot="1" noChangeAspect="1" noMove="1" noResize="1" noEditPoints="1" noAdjustHandles="1" noChangeArrowheads="1" noChangeShapeType="1" noTextEdit="1"/>
+              </p:cNvSpPr>
+              <p:nvPr>
+                <p:ph type="body" idx="3"/>
+              </p:nvPr>
+            </p:nvSpPr>
+            <p:spPr>
+              <a:xfrm>
+                <a:off x="706067" y="1503408"/>
+                <a:ext cx="6321089" cy="4356465"/>
+              </a:xfrm>
+              <a:blipFill>
+                <a:blip r:embed="rId2"/>
+                <a:stretch>
+                  <a:fillRect l="-289" b="-700"/>
+                </a:stretch>
+              </a:blipFill>
+            </p:spPr>
+            <p:txBody>
+              <a:bodyPr/>
+              <a:lstStyle/>
+              <a:p>
+                <a:r>
+                  <a:rPr lang="en-US">
+                    <a:noFill/>
+                  </a:rPr>
+                  <a:t> </a:t>
+                </a:r>
+              </a:p>
+            </p:txBody>
+          </p:sp>
+        </mc:Fallback>
+      </mc:AlternateContent>
+      <p:pic>
+        <p:nvPicPr>
+          <p:cNvPr id="3" name="Picture 2">
+            <a:extLst>
+              <a:ext uri="{FF2B5EF4-FFF2-40B4-BE49-F238E27FC236}">
+                <a16:creationId xmlns:a16="http://schemas.microsoft.com/office/drawing/2014/main" id="{B7B30124-E1A4-218E-C8BA-510E14778FF4}"/>
+              </a:ext>
+            </a:extLst>
+          </p:cNvPr>
+          <p:cNvPicPr>
+            <a:picLocks noChangeAspect="1"/>
+          </p:cNvPicPr>
+          <p:nvPr/>
+        </p:nvPicPr>
+        <p:blipFill>
+          <a:blip r:embed="rId3"/>
+          <a:stretch>
+            <a:fillRect/>
+          </a:stretch>
+        </p:blipFill>
+        <p:spPr>
+          <a:xfrm>
+            <a:off x="2223436" y="2766003"/>
+            <a:ext cx="3284505" cy="662997"/>
+          </a:xfrm>
+          <a:prstGeom prst="rect">
+            <a:avLst/>
+          </a:prstGeom>
+        </p:spPr>
+      </p:pic>
+      <p:pic>
+        <p:nvPicPr>
+          <p:cNvPr id="9" name="Picture 8">
+            <a:extLst>
+              <a:ext uri="{FF2B5EF4-FFF2-40B4-BE49-F238E27FC236}">
+                <a16:creationId xmlns:a16="http://schemas.microsoft.com/office/drawing/2014/main" id="{A9401984-05F6-44F8-555F-4A6F365766F2}"/>
+              </a:ext>
+            </a:extLst>
+          </p:cNvPr>
+          <p:cNvPicPr>
+            <a:picLocks noChangeAspect="1"/>
+          </p:cNvPicPr>
+          <p:nvPr/>
+        </p:nvPicPr>
+        <p:blipFill>
+          <a:blip r:embed="rId4"/>
+          <a:stretch>
+            <a:fillRect/>
+          </a:stretch>
+        </p:blipFill>
+        <p:spPr>
+          <a:xfrm>
+            <a:off x="2223436" y="4243736"/>
+            <a:ext cx="3520745" cy="838273"/>
+          </a:xfrm>
+          <a:prstGeom prst="rect">
+            <a:avLst/>
+          </a:prstGeom>
+        </p:spPr>
+      </p:pic>
+    </p:spTree>
+    <p:extLst>
+      <p:ext uri="{BB962C8B-B14F-4D97-AF65-F5344CB8AC3E}">
+        <p14:creationId xmlns:p14="http://schemas.microsoft.com/office/powerpoint/2010/main" val="998160443"/>
+      </p:ext>
+    </p:extLst>
+  </p:cSld>
+  <p:clrMapOvr>
+    <a:masterClrMapping/>
+  </p:clrMapOvr>
+</p:sld>
+</file>
+
+<file path=ppt/slides/slide13.xml><?xml version="1.0" encoding="utf-8"?>
+<p:sld xmlns:a="http://schemas.openxmlformats.org/drawingml/2006/main" xmlns:r="http://schemas.openxmlformats.org/officeDocument/2006/relationships" xmlns:p="http://schemas.openxmlformats.org/presentationml/2006/main">
+  <p:cSld>
+    <p:spTree>
+      <p:nvGrpSpPr>
+        <p:cNvPr id="1" name=""/>
+        <p:cNvGrpSpPr/>
+        <p:nvPr/>
+      </p:nvGrpSpPr>
+      <p:grpSpPr>
+        <a:xfrm>
+          <a:off x="0" y="0"/>
+          <a:ext cx="0" cy="0"/>
+          <a:chOff x="0" y="0"/>
+          <a:chExt cx="0" cy="0"/>
+        </a:xfrm>
+      </p:grpSpPr>
+      <p:sp>
+        <p:nvSpPr>
+          <p:cNvPr id="5" name="Text Placeholder 4">
+            <a:extLst>
+              <a:ext uri="{FF2B5EF4-FFF2-40B4-BE49-F238E27FC236}">
+                <a16:creationId xmlns:a16="http://schemas.microsoft.com/office/drawing/2014/main" id="{244F1774-7BF7-EED2-4BA3-1122EA2AB986}"/>
+              </a:ext>
+            </a:extLst>
+          </p:cNvPr>
+          <p:cNvSpPr>
+            <a:spLocks noGrp="1"/>
+          </p:cNvSpPr>
+          <p:nvPr>
+            <p:ph type="body" idx="3"/>
+          </p:nvPr>
+        </p:nvSpPr>
+        <p:spPr>
+          <a:xfrm>
+            <a:off x="706067" y="1503408"/>
+            <a:ext cx="6321089" cy="4356465"/>
+          </a:xfrm>
+        </p:spPr>
+        <p:txBody>
+          <a:bodyPr>
+            <a:normAutofit/>
+          </a:bodyPr>
+          <a:lstStyle/>
+          <a:p>
+            <a:r>
+              <a:rPr lang="en-US" sz="1800" dirty="0">
+                <a:latin typeface="Arial" panose="020B0604020202020204" pitchFamily="34" charset="0"/>
+              </a:rPr>
+              <a:t>Limitation is introduced on the maximum lateral acceleration and maximum sideslip angle</a:t>
+            </a:r>
+          </a:p>
+          <a:p>
+            <a:endParaRPr lang="en-US" sz="1800" b="0" i="0" baseline="-25000" dirty="0">
+              <a:effectLst/>
+              <a:latin typeface="Arial" panose="020B0604020202020204" pitchFamily="34" charset="0"/>
+            </a:endParaRPr>
+          </a:p>
+          <a:p>
+            <a:pPr marL="114300" indent="0">
+              <a:buNone/>
+            </a:pPr>
+            <a:endParaRPr lang="en-US" baseline="-25000" dirty="0"/>
+          </a:p>
+          <a:p>
+            <a:r>
+              <a:rPr lang="en-US" sz="1800" dirty="0">
+                <a:latin typeface="Arial" panose="020B0604020202020204" pitchFamily="34" charset="0"/>
+              </a:rPr>
+              <a:t>R</a:t>
+            </a:r>
+            <a:r>
+              <a:rPr lang="en-US" sz="1800" b="0" i="0" dirty="0">
+                <a:effectLst/>
+                <a:latin typeface="Arial" panose="020B0604020202020204" pitchFamily="34" charset="0"/>
+              </a:rPr>
+              <a:t>eference sideslip angle is assigned as</a:t>
+            </a:r>
+            <a:endParaRPr lang="en-US" sz="1800" dirty="0"/>
+          </a:p>
+          <a:p>
+            <a:pPr marL="114300" indent="0">
+              <a:buNone/>
+            </a:pPr>
+            <a:endParaRPr lang="en-US" baseline="-25000" dirty="0"/>
+          </a:p>
+          <a:p>
+            <a:pPr marL="114300" indent="0">
+              <a:buNone/>
+            </a:pPr>
+            <a:endParaRPr lang="en-US" baseline="-25000" dirty="0"/>
+          </a:p>
+          <a:p>
+            <a:r>
+              <a:rPr lang="en-US" sz="1800" b="0" i="0" dirty="0">
+                <a:effectLst/>
+                <a:latin typeface="Arial" panose="020B0604020202020204" pitchFamily="34" charset="0"/>
+              </a:rPr>
+              <a:t>The maximum yaw rate is thus obtained as</a:t>
+            </a:r>
+          </a:p>
+          <a:p>
+            <a:endParaRPr lang="en-US" sz="1800" baseline="-25000" dirty="0">
+              <a:latin typeface="Arial" panose="020B0604020202020204" pitchFamily="34" charset="0"/>
+            </a:endParaRPr>
+          </a:p>
+          <a:p>
+            <a:endParaRPr lang="en-US" sz="1800" baseline="-25000" dirty="0">
+              <a:latin typeface="Arial" panose="020B0604020202020204" pitchFamily="34" charset="0"/>
+            </a:endParaRPr>
+          </a:p>
+          <a:p>
+            <a:r>
+              <a:rPr lang="en-US" sz="1800" dirty="0">
+                <a:latin typeface="Arial" panose="020B0604020202020204" pitchFamily="34" charset="0"/>
+              </a:rPr>
+              <a:t>Steady state yaw rate is assigned with</a:t>
+            </a:r>
+            <a:endParaRPr lang="en-US" dirty="0"/>
+          </a:p>
+        </p:txBody>
+      </p:sp>
+      <p:pic>
+        <p:nvPicPr>
+          <p:cNvPr id="6" name="Picture 5">
+            <a:extLst>
+              <a:ext uri="{FF2B5EF4-FFF2-40B4-BE49-F238E27FC236}">
+                <a16:creationId xmlns:a16="http://schemas.microsoft.com/office/drawing/2014/main" id="{2614899A-3DC4-B920-5567-974A87BFE475}"/>
+              </a:ext>
+            </a:extLst>
+          </p:cNvPr>
+          <p:cNvPicPr>
+            <a:picLocks noChangeAspect="1"/>
+          </p:cNvPicPr>
+          <p:nvPr/>
+        </p:nvPicPr>
+        <p:blipFill>
+          <a:blip r:embed="rId2"/>
+          <a:stretch>
+            <a:fillRect/>
+          </a:stretch>
+        </p:blipFill>
+        <p:spPr>
+          <a:xfrm>
+            <a:off x="2443702" y="2148729"/>
+            <a:ext cx="2408129" cy="693480"/>
+          </a:xfrm>
+          <a:prstGeom prst="rect">
+            <a:avLst/>
+          </a:prstGeom>
+        </p:spPr>
+      </p:pic>
+      <p:pic>
+        <p:nvPicPr>
+          <p:cNvPr id="11" name="Picture 10">
+            <a:extLst>
+              <a:ext uri="{FF2B5EF4-FFF2-40B4-BE49-F238E27FC236}">
+                <a16:creationId xmlns:a16="http://schemas.microsoft.com/office/drawing/2014/main" id="{1A563920-D309-83D7-5A7F-F9AC4D7D772F}"/>
+              </a:ext>
+            </a:extLst>
+          </p:cNvPr>
+          <p:cNvPicPr>
+            <a:picLocks noChangeAspect="1"/>
+          </p:cNvPicPr>
+          <p:nvPr/>
+        </p:nvPicPr>
+        <p:blipFill>
+          <a:blip r:embed="rId3"/>
+          <a:stretch>
+            <a:fillRect/>
+          </a:stretch>
+        </p:blipFill>
+        <p:spPr>
+          <a:xfrm>
+            <a:off x="2107914" y="4252825"/>
+            <a:ext cx="2606266" cy="548688"/>
+          </a:xfrm>
+          <a:prstGeom prst="rect">
+            <a:avLst/>
+          </a:prstGeom>
+        </p:spPr>
+      </p:pic>
+      <p:pic>
+        <p:nvPicPr>
+          <p:cNvPr id="8" name="Picture 7">
+            <a:extLst>
+              <a:ext uri="{FF2B5EF4-FFF2-40B4-BE49-F238E27FC236}">
+                <a16:creationId xmlns:a16="http://schemas.microsoft.com/office/drawing/2014/main" id="{B3F73F93-7CFD-234D-476E-CF3C9BEA454B}"/>
+              </a:ext>
+            </a:extLst>
+          </p:cNvPr>
+          <p:cNvPicPr>
+            <a:picLocks noChangeAspect="1"/>
+          </p:cNvPicPr>
+          <p:nvPr/>
+        </p:nvPicPr>
+        <p:blipFill>
+          <a:blip r:embed="rId4"/>
+          <a:stretch>
+            <a:fillRect/>
+          </a:stretch>
+        </p:blipFill>
+        <p:spPr>
+          <a:xfrm>
+            <a:off x="2025521" y="3167685"/>
+            <a:ext cx="3543607" cy="586791"/>
+          </a:xfrm>
+          <a:prstGeom prst="rect">
+            <a:avLst/>
+          </a:prstGeom>
+        </p:spPr>
+      </p:pic>
+      <p:sp>
+        <p:nvSpPr>
+          <p:cNvPr id="4" name="Title 3">
+            <a:extLst>
+              <a:ext uri="{FF2B5EF4-FFF2-40B4-BE49-F238E27FC236}">
+                <a16:creationId xmlns:a16="http://schemas.microsoft.com/office/drawing/2014/main" id="{FACE8355-3145-DB8E-39BE-0D7C2C3A4170}"/>
+              </a:ext>
+            </a:extLst>
+          </p:cNvPr>
+          <p:cNvSpPr>
+            <a:spLocks noGrp="1"/>
+          </p:cNvSpPr>
+          <p:nvPr>
+            <p:ph type="title"/>
+          </p:nvPr>
+        </p:nvSpPr>
+        <p:spPr/>
+        <p:txBody>
+          <a:bodyPr/>
+          <a:lstStyle/>
+          <a:p>
+            <a:r>
+              <a:rPr lang="en-US" sz="3200" b="0" i="0" dirty="0">
+                <a:effectLst/>
+                <a:latin typeface="Arial" panose="020B0604020202020204" pitchFamily="34" charset="0"/>
+              </a:rPr>
+              <a:t>With yaw rate saturation</a:t>
+            </a:r>
+          </a:p>
+        </p:txBody>
+      </p:sp>
+      <p:pic>
+        <p:nvPicPr>
+          <p:cNvPr id="13" name="Picture 12">
+            <a:extLst>
+              <a:ext uri="{FF2B5EF4-FFF2-40B4-BE49-F238E27FC236}">
+                <a16:creationId xmlns:a16="http://schemas.microsoft.com/office/drawing/2014/main" id="{E64B4E70-B4A0-0FF4-ED26-A94E2C1ADF22}"/>
+              </a:ext>
+            </a:extLst>
+          </p:cNvPr>
+          <p:cNvPicPr>
+            <a:picLocks noChangeAspect="1"/>
+          </p:cNvPicPr>
+          <p:nvPr/>
+        </p:nvPicPr>
+        <p:blipFill>
+          <a:blip r:embed="rId5"/>
+          <a:stretch>
+            <a:fillRect/>
+          </a:stretch>
+        </p:blipFill>
+        <p:spPr>
+          <a:xfrm>
+            <a:off x="1830882" y="5299862"/>
+            <a:ext cx="4343776" cy="533446"/>
+          </a:xfrm>
+          <a:prstGeom prst="rect">
+            <a:avLst/>
+          </a:prstGeom>
+        </p:spPr>
+      </p:pic>
+    </p:spTree>
+    <p:extLst>
+      <p:ext uri="{BB962C8B-B14F-4D97-AF65-F5344CB8AC3E}">
+        <p14:creationId xmlns:p14="http://schemas.microsoft.com/office/powerpoint/2010/main" val="3556598540"/>
+      </p:ext>
+    </p:extLst>
+  </p:cSld>
+  <p:clrMapOvr>
+    <a:masterClrMapping/>
+  </p:clrMapOvr>
+</p:sld>
+</file>
+
+<file path=ppt/slides/slide14.xml><?xml version="1.0" encoding="utf-8"?>
+<p:sld xmlns:a="http://schemas.openxmlformats.org/drawingml/2006/main" xmlns:r="http://schemas.openxmlformats.org/officeDocument/2006/relationships" xmlns:p="http://schemas.openxmlformats.org/presentationml/2006/main">
+  <p:cSld>
+    <p:spTree>
+      <p:nvGrpSpPr>
+        <p:cNvPr id="1" name="Shape 695"/>
+        <p:cNvGrpSpPr/>
+        <p:nvPr/>
+      </p:nvGrpSpPr>
+      <p:grpSpPr>
+        <a:xfrm>
+          <a:off x="0" y="0"/>
+          <a:ext cx="0" cy="0"/>
+          <a:chOff x="0" y="0"/>
+          <a:chExt cx="0" cy="0"/>
+        </a:xfrm>
+      </p:grpSpPr>
+      <p:sp>
+        <p:nvSpPr>
+          <p:cNvPr id="696" name="Google Shape;696;p38"/>
+          <p:cNvSpPr txBox="1">
+            <a:spLocks noGrp="1"/>
+          </p:cNvSpPr>
+          <p:nvPr>
+            <p:ph type="title" idx="4294967295"/>
+          </p:nvPr>
+        </p:nvSpPr>
+        <p:spPr>
+          <a:xfrm>
+            <a:off x="698500" y="719138"/>
+            <a:ext cx="10798175" cy="5229225"/>
+          </a:xfrm>
+          <a:prstGeom prst="rect">
+            <a:avLst/>
+          </a:prstGeom>
+          <a:noFill/>
+          <a:ln>
+            <a:noFill/>
+            <a:prstDash/>
+          </a:ln>
+          <a:effectLst/>
+        </p:spPr>
+        <p:txBody>
+          <a:bodyPr rot="0" spcFirstLastPara="1" vertOverflow="overflow" horzOverflow="overflow" vert="horz" wrap="square" lIns="0" tIns="0" rIns="0" bIns="0" numCol="1" spcCol="0" rtlCol="0" fromWordArt="0" anchor="ctr" anchorCtr="0" forceAA="0" compatLnSpc="1">
+            <a:prstTxWarp prst="textNoShape">
+              <a:avLst/>
+            </a:prstTxWarp>
+            <a:noAutofit/>
+          </a:bodyPr>
+          <a:lstStyle/>
+          <a:p>
+            <a:pPr marL="0" marR="0" lvl="0" indent="0" algn="ctr" defTabSz="914400" rtl="0" eaLnBrk="1" fontAlgn="auto" latinLnBrk="0" hangingPunct="1">
+              <a:lnSpc>
+                <a:spcPct val="90000"/>
+              </a:lnSpc>
+              <a:spcBef>
+                <a:spcPts val="1200"/>
+              </a:spcBef>
+              <a:spcAft>
+                <a:spcPts val="0"/>
+              </a:spcAft>
+              <a:buClr>
+                <a:schemeClr val="lt1"/>
+              </a:buClr>
+              <a:buSzPts val="4400"/>
+              <a:buFont typeface="Calibri"/>
+              <a:buNone/>
+              <a:tabLst/>
+              <a:defRPr/>
+            </a:pPr>
+            <a:r>
+              <a:rPr kumimoji="0" lang="nl-NL" sz="4400" b="0" i="0" u="none" strike="noStrike" kern="0" cap="none" spc="0" normalizeH="0" baseline="0" noProof="0" dirty="0">
+                <a:ln>
+                  <a:noFill/>
+                </a:ln>
+                <a:solidFill>
+                  <a:schemeClr val="lt1"/>
+                </a:solidFill>
+                <a:effectLst/>
+                <a:uLnTx/>
+                <a:uFillTx/>
+                <a:latin typeface="Calibri"/>
+                <a:ea typeface="Calibri"/>
+                <a:cs typeface="Calibri"/>
+                <a:sym typeface="Calibri"/>
+              </a:rPr>
+              <a:t>Vehicle Validation Model</a:t>
+            </a:r>
+          </a:p>
+        </p:txBody>
+      </p:sp>
+    </p:spTree>
+  </p:cSld>
+  <p:clrMapOvr>
+    <a:masterClrMapping/>
+  </p:clrMapOvr>
+</p:sld>
+</file>
+
+<file path=ppt/slides/slide15.xml><?xml version="1.0" encoding="utf-8"?>
 <p:sld xmlns:a="http://schemas.openxmlformats.org/drawingml/2006/main" xmlns:r="http://schemas.openxmlformats.org/officeDocument/2006/relationships" xmlns:p="http://schemas.openxmlformats.org/presentationml/2006/main">
   <p:cSld>
     <p:spTree>
@@ -45306,7 +47008,13 @@
       </p:sp>
       <p:sp>
         <p:nvSpPr>
-          <p:cNvPr id="709" name="Google Shape;709;p40"/>
+          <p:cNvPr id="709" name="Google Shape;709;p40">
+            <a:extLst>
+              <a:ext uri="{C183D7F6-B498-43B3-948B-1728B52AA6E4}">
+                <adec:decorative xmlns:adec="http://schemas.microsoft.com/office/drawing/2017/decorative" val="1"/>
+              </a:ext>
+            </a:extLst>
+          </p:cNvPr>
           <p:cNvSpPr txBox="1">
             <a:spLocks noGrp="1"/>
           </p:cNvSpPr>
@@ -45469,7 +47177,7 @@
                   <a:srgbClr val="FFFFFF"/>
                 </a:solidFill>
               </a:rPr>
-              <a:t>10</a:t>
+              <a:t>15</a:t>
             </a:fld>
             <a:endParaRPr/>
           </a:p>
@@ -45809,7 +47517,7 @@
 </p:sld>
 </file>
 
-<file path=ppt/slides/slide11.xml><?xml version="1.0" encoding="utf-8"?>
+<file path=ppt/slides/slide16.xml><?xml version="1.0" encoding="utf-8"?>
 <p:sld xmlns:a="http://schemas.openxmlformats.org/drawingml/2006/main" xmlns:r="http://schemas.openxmlformats.org/officeDocument/2006/relationships" xmlns:p="http://schemas.openxmlformats.org/presentationml/2006/main">
   <p:cSld>
     <p:spTree>
@@ -45833,38 +47541,70 @@
             <a:spLocks noGrp="1"/>
           </p:cNvSpPr>
           <p:nvPr>
-            <p:ph type="body" idx="2"/>
+            <p:ph type="title" idx="4294967295"/>
           </p:nvPr>
         </p:nvSpPr>
         <p:spPr>
           <a:xfrm>
-            <a:off x="698499" y="718513"/>
-            <a:ext cx="10798200" cy="5229900"/>
+            <a:off x="698500" y="719138"/>
+            <a:ext cx="10798175" cy="5229225"/>
           </a:xfrm>
           <a:prstGeom prst="rect">
             <a:avLst/>
           </a:prstGeom>
+          <a:noFill/>
+          <a:ln>
+            <a:noFill/>
+            <a:prstDash/>
+          </a:ln>
+          <a:effectLst/>
         </p:spPr>
         <p:txBody>
-          <a:bodyPr spcFirstLastPara="1" wrap="square" lIns="0" tIns="0" rIns="0" bIns="0" anchor="ctr" anchorCtr="0">
+          <a:bodyPr rot="0" spcFirstLastPara="1" vertOverflow="overflow" horzOverflow="overflow" vert="horz" wrap="square" lIns="0" tIns="0" rIns="0" bIns="0" numCol="1" spcCol="0" rtlCol="0" fromWordArt="0" anchor="ctr" anchorCtr="0" forceAA="0" compatLnSpc="1">
+            <a:prstTxWarp prst="textNoShape">
+              <a:avLst/>
+            </a:prstTxWarp>
             <a:noAutofit/>
           </a:bodyPr>
           <a:lstStyle/>
           <a:p>
-            <a:pPr marL="0" lvl="0" indent="0" algn="ctr" rtl="0">
+            <a:pPr marL="0" marR="0" lvl="0" indent="0" algn="ctr" defTabSz="914400" rtl="0" eaLnBrk="1" fontAlgn="auto" latinLnBrk="0" hangingPunct="1">
+              <a:lnSpc>
+                <a:spcPct val="90000"/>
+              </a:lnSpc>
               <a:spcBef>
                 <a:spcPts val="1200"/>
               </a:spcBef>
               <a:spcAft>
                 <a:spcPts val="0"/>
               </a:spcAft>
-              <a:buNone/>
+              <a:buClr>
+                <a:schemeClr val="lt1"/>
+              </a:buClr>
+              <a:buSzPts val="4400"/>
+              <a:buFont typeface="Calibri"/>
+              <a:buNone/>
+              <a:tabLst/>
+              <a:defRPr/>
             </a:pPr>
             <a:r>
-              <a:rPr lang="nl-NL" dirty="0"/>
+              <a:rPr kumimoji="0" lang="nl-NL" sz="4400" b="0" i="0" u="none" strike="noStrike" kern="0" cap="none" spc="0" normalizeH="0" baseline="0" noProof="0" dirty="0">
+                <a:ln>
+                  <a:noFill/>
+                </a:ln>
+                <a:solidFill>
+                  <a:schemeClr val="lt1"/>
+                </a:solidFill>
+                <a:effectLst/>
+                <a:uLnTx/>
+                <a:uFillTx/>
+                <a:latin typeface="Calibri"/>
+                <a:ea typeface="Calibri"/>
+                <a:cs typeface="Calibri"/>
+                <a:sym typeface="Calibri"/>
+              </a:rPr>
               <a:t>Simulation &amp; Results</a:t>
             </a:r>
-            <a:endParaRPr dirty="0"/>
           </a:p>
         </p:txBody>
       </p:sp>
@@ -45876,7 +47616,7 @@
 </p:sld>
 </file>
 
-<file path=ppt/slides/slide12.xml><?xml version="1.0" encoding="utf-8"?>
+<file path=ppt/slides/slide17.xml><?xml version="1.0" encoding="utf-8"?>
 <p:sld xmlns:a="http://schemas.openxmlformats.org/drawingml/2006/main" xmlns:r="http://schemas.openxmlformats.org/officeDocument/2006/relationships" xmlns:p="http://schemas.openxmlformats.org/presentationml/2006/main">
   <p:cSld>
     <p:spTree>
@@ -45949,7 +47689,13 @@
       </p:sp>
       <p:sp>
         <p:nvSpPr>
-          <p:cNvPr id="716" name="Google Shape;716;p41"/>
+          <p:cNvPr id="716" name="Google Shape;716;p41">
+            <a:extLst>
+              <a:ext uri="{C183D7F6-B498-43B3-948B-1728B52AA6E4}">
+                <adec:decorative xmlns:adec="http://schemas.microsoft.com/office/drawing/2017/decorative" val="1"/>
+              </a:ext>
+            </a:extLst>
+          </p:cNvPr>
           <p:cNvSpPr txBox="1">
             <a:spLocks noGrp="1"/>
           </p:cNvSpPr>
@@ -46104,7 +47850,7 @@
                   <a:srgbClr val="FFFFFF"/>
                 </a:solidFill>
               </a:rPr>
-              <a:t>12</a:t>
+              <a:t>17</a:t>
             </a:fld>
             <a:endParaRPr/>
           </a:p>
@@ -46121,7 +47867,7 @@
 </p:sld>
 </file>
 
-<file path=ppt/slides/slide13.xml><?xml version="1.0" encoding="utf-8"?>
+<file path=ppt/slides/slide18.xml><?xml version="1.0" encoding="utf-8"?>
 <p:sld xmlns:a="http://schemas.openxmlformats.org/drawingml/2006/main" xmlns:r="http://schemas.openxmlformats.org/officeDocument/2006/relationships" xmlns:p="http://schemas.openxmlformats.org/presentationml/2006/main">
   <p:cSld>
     <p:spTree>
@@ -46145,38 +47891,70 @@
             <a:spLocks noGrp="1"/>
           </p:cNvSpPr>
           <p:nvPr>
-            <p:ph type="body" idx="2"/>
+            <p:ph type="title" idx="4294967295"/>
           </p:nvPr>
         </p:nvSpPr>
         <p:spPr>
           <a:xfrm>
-            <a:off x="698499" y="718513"/>
-            <a:ext cx="10798200" cy="5229900"/>
+            <a:off x="698500" y="719138"/>
+            <a:ext cx="10798175" cy="5229225"/>
           </a:xfrm>
           <a:prstGeom prst="rect">
             <a:avLst/>
           </a:prstGeom>
+          <a:noFill/>
+          <a:ln>
+            <a:noFill/>
+            <a:prstDash/>
+          </a:ln>
+          <a:effectLst/>
         </p:spPr>
         <p:txBody>
-          <a:bodyPr spcFirstLastPara="1" wrap="square" lIns="0" tIns="0" rIns="0" bIns="0" anchor="ctr" anchorCtr="0">
+          <a:bodyPr rot="0" spcFirstLastPara="1" vertOverflow="overflow" horzOverflow="overflow" vert="horz" wrap="square" lIns="0" tIns="0" rIns="0" bIns="0" numCol="1" spcCol="0" rtlCol="0" fromWordArt="0" anchor="ctr" anchorCtr="0" forceAA="0" compatLnSpc="1">
+            <a:prstTxWarp prst="textNoShape">
+              <a:avLst/>
+            </a:prstTxWarp>
             <a:noAutofit/>
           </a:bodyPr>
           <a:lstStyle/>
           <a:p>
-            <a:pPr marL="0" lvl="0" indent="0" algn="ctr" rtl="0">
+            <a:pPr marL="0" marR="0" lvl="0" indent="0" algn="ctr" defTabSz="914400" rtl="0" eaLnBrk="1" fontAlgn="auto" latinLnBrk="0" hangingPunct="1">
+              <a:lnSpc>
+                <a:spcPct val="90000"/>
+              </a:lnSpc>
               <a:spcBef>
                 <a:spcPts val="1200"/>
               </a:spcBef>
               <a:spcAft>
                 <a:spcPts val="0"/>
               </a:spcAft>
-              <a:buNone/>
+              <a:buClr>
+                <a:schemeClr val="lt1"/>
+              </a:buClr>
+              <a:buSzPts val="4400"/>
+              <a:buFont typeface="Calibri"/>
+              <a:buNone/>
+              <a:tabLst/>
+              <a:defRPr/>
             </a:pPr>
             <a:r>
-              <a:rPr lang="nl-NL" dirty="0"/>
+              <a:rPr kumimoji="0" lang="nl-NL" sz="4400" b="0" i="0" u="none" strike="noStrike" kern="0" cap="none" spc="0" normalizeH="0" baseline="0" noProof="0" dirty="0">
+                <a:ln>
+                  <a:noFill/>
+                </a:ln>
+                <a:solidFill>
+                  <a:schemeClr val="lt1"/>
+                </a:solidFill>
+                <a:effectLst/>
+                <a:uLnTx/>
+                <a:uFillTx/>
+                <a:latin typeface="Calibri"/>
+                <a:ea typeface="Calibri"/>
+                <a:cs typeface="Calibri"/>
+                <a:sym typeface="Calibri"/>
+              </a:rPr>
               <a:t>Conclusions</a:t>
             </a:r>
-            <a:endParaRPr dirty="0"/>
           </a:p>
         </p:txBody>
       </p:sp>
@@ -46193,7 +47971,7 @@
 </p:sld>
 </file>
 
-<file path=ppt/slides/slide14.xml><?xml version="1.0" encoding="utf-8"?>
+<file path=ppt/slides/slide19.xml><?xml version="1.0" encoding="utf-8"?>
 <p:sld xmlns:a="http://schemas.openxmlformats.org/drawingml/2006/main" xmlns:r="http://schemas.openxmlformats.org/officeDocument/2006/relationships" xmlns:p="http://schemas.openxmlformats.org/presentationml/2006/main">
   <p:cSld>
     <p:spTree>
@@ -46266,7 +48044,13 @@
       </p:sp>
       <p:sp>
         <p:nvSpPr>
-          <p:cNvPr id="723" name="Google Shape;723;p42"/>
+          <p:cNvPr id="723" name="Google Shape;723;p42">
+            <a:extLst>
+              <a:ext uri="{C183D7F6-B498-43B3-948B-1728B52AA6E4}">
+                <adec:decorative xmlns:adec="http://schemas.microsoft.com/office/drawing/2017/decorative" val="1"/>
+              </a:ext>
+            </a:extLst>
+          </p:cNvPr>
           <p:cNvSpPr txBox="1">
             <a:spLocks noGrp="1"/>
           </p:cNvSpPr>
@@ -46440,7 +48224,7 @@
                   <a:srgbClr val="FFFFFF"/>
                 </a:solidFill>
               </a:rPr>
-              <a:t>14</a:t>
+              <a:t>19</a:t>
             </a:fld>
             <a:endParaRPr/>
           </a:p>
@@ -46454,698 +48238,6 @@
   <p:transition spd="slow">
     <p:fade/>
   </p:transition>
-</p:sld>
-</file>
-
-<file path=ppt/slides/slide15.xml><?xml version="1.0" encoding="utf-8"?>
-<p:sld xmlns:a="http://schemas.openxmlformats.org/drawingml/2006/main" xmlns:r="http://schemas.openxmlformats.org/officeDocument/2006/relationships" xmlns:p="http://schemas.openxmlformats.org/presentationml/2006/main">
-  <p:cSld>
-    <p:spTree>
-      <p:nvGrpSpPr>
-        <p:cNvPr id="1" name="Shape 728"/>
-        <p:cNvGrpSpPr/>
-        <p:nvPr/>
-      </p:nvGrpSpPr>
-      <p:grpSpPr>
-        <a:xfrm>
-          <a:off x="0" y="0"/>
-          <a:ext cx="0" cy="0"/>
-          <a:chOff x="0" y="0"/>
-          <a:chExt cx="0" cy="0"/>
-        </a:xfrm>
-      </p:grpSpPr>
-      <p:sp>
-        <p:nvSpPr>
-          <p:cNvPr id="729" name="Google Shape;729;p43"/>
-          <p:cNvSpPr txBox="1">
-            <a:spLocks noGrp="1"/>
-          </p:cNvSpPr>
-          <p:nvPr>
-            <p:ph type="body" idx="2"/>
-          </p:nvPr>
-        </p:nvSpPr>
-        <p:spPr>
-          <a:xfrm>
-            <a:off x="698499" y="718513"/>
-            <a:ext cx="10798200" cy="5229900"/>
-          </a:xfrm>
-          <a:prstGeom prst="rect">
-            <a:avLst/>
-          </a:prstGeom>
-        </p:spPr>
-        <p:txBody>
-          <a:bodyPr spcFirstLastPara="1" wrap="square" lIns="0" tIns="0" rIns="0" bIns="0" anchor="ctr" anchorCtr="0">
-            <a:noAutofit/>
-          </a:bodyPr>
-          <a:lstStyle/>
-          <a:p>
-            <a:pPr marL="0" lvl="0" indent="0" algn="ctr" rtl="0">
-              <a:spcBef>
-                <a:spcPts val="1200"/>
-              </a:spcBef>
-              <a:spcAft>
-                <a:spcPts val="0"/>
-              </a:spcAft>
-              <a:buNone/>
-            </a:pPr>
-            <a:r>
-              <a:rPr lang="nl-NL" dirty="0"/>
-              <a:t>Future work</a:t>
-            </a:r>
-            <a:endParaRPr dirty="0"/>
-          </a:p>
-        </p:txBody>
-      </p:sp>
-    </p:spTree>
-    <p:extLst>
-      <p:ext uri="{BB962C8B-B14F-4D97-AF65-F5344CB8AC3E}">
-        <p14:creationId xmlns:p14="http://schemas.microsoft.com/office/powerpoint/2010/main" val="3012441009"/>
-      </p:ext>
-    </p:extLst>
-  </p:cSld>
-  <p:clrMapOvr>
-    <a:masterClrMapping/>
-  </p:clrMapOvr>
-</p:sld>
-</file>
-
-<file path=ppt/slides/slide16.xml><?xml version="1.0" encoding="utf-8"?>
-<p:sld xmlns:a="http://schemas.openxmlformats.org/drawingml/2006/main" xmlns:r="http://schemas.openxmlformats.org/officeDocument/2006/relationships" xmlns:p="http://schemas.openxmlformats.org/presentationml/2006/main">
-  <p:cSld>
-    <p:spTree>
-      <p:nvGrpSpPr>
-        <p:cNvPr id="1" name="Shape 733"/>
-        <p:cNvGrpSpPr/>
-        <p:nvPr/>
-      </p:nvGrpSpPr>
-      <p:grpSpPr>
-        <a:xfrm>
-          <a:off x="0" y="0"/>
-          <a:ext cx="0" cy="0"/>
-          <a:chOff x="0" y="0"/>
-          <a:chExt cx="0" cy="0"/>
-        </a:xfrm>
-      </p:grpSpPr>
-      <p:sp>
-        <p:nvSpPr>
-          <p:cNvPr id="734" name="Google Shape;734;p44"/>
-          <p:cNvSpPr txBox="1">
-            <a:spLocks noGrp="1"/>
-          </p:cNvSpPr>
-          <p:nvPr>
-            <p:ph type="title"/>
-          </p:nvPr>
-        </p:nvSpPr>
-        <p:spPr>
-          <a:xfrm>
-            <a:off x="705148" y="741499"/>
-            <a:ext cx="6321900" cy="490500"/>
-          </a:xfrm>
-          <a:prstGeom prst="rect">
-            <a:avLst/>
-          </a:prstGeom>
-          <a:noFill/>
-          <a:ln>
-            <a:noFill/>
-          </a:ln>
-        </p:spPr>
-        <p:txBody>
-          <a:bodyPr spcFirstLastPara="1" wrap="square" lIns="0" tIns="0" rIns="0" bIns="0" anchor="t" anchorCtr="0">
-            <a:normAutofit/>
-          </a:bodyPr>
-          <a:lstStyle/>
-          <a:p>
-            <a:pPr marL="0" lvl="0" indent="0" algn="l" rtl="0">
-              <a:lnSpc>
-                <a:spcPct val="90000"/>
-              </a:lnSpc>
-              <a:spcBef>
-                <a:spcPts val="0"/>
-              </a:spcBef>
-              <a:spcAft>
-                <a:spcPts val="0"/>
-              </a:spcAft>
-              <a:buClr>
-                <a:schemeClr val="accent1"/>
-              </a:buClr>
-              <a:buSzPct val="100000"/>
-              <a:buFont typeface="Roboto Slab"/>
-              <a:buNone/>
-            </a:pPr>
-            <a:r>
-              <a:rPr lang="nl-NL" sz="2976" dirty="0"/>
-              <a:t>Future Work</a:t>
-            </a:r>
-            <a:endParaRPr dirty="0"/>
-          </a:p>
-        </p:txBody>
-      </p:sp>
-      <p:sp>
-        <p:nvSpPr>
-          <p:cNvPr id="735" name="Google Shape;735;p44"/>
-          <p:cNvSpPr txBox="1">
-            <a:spLocks noGrp="1"/>
-          </p:cNvSpPr>
-          <p:nvPr>
-            <p:ph type="body" idx="3"/>
-          </p:nvPr>
-        </p:nvSpPr>
-        <p:spPr>
-          <a:xfrm>
-            <a:off x="362150" y="1250700"/>
-            <a:ext cx="7366200" cy="4356600"/>
-          </a:xfrm>
-          <a:prstGeom prst="rect">
-            <a:avLst/>
-          </a:prstGeom>
-          <a:noFill/>
-          <a:ln>
-            <a:noFill/>
-          </a:ln>
-        </p:spPr>
-        <p:txBody>
-          <a:bodyPr spcFirstLastPara="1" wrap="square" lIns="0" tIns="0" rIns="0" bIns="0" anchor="t" anchorCtr="0">
-            <a:noAutofit/>
-          </a:bodyPr>
-          <a:lstStyle/>
-          <a:p>
-            <a:pPr marL="457200" lvl="0" indent="0" algn="l" rtl="0">
-              <a:lnSpc>
-                <a:spcPct val="150000"/>
-              </a:lnSpc>
-              <a:spcBef>
-                <a:spcPts val="1000"/>
-              </a:spcBef>
-              <a:spcAft>
-                <a:spcPts val="0"/>
-              </a:spcAft>
-              <a:buNone/>
-            </a:pPr>
-            <a:endParaRPr sz="1800" dirty="0">
-              <a:solidFill>
-                <a:schemeClr val="dk1"/>
-              </a:solidFill>
-            </a:endParaRPr>
-          </a:p>
-          <a:p>
-            <a:pPr marL="457200" lvl="0" indent="-342900" algn="l" rtl="0">
-              <a:lnSpc>
-                <a:spcPct val="150000"/>
-              </a:lnSpc>
-              <a:spcBef>
-                <a:spcPts val="1000"/>
-              </a:spcBef>
-              <a:spcAft>
-                <a:spcPts val="0"/>
-              </a:spcAft>
-              <a:buClr>
-                <a:schemeClr val="dk1"/>
-              </a:buClr>
-              <a:buSzPts val="1800"/>
-              <a:buChar char="▪"/>
-            </a:pPr>
-            <a:endParaRPr sz="1800" dirty="0">
-              <a:solidFill>
-                <a:schemeClr val="dk1"/>
-              </a:solidFill>
-            </a:endParaRPr>
-          </a:p>
-          <a:p>
-            <a:pPr marL="0" lvl="0" indent="0" algn="l" rtl="0">
-              <a:lnSpc>
-                <a:spcPct val="115000"/>
-              </a:lnSpc>
-              <a:spcBef>
-                <a:spcPts val="1200"/>
-              </a:spcBef>
-              <a:spcAft>
-                <a:spcPts val="0"/>
-              </a:spcAft>
-              <a:buNone/>
-            </a:pPr>
-            <a:endParaRPr sz="1100" i="1" dirty="0">
-              <a:solidFill>
-                <a:schemeClr val="dk1"/>
-              </a:solidFill>
-            </a:endParaRPr>
-          </a:p>
-          <a:p>
-            <a:pPr marL="0" lvl="0" indent="0" algn="l" rtl="0">
-              <a:lnSpc>
-                <a:spcPct val="115000"/>
-              </a:lnSpc>
-              <a:spcBef>
-                <a:spcPts val="1200"/>
-              </a:spcBef>
-              <a:spcAft>
-                <a:spcPts val="0"/>
-              </a:spcAft>
-              <a:buClr>
-                <a:schemeClr val="dk1"/>
-              </a:buClr>
-              <a:buSzPts val="1100"/>
-              <a:buFont typeface="Arial"/>
-              <a:buNone/>
-            </a:pPr>
-            <a:endParaRPr sz="1100" i="1" dirty="0">
-              <a:solidFill>
-                <a:schemeClr val="dk1"/>
-              </a:solidFill>
-            </a:endParaRPr>
-          </a:p>
-          <a:p>
-            <a:pPr marL="457200" lvl="0" indent="0" algn="l" rtl="0">
-              <a:lnSpc>
-                <a:spcPct val="150000"/>
-              </a:lnSpc>
-              <a:spcBef>
-                <a:spcPts val="1200"/>
-              </a:spcBef>
-              <a:spcAft>
-                <a:spcPts val="0"/>
-              </a:spcAft>
-              <a:buNone/>
-            </a:pPr>
-            <a:endParaRPr sz="1800" dirty="0">
-              <a:solidFill>
-                <a:schemeClr val="dk1"/>
-              </a:solidFill>
-            </a:endParaRPr>
-          </a:p>
-          <a:p>
-            <a:pPr marL="457200" lvl="0" indent="0" algn="l" rtl="0">
-              <a:lnSpc>
-                <a:spcPct val="115000"/>
-              </a:lnSpc>
-              <a:spcBef>
-                <a:spcPts val="1200"/>
-              </a:spcBef>
-              <a:spcAft>
-                <a:spcPts val="0"/>
-              </a:spcAft>
-              <a:buNone/>
-            </a:pPr>
-            <a:endParaRPr sz="4800" dirty="0">
-              <a:solidFill>
-                <a:schemeClr val="dk1"/>
-              </a:solidFill>
-              <a:latin typeface="Calibri"/>
-              <a:ea typeface="Calibri"/>
-              <a:cs typeface="Calibri"/>
-              <a:sym typeface="Calibri"/>
-            </a:endParaRPr>
-          </a:p>
-          <a:p>
-            <a:pPr marL="538162" lvl="1" indent="-173038" algn="l" rtl="0">
-              <a:lnSpc>
-                <a:spcPct val="90000"/>
-              </a:lnSpc>
-              <a:spcBef>
-                <a:spcPts val="1200"/>
-              </a:spcBef>
-              <a:spcAft>
-                <a:spcPts val="0"/>
-              </a:spcAft>
-              <a:buSzPts val="1600"/>
-              <a:buFont typeface="Arial"/>
-              <a:buNone/>
-            </a:pPr>
-            <a:endParaRPr sz="4800" dirty="0"/>
-          </a:p>
-          <a:p>
-            <a:pPr marL="0" lvl="7" indent="0" algn="l" rtl="0">
-              <a:lnSpc>
-                <a:spcPct val="90000"/>
-              </a:lnSpc>
-              <a:spcBef>
-                <a:spcPts val="1200"/>
-              </a:spcBef>
-              <a:spcAft>
-                <a:spcPts val="0"/>
-              </a:spcAft>
-              <a:buSzPts val="1600"/>
-              <a:buNone/>
-            </a:pPr>
-            <a:endParaRPr sz="4800" dirty="0"/>
-          </a:p>
-        </p:txBody>
-      </p:sp>
-      <p:sp>
-        <p:nvSpPr>
-          <p:cNvPr id="736" name="Google Shape;736;p44"/>
-          <p:cNvSpPr txBox="1">
-            <a:spLocks noGrp="1"/>
-          </p:cNvSpPr>
-          <p:nvPr>
-            <p:ph type="sldNum" idx="12"/>
-          </p:nvPr>
-        </p:nvSpPr>
-        <p:spPr>
-          <a:xfrm>
-            <a:off x="11345000" y="6246130"/>
-            <a:ext cx="126900" cy="184800"/>
-          </a:xfrm>
-          <a:prstGeom prst="rect">
-            <a:avLst/>
-          </a:prstGeom>
-          <a:noFill/>
-          <a:ln>
-            <a:noFill/>
-          </a:ln>
-        </p:spPr>
-        <p:txBody>
-          <a:bodyPr spcFirstLastPara="1" wrap="square" lIns="0" tIns="0" rIns="0" bIns="0" anchor="ctr" anchorCtr="0">
-            <a:spAutoFit/>
-          </a:bodyPr>
-          <a:lstStyle/>
-          <a:p>
-            <a:pPr marL="0" lvl="0" indent="0" algn="r" rtl="0">
-              <a:lnSpc>
-                <a:spcPct val="100000"/>
-              </a:lnSpc>
-              <a:spcBef>
-                <a:spcPts val="0"/>
-              </a:spcBef>
-              <a:spcAft>
-                <a:spcPts val="0"/>
-              </a:spcAft>
-              <a:buClr>
-                <a:srgbClr val="FFFFFF"/>
-              </a:buClr>
-              <a:buSzPts val="1200"/>
-              <a:buFont typeface="Arial"/>
-              <a:buNone/>
-            </a:pPr>
-            <a:fld id="{00000000-1234-1234-1234-123412341234}" type="slidenum">
-              <a:rPr lang="nl-NL">
-                <a:solidFill>
-                  <a:srgbClr val="FFFFFF"/>
-                </a:solidFill>
-              </a:rPr>
-              <a:t>16</a:t>
-            </a:fld>
-            <a:endParaRPr/>
-          </a:p>
-        </p:txBody>
-      </p:sp>
-    </p:spTree>
-  </p:cSld>
-  <p:clrMapOvr>
-    <a:masterClrMapping/>
-  </p:clrMapOvr>
-  <p:transition spd="slow">
-    <p:fade/>
-  </p:transition>
-</p:sld>
-</file>
-
-<file path=ppt/slides/slide17.xml><?xml version="1.0" encoding="utf-8"?>
-<p:sld xmlns:a="http://schemas.openxmlformats.org/drawingml/2006/main" xmlns:r="http://schemas.openxmlformats.org/officeDocument/2006/relationships" xmlns:p="http://schemas.openxmlformats.org/presentationml/2006/main">
-  <p:cSld>
-    <p:spTree>
-      <p:nvGrpSpPr>
-        <p:cNvPr id="1" name="Shape 764"/>
-        <p:cNvGrpSpPr/>
-        <p:nvPr/>
-      </p:nvGrpSpPr>
-      <p:grpSpPr>
-        <a:xfrm>
-          <a:off x="0" y="0"/>
-          <a:ext cx="0" cy="0"/>
-          <a:chOff x="0" y="0"/>
-          <a:chExt cx="0" cy="0"/>
-        </a:xfrm>
-      </p:grpSpPr>
-      <p:sp>
-        <p:nvSpPr>
-          <p:cNvPr id="765" name="Google Shape;765;p48"/>
-          <p:cNvSpPr txBox="1">
-            <a:spLocks noGrp="1"/>
-          </p:cNvSpPr>
-          <p:nvPr>
-            <p:ph type="body" idx="1"/>
-          </p:nvPr>
-        </p:nvSpPr>
-        <p:spPr>
-          <a:xfrm>
-            <a:off x="-10748" y="0"/>
-            <a:ext cx="12202800" cy="6858000"/>
-          </a:xfrm>
-          <a:prstGeom prst="rect">
-            <a:avLst/>
-          </a:prstGeom>
-          <a:solidFill>
-            <a:srgbClr val="00A6D6"/>
-          </a:solidFill>
-          <a:ln>
-            <a:noFill/>
-          </a:ln>
-        </p:spPr>
-        <p:txBody>
-          <a:bodyPr spcFirstLastPara="1" wrap="square" lIns="0" tIns="0" rIns="0" bIns="0" anchor="t" anchorCtr="0">
-            <a:noAutofit/>
-          </a:bodyPr>
-          <a:lstStyle/>
-          <a:p>
-            <a:pPr marL="0" lvl="0" indent="0" algn="l" rtl="0">
-              <a:lnSpc>
-                <a:spcPct val="90000"/>
-              </a:lnSpc>
-              <a:spcBef>
-                <a:spcPts val="0"/>
-              </a:spcBef>
-              <a:spcAft>
-                <a:spcPts val="0"/>
-              </a:spcAft>
-              <a:buSzPts val="1600"/>
-              <a:buFont typeface="Arial"/>
-              <a:buNone/>
-            </a:pPr>
-            <a:r>
-              <a:rPr lang="nl-NL" dirty="0"/>
-              <a:t> </a:t>
-            </a:r>
-            <a:endParaRPr dirty="0"/>
-          </a:p>
-        </p:txBody>
-      </p:sp>
-      <p:sp>
-        <p:nvSpPr>
-          <p:cNvPr id="766" name="Google Shape;766;p48"/>
-          <p:cNvSpPr txBox="1">
-            <a:spLocks noGrp="1"/>
-          </p:cNvSpPr>
-          <p:nvPr>
-            <p:ph type="title"/>
-          </p:nvPr>
-        </p:nvSpPr>
-        <p:spPr>
-          <a:xfrm>
-            <a:off x="2153413" y="2753377"/>
-            <a:ext cx="9358200" cy="1621200"/>
-          </a:xfrm>
-          <a:prstGeom prst="rect">
-            <a:avLst/>
-          </a:prstGeom>
-          <a:noFill/>
-          <a:ln>
-            <a:noFill/>
-          </a:ln>
-        </p:spPr>
-        <p:txBody>
-          <a:bodyPr spcFirstLastPara="1" wrap="square" lIns="0" tIns="0" rIns="0" bIns="0" anchor="b" anchorCtr="0">
-            <a:noAutofit/>
-          </a:bodyPr>
-          <a:lstStyle/>
-          <a:p>
-            <a:pPr marL="0" lvl="0" indent="0" algn="r" rtl="0">
-              <a:lnSpc>
-                <a:spcPct val="90000"/>
-              </a:lnSpc>
-              <a:spcBef>
-                <a:spcPts val="0"/>
-              </a:spcBef>
-              <a:spcAft>
-                <a:spcPts val="0"/>
-              </a:spcAft>
-              <a:buClr>
-                <a:schemeClr val="lt1"/>
-              </a:buClr>
-              <a:buSzPts val="3800"/>
-              <a:buFont typeface="Roboto Slab"/>
-              <a:buNone/>
-            </a:pPr>
-            <a:r>
-              <a:rPr lang="nl-NL"/>
-              <a:t>Thank you for your attention</a:t>
-            </a:r>
-            <a:endParaRPr/>
-          </a:p>
-        </p:txBody>
-      </p:sp>
-      <p:sp>
-        <p:nvSpPr>
-          <p:cNvPr id="767" name="Google Shape;767;p48"/>
-          <p:cNvSpPr txBox="1">
-            <a:spLocks noGrp="1"/>
-          </p:cNvSpPr>
-          <p:nvPr>
-            <p:ph type="subTitle" idx="2"/>
-          </p:nvPr>
-        </p:nvSpPr>
-        <p:spPr>
-          <a:xfrm>
-            <a:off x="7758450" y="4977468"/>
-            <a:ext cx="3729300" cy="937200"/>
-          </a:xfrm>
-          <a:prstGeom prst="rect">
-            <a:avLst/>
-          </a:prstGeom>
-          <a:noFill/>
-          <a:ln>
-            <a:noFill/>
-          </a:ln>
-        </p:spPr>
-        <p:txBody>
-          <a:bodyPr spcFirstLastPara="1" wrap="square" lIns="0" tIns="0" rIns="0" bIns="0" anchor="ctr" anchorCtr="0">
-            <a:noAutofit/>
-          </a:bodyPr>
-          <a:lstStyle/>
-          <a:p>
-            <a:pPr marL="0" indent="0">
-              <a:spcBef>
-                <a:spcPts val="0"/>
-              </a:spcBef>
-              <a:buSzPts val="3515"/>
-            </a:pPr>
-            <a:r>
-              <a:rPr lang="en-IN" sz="1600" dirty="0"/>
-              <a:t>Neeraja Bhide (5495601)</a:t>
-            </a:r>
-          </a:p>
-          <a:p>
-            <a:pPr marL="0" indent="0">
-              <a:spcBef>
-                <a:spcPts val="0"/>
-              </a:spcBef>
-              <a:buSzPts val="3515"/>
-            </a:pPr>
-            <a:r>
-              <a:rPr lang="en-IN" sz="1600" dirty="0"/>
-              <a:t>Pavan Prasad H.G. (5508053)</a:t>
-            </a:r>
-          </a:p>
-          <a:p>
-            <a:pPr marL="0" indent="0">
-              <a:spcBef>
-                <a:spcPts val="0"/>
-              </a:spcBef>
-              <a:buSzPts val="3515"/>
-            </a:pPr>
-            <a:r>
-              <a:rPr lang="en-IN" sz="1600" dirty="0"/>
-              <a:t>Paul Kartoidjojo (4480961)</a:t>
-            </a:r>
-          </a:p>
-          <a:p>
-            <a:pPr marL="0" indent="0">
-              <a:spcBef>
-                <a:spcPts val="0"/>
-              </a:spcBef>
-              <a:buSzPts val="3515"/>
-            </a:pPr>
-            <a:r>
-              <a:rPr lang="en-US" sz="1600" dirty="0"/>
-              <a:t>Anand Srikrishna (5306485)</a:t>
-            </a:r>
-          </a:p>
-          <a:p>
-            <a:pPr marL="0" lvl="0" indent="0" algn="r" rtl="0">
-              <a:lnSpc>
-                <a:spcPct val="115000"/>
-              </a:lnSpc>
-              <a:spcBef>
-                <a:spcPts val="0"/>
-              </a:spcBef>
-              <a:spcAft>
-                <a:spcPts val="0"/>
-              </a:spcAft>
-              <a:buSzPts val="1600"/>
-              <a:buFont typeface="Arial"/>
-              <a:buNone/>
-            </a:pPr>
-            <a:endParaRPr dirty="0"/>
-          </a:p>
-        </p:txBody>
-      </p:sp>
-      <p:sp>
-        <p:nvSpPr>
-          <p:cNvPr id="768" name="Google Shape;768;p48"/>
-          <p:cNvSpPr txBox="1">
-            <a:spLocks noGrp="1"/>
-          </p:cNvSpPr>
-          <p:nvPr>
-            <p:ph type="body" idx="4294967295"/>
-          </p:nvPr>
-        </p:nvSpPr>
-        <p:spPr>
-          <a:xfrm>
-            <a:off x="698500" y="5835457"/>
-            <a:ext cx="1454913" cy="688793"/>
-          </a:xfrm>
-          <a:prstGeom prst="rect">
-            <a:avLst/>
-          </a:prstGeom>
-          <a:noFill/>
-          <a:ln>
-            <a:noFill/>
-          </a:ln>
-        </p:spPr>
-        <p:txBody>
-          <a:bodyPr spcFirstLastPara="1" wrap="square" lIns="0" tIns="0" rIns="0" bIns="0" anchor="t" anchorCtr="0">
-            <a:noAutofit/>
-          </a:bodyPr>
-          <a:lstStyle/>
-          <a:p>
-            <a:pPr marL="263525" lvl="0" indent="-263525" algn="l" rtl="0">
-              <a:lnSpc>
-                <a:spcPct val="90000"/>
-              </a:lnSpc>
-              <a:spcBef>
-                <a:spcPts val="0"/>
-              </a:spcBef>
-              <a:spcAft>
-                <a:spcPts val="0"/>
-              </a:spcAft>
-              <a:buSzPts val="1600"/>
-              <a:buFont typeface="Arial"/>
-              <a:buChar char="▪"/>
-            </a:pPr>
-            <a:r>
-              <a:rPr lang="nl-NL"/>
-              <a:t> </a:t>
-            </a:r>
-            <a:endParaRPr/>
-          </a:p>
-        </p:txBody>
-      </p:sp>
-    </p:spTree>
-  </p:cSld>
-  <p:clrMapOvr>
-    <a:masterClrMapping/>
-  </p:clrMapOvr>
-  <mc:AlternateContent xmlns:mc="http://schemas.openxmlformats.org/markup-compatibility/2006" xmlns:p14="http://schemas.microsoft.com/office/powerpoint/2010/main">
-    <mc:Choice Requires="p14">
-      <p:transition spd="med" p14:dur="700">
-        <p:fade/>
-      </p:transition>
-    </mc:Choice>
-    <mc:Fallback xmlns:ahyp="http://schemas.microsoft.com/office/drawing/2018/hyperlinkcolor" xmlns:p15="http://schemas.microsoft.com/office/powerpoint/2012/main" xmlns:com="http://schemas.openxmlformats.org/drawingml/2006/compatibility" xmlns:pvml="urn:schemas-microsoft-com:office:powerpoint" xmlns:v="urn:schemas-microsoft-com:vml" xmlns:o="urn:schemas-microsoft-com:office:office" xmlns:dgm="http://schemas.openxmlformats.org/drawingml/2006/diagram" xmlns:c="http://schemas.openxmlformats.org/drawingml/2006/chart" xmlns:mv="urn:schemas-microsoft-com:mac:vml" xmlns="">
-      <p:transition spd="slow">
-        <p:fade/>
-      </p:transition>
-    </mc:Fallback>
-  </mc:AlternateContent>
 </p:sld>
 </file>
 
@@ -47493,6 +48585,736 @@
 </p:sld>
 </file>
 
+<file path=ppt/slides/slide20.xml><?xml version="1.0" encoding="utf-8"?>
+<p:sld xmlns:a="http://schemas.openxmlformats.org/drawingml/2006/main" xmlns:r="http://schemas.openxmlformats.org/officeDocument/2006/relationships" xmlns:p="http://schemas.openxmlformats.org/presentationml/2006/main">
+  <p:cSld>
+    <p:spTree>
+      <p:nvGrpSpPr>
+        <p:cNvPr id="1" name="Shape 728"/>
+        <p:cNvGrpSpPr/>
+        <p:nvPr/>
+      </p:nvGrpSpPr>
+      <p:grpSpPr>
+        <a:xfrm>
+          <a:off x="0" y="0"/>
+          <a:ext cx="0" cy="0"/>
+          <a:chOff x="0" y="0"/>
+          <a:chExt cx="0" cy="0"/>
+        </a:xfrm>
+      </p:grpSpPr>
+      <p:sp>
+        <p:nvSpPr>
+          <p:cNvPr id="729" name="Google Shape;729;p43"/>
+          <p:cNvSpPr txBox="1">
+            <a:spLocks noGrp="1"/>
+          </p:cNvSpPr>
+          <p:nvPr>
+            <p:ph type="title" idx="4294967295"/>
+          </p:nvPr>
+        </p:nvSpPr>
+        <p:spPr>
+          <a:xfrm>
+            <a:off x="698500" y="719138"/>
+            <a:ext cx="10798175" cy="5229225"/>
+          </a:xfrm>
+          <a:prstGeom prst="rect">
+            <a:avLst/>
+          </a:prstGeom>
+          <a:noFill/>
+          <a:ln>
+            <a:noFill/>
+            <a:prstDash/>
+          </a:ln>
+          <a:effectLst/>
+        </p:spPr>
+        <p:txBody>
+          <a:bodyPr rot="0" spcFirstLastPara="1" vertOverflow="overflow" horzOverflow="overflow" vert="horz" wrap="square" lIns="0" tIns="0" rIns="0" bIns="0" numCol="1" spcCol="0" rtlCol="0" fromWordArt="0" anchor="ctr" anchorCtr="0" forceAA="0" compatLnSpc="1">
+            <a:prstTxWarp prst="textNoShape">
+              <a:avLst/>
+            </a:prstTxWarp>
+            <a:noAutofit/>
+          </a:bodyPr>
+          <a:lstStyle/>
+          <a:p>
+            <a:pPr marL="0" marR="0" lvl="0" indent="0" algn="ctr" defTabSz="914400" rtl="0" eaLnBrk="1" fontAlgn="auto" latinLnBrk="0" hangingPunct="1">
+              <a:lnSpc>
+                <a:spcPct val="90000"/>
+              </a:lnSpc>
+              <a:spcBef>
+                <a:spcPts val="1200"/>
+              </a:spcBef>
+              <a:spcAft>
+                <a:spcPts val="0"/>
+              </a:spcAft>
+              <a:buClr>
+                <a:schemeClr val="lt1"/>
+              </a:buClr>
+              <a:buSzPts val="4400"/>
+              <a:buFont typeface="Calibri"/>
+              <a:buNone/>
+              <a:tabLst/>
+              <a:defRPr/>
+            </a:pPr>
+            <a:r>
+              <a:rPr kumimoji="0" lang="nl-NL" sz="4400" b="0" i="0" u="none" strike="noStrike" kern="0" cap="none" spc="0" normalizeH="0" baseline="0" noProof="0" dirty="0">
+                <a:ln>
+                  <a:noFill/>
+                </a:ln>
+                <a:solidFill>
+                  <a:schemeClr val="lt1"/>
+                </a:solidFill>
+                <a:effectLst/>
+                <a:uLnTx/>
+                <a:uFillTx/>
+                <a:latin typeface="Calibri"/>
+                <a:ea typeface="Calibri"/>
+                <a:cs typeface="Calibri"/>
+                <a:sym typeface="Calibri"/>
+              </a:rPr>
+              <a:t>Future work</a:t>
+            </a:r>
+          </a:p>
+        </p:txBody>
+      </p:sp>
+    </p:spTree>
+    <p:extLst>
+      <p:ext uri="{BB962C8B-B14F-4D97-AF65-F5344CB8AC3E}">
+        <p14:creationId xmlns:p14="http://schemas.microsoft.com/office/powerpoint/2010/main" val="3012441009"/>
+      </p:ext>
+    </p:extLst>
+  </p:cSld>
+  <p:clrMapOvr>
+    <a:masterClrMapping/>
+  </p:clrMapOvr>
+</p:sld>
+</file>
+
+<file path=ppt/slides/slide21.xml><?xml version="1.0" encoding="utf-8"?>
+<p:sld xmlns:a="http://schemas.openxmlformats.org/drawingml/2006/main" xmlns:r="http://schemas.openxmlformats.org/officeDocument/2006/relationships" xmlns:p="http://schemas.openxmlformats.org/presentationml/2006/main">
+  <p:cSld>
+    <p:spTree>
+      <p:nvGrpSpPr>
+        <p:cNvPr id="1" name="Shape 733"/>
+        <p:cNvGrpSpPr/>
+        <p:nvPr/>
+      </p:nvGrpSpPr>
+      <p:grpSpPr>
+        <a:xfrm>
+          <a:off x="0" y="0"/>
+          <a:ext cx="0" cy="0"/>
+          <a:chOff x="0" y="0"/>
+          <a:chExt cx="0" cy="0"/>
+        </a:xfrm>
+      </p:grpSpPr>
+      <p:sp>
+        <p:nvSpPr>
+          <p:cNvPr id="734" name="Google Shape;734;p44"/>
+          <p:cNvSpPr txBox="1">
+            <a:spLocks noGrp="1"/>
+          </p:cNvSpPr>
+          <p:nvPr>
+            <p:ph type="title"/>
+          </p:nvPr>
+        </p:nvSpPr>
+        <p:spPr>
+          <a:xfrm>
+            <a:off x="705148" y="741499"/>
+            <a:ext cx="6321900" cy="490500"/>
+          </a:xfrm>
+          <a:prstGeom prst="rect">
+            <a:avLst/>
+          </a:prstGeom>
+          <a:noFill/>
+          <a:ln>
+            <a:noFill/>
+          </a:ln>
+        </p:spPr>
+        <p:txBody>
+          <a:bodyPr spcFirstLastPara="1" wrap="square" lIns="0" tIns="0" rIns="0" bIns="0" anchor="t" anchorCtr="0">
+            <a:normAutofit/>
+          </a:bodyPr>
+          <a:lstStyle/>
+          <a:p>
+            <a:pPr marL="0" lvl="0" indent="0" algn="l" rtl="0">
+              <a:lnSpc>
+                <a:spcPct val="90000"/>
+              </a:lnSpc>
+              <a:spcBef>
+                <a:spcPts val="0"/>
+              </a:spcBef>
+              <a:spcAft>
+                <a:spcPts val="0"/>
+              </a:spcAft>
+              <a:buClr>
+                <a:schemeClr val="accent1"/>
+              </a:buClr>
+              <a:buSzPct val="100000"/>
+              <a:buFont typeface="Roboto Slab"/>
+              <a:buNone/>
+            </a:pPr>
+            <a:r>
+              <a:rPr lang="nl-NL" sz="2976" dirty="0"/>
+              <a:t>Future Work</a:t>
+            </a:r>
+            <a:endParaRPr dirty="0"/>
+          </a:p>
+        </p:txBody>
+      </p:sp>
+      <p:sp>
+        <p:nvSpPr>
+          <p:cNvPr id="735" name="Google Shape;735;p44">
+            <a:extLst>
+              <a:ext uri="{C183D7F6-B498-43B3-948B-1728B52AA6E4}">
+                <adec:decorative xmlns:adec="http://schemas.microsoft.com/office/drawing/2017/decorative" val="1"/>
+              </a:ext>
+            </a:extLst>
+          </p:cNvPr>
+          <p:cNvSpPr txBox="1">
+            <a:spLocks noGrp="1"/>
+          </p:cNvSpPr>
+          <p:nvPr>
+            <p:ph type="body" idx="3"/>
+          </p:nvPr>
+        </p:nvSpPr>
+        <p:spPr>
+          <a:xfrm>
+            <a:off x="362150" y="1250700"/>
+            <a:ext cx="7366200" cy="4356600"/>
+          </a:xfrm>
+          <a:prstGeom prst="rect">
+            <a:avLst/>
+          </a:prstGeom>
+          <a:noFill/>
+          <a:ln>
+            <a:noFill/>
+          </a:ln>
+        </p:spPr>
+        <p:txBody>
+          <a:bodyPr spcFirstLastPara="1" wrap="square" lIns="0" tIns="0" rIns="0" bIns="0" anchor="t" anchorCtr="0">
+            <a:noAutofit/>
+          </a:bodyPr>
+          <a:lstStyle/>
+          <a:p>
+            <a:pPr marL="457200" lvl="0" indent="0" algn="l" rtl="0">
+              <a:lnSpc>
+                <a:spcPct val="150000"/>
+              </a:lnSpc>
+              <a:spcBef>
+                <a:spcPts val="1000"/>
+              </a:spcBef>
+              <a:spcAft>
+                <a:spcPts val="0"/>
+              </a:spcAft>
+              <a:buNone/>
+            </a:pPr>
+            <a:endParaRPr sz="1800" dirty="0">
+              <a:solidFill>
+                <a:schemeClr val="dk1"/>
+              </a:solidFill>
+            </a:endParaRPr>
+          </a:p>
+          <a:p>
+            <a:pPr marL="457200" lvl="0" indent="-342900" algn="l" rtl="0">
+              <a:lnSpc>
+                <a:spcPct val="150000"/>
+              </a:lnSpc>
+              <a:spcBef>
+                <a:spcPts val="1000"/>
+              </a:spcBef>
+              <a:spcAft>
+                <a:spcPts val="0"/>
+              </a:spcAft>
+              <a:buClr>
+                <a:schemeClr val="dk1"/>
+              </a:buClr>
+              <a:buSzPts val="1800"/>
+              <a:buChar char="▪"/>
+            </a:pPr>
+            <a:endParaRPr sz="1800" dirty="0">
+              <a:solidFill>
+                <a:schemeClr val="dk1"/>
+              </a:solidFill>
+            </a:endParaRPr>
+          </a:p>
+          <a:p>
+            <a:pPr marL="0" lvl="0" indent="0" algn="l" rtl="0">
+              <a:lnSpc>
+                <a:spcPct val="115000"/>
+              </a:lnSpc>
+              <a:spcBef>
+                <a:spcPts val="1200"/>
+              </a:spcBef>
+              <a:spcAft>
+                <a:spcPts val="0"/>
+              </a:spcAft>
+              <a:buNone/>
+            </a:pPr>
+            <a:endParaRPr sz="1100" i="1" dirty="0">
+              <a:solidFill>
+                <a:schemeClr val="dk1"/>
+              </a:solidFill>
+            </a:endParaRPr>
+          </a:p>
+          <a:p>
+            <a:pPr marL="0" lvl="0" indent="0" algn="l" rtl="0">
+              <a:lnSpc>
+                <a:spcPct val="115000"/>
+              </a:lnSpc>
+              <a:spcBef>
+                <a:spcPts val="1200"/>
+              </a:spcBef>
+              <a:spcAft>
+                <a:spcPts val="0"/>
+              </a:spcAft>
+              <a:buClr>
+                <a:schemeClr val="dk1"/>
+              </a:buClr>
+              <a:buSzPts val="1100"/>
+              <a:buFont typeface="Arial"/>
+              <a:buNone/>
+            </a:pPr>
+            <a:endParaRPr sz="1100" i="1" dirty="0">
+              <a:solidFill>
+                <a:schemeClr val="dk1"/>
+              </a:solidFill>
+            </a:endParaRPr>
+          </a:p>
+          <a:p>
+            <a:pPr marL="457200" lvl="0" indent="0" algn="l" rtl="0">
+              <a:lnSpc>
+                <a:spcPct val="150000"/>
+              </a:lnSpc>
+              <a:spcBef>
+                <a:spcPts val="1200"/>
+              </a:spcBef>
+              <a:spcAft>
+                <a:spcPts val="0"/>
+              </a:spcAft>
+              <a:buNone/>
+            </a:pPr>
+            <a:endParaRPr sz="1800" dirty="0">
+              <a:solidFill>
+                <a:schemeClr val="dk1"/>
+              </a:solidFill>
+            </a:endParaRPr>
+          </a:p>
+          <a:p>
+            <a:pPr marL="457200" lvl="0" indent="0" algn="l" rtl="0">
+              <a:lnSpc>
+                <a:spcPct val="115000"/>
+              </a:lnSpc>
+              <a:spcBef>
+                <a:spcPts val="1200"/>
+              </a:spcBef>
+              <a:spcAft>
+                <a:spcPts val="0"/>
+              </a:spcAft>
+              <a:buNone/>
+            </a:pPr>
+            <a:endParaRPr sz="4800" dirty="0">
+              <a:solidFill>
+                <a:schemeClr val="dk1"/>
+              </a:solidFill>
+              <a:latin typeface="Calibri"/>
+              <a:ea typeface="Calibri"/>
+              <a:cs typeface="Calibri"/>
+              <a:sym typeface="Calibri"/>
+            </a:endParaRPr>
+          </a:p>
+          <a:p>
+            <a:pPr marL="538162" lvl="1" indent="-173038" algn="l" rtl="0">
+              <a:lnSpc>
+                <a:spcPct val="90000"/>
+              </a:lnSpc>
+              <a:spcBef>
+                <a:spcPts val="1200"/>
+              </a:spcBef>
+              <a:spcAft>
+                <a:spcPts val="0"/>
+              </a:spcAft>
+              <a:buSzPts val="1600"/>
+              <a:buFont typeface="Arial"/>
+              <a:buNone/>
+            </a:pPr>
+            <a:endParaRPr sz="4800" dirty="0"/>
+          </a:p>
+          <a:p>
+            <a:pPr marL="0" lvl="7" indent="0" algn="l" rtl="0">
+              <a:lnSpc>
+                <a:spcPct val="90000"/>
+              </a:lnSpc>
+              <a:spcBef>
+                <a:spcPts val="1200"/>
+              </a:spcBef>
+              <a:spcAft>
+                <a:spcPts val="0"/>
+              </a:spcAft>
+              <a:buSzPts val="1600"/>
+              <a:buNone/>
+            </a:pPr>
+            <a:endParaRPr sz="4800" dirty="0"/>
+          </a:p>
+        </p:txBody>
+      </p:sp>
+      <p:sp>
+        <p:nvSpPr>
+          <p:cNvPr id="736" name="Google Shape;736;p44"/>
+          <p:cNvSpPr txBox="1">
+            <a:spLocks noGrp="1"/>
+          </p:cNvSpPr>
+          <p:nvPr>
+            <p:ph type="sldNum" idx="12"/>
+          </p:nvPr>
+        </p:nvSpPr>
+        <p:spPr>
+          <a:xfrm>
+            <a:off x="11345000" y="6246130"/>
+            <a:ext cx="126900" cy="184800"/>
+          </a:xfrm>
+          <a:prstGeom prst="rect">
+            <a:avLst/>
+          </a:prstGeom>
+          <a:noFill/>
+          <a:ln>
+            <a:noFill/>
+          </a:ln>
+        </p:spPr>
+        <p:txBody>
+          <a:bodyPr spcFirstLastPara="1" wrap="square" lIns="0" tIns="0" rIns="0" bIns="0" anchor="ctr" anchorCtr="0">
+            <a:spAutoFit/>
+          </a:bodyPr>
+          <a:lstStyle/>
+          <a:p>
+            <a:pPr marL="0" lvl="0" indent="0" algn="r" rtl="0">
+              <a:lnSpc>
+                <a:spcPct val="100000"/>
+              </a:lnSpc>
+              <a:spcBef>
+                <a:spcPts val="0"/>
+              </a:spcBef>
+              <a:spcAft>
+                <a:spcPts val="0"/>
+              </a:spcAft>
+              <a:buClr>
+                <a:srgbClr val="FFFFFF"/>
+              </a:buClr>
+              <a:buSzPts val="1200"/>
+              <a:buFont typeface="Arial"/>
+              <a:buNone/>
+            </a:pPr>
+            <a:fld id="{00000000-1234-1234-1234-123412341234}" type="slidenum">
+              <a:rPr lang="nl-NL">
+                <a:solidFill>
+                  <a:srgbClr val="FFFFFF"/>
+                </a:solidFill>
+              </a:rPr>
+              <a:t>21</a:t>
+            </a:fld>
+            <a:endParaRPr/>
+          </a:p>
+        </p:txBody>
+      </p:sp>
+    </p:spTree>
+  </p:cSld>
+  <p:clrMapOvr>
+    <a:masterClrMapping/>
+  </p:clrMapOvr>
+  <p:transition spd="slow">
+    <p:fade/>
+  </p:transition>
+</p:sld>
+</file>
+
+<file path=ppt/slides/slide22.xml><?xml version="1.0" encoding="utf-8"?>
+<p:sld xmlns:a="http://schemas.openxmlformats.org/drawingml/2006/main" xmlns:r="http://schemas.openxmlformats.org/officeDocument/2006/relationships" xmlns:p="http://schemas.openxmlformats.org/presentationml/2006/main">
+  <p:cSld>
+    <p:spTree>
+      <p:nvGrpSpPr>
+        <p:cNvPr id="1" name="Shape 764"/>
+        <p:cNvGrpSpPr/>
+        <p:nvPr/>
+      </p:nvGrpSpPr>
+      <p:grpSpPr>
+        <a:xfrm>
+          <a:off x="0" y="0"/>
+          <a:ext cx="0" cy="0"/>
+          <a:chOff x="0" y="0"/>
+          <a:chExt cx="0" cy="0"/>
+        </a:xfrm>
+      </p:grpSpPr>
+      <p:sp>
+        <p:nvSpPr>
+          <p:cNvPr id="765" name="Google Shape;765;p48"/>
+          <p:cNvSpPr txBox="1">
+            <a:spLocks noGrp="1"/>
+          </p:cNvSpPr>
+          <p:nvPr>
+            <p:ph type="body" idx="1"/>
+          </p:nvPr>
+        </p:nvSpPr>
+        <p:spPr>
+          <a:xfrm>
+            <a:off x="-10748" y="0"/>
+            <a:ext cx="12202800" cy="6858000"/>
+          </a:xfrm>
+          <a:prstGeom prst="rect">
+            <a:avLst/>
+          </a:prstGeom>
+          <a:solidFill>
+            <a:srgbClr val="00A6D6"/>
+          </a:solidFill>
+          <a:ln>
+            <a:noFill/>
+          </a:ln>
+        </p:spPr>
+        <p:txBody>
+          <a:bodyPr spcFirstLastPara="1" wrap="square" lIns="0" tIns="0" rIns="0" bIns="0" anchor="t" anchorCtr="0">
+            <a:noAutofit/>
+          </a:bodyPr>
+          <a:lstStyle/>
+          <a:p>
+            <a:pPr marL="0" lvl="0" indent="0" algn="l" rtl="0">
+              <a:lnSpc>
+                <a:spcPct val="90000"/>
+              </a:lnSpc>
+              <a:spcBef>
+                <a:spcPts val="0"/>
+              </a:spcBef>
+              <a:spcAft>
+                <a:spcPts val="0"/>
+              </a:spcAft>
+              <a:buSzPts val="1600"/>
+              <a:buFont typeface="Arial"/>
+              <a:buNone/>
+            </a:pPr>
+            <a:r>
+              <a:rPr lang="nl-NL" dirty="0"/>
+              <a:t> </a:t>
+            </a:r>
+            <a:endParaRPr dirty="0"/>
+          </a:p>
+        </p:txBody>
+      </p:sp>
+      <p:sp>
+        <p:nvSpPr>
+          <p:cNvPr id="766" name="Google Shape;766;p48"/>
+          <p:cNvSpPr txBox="1">
+            <a:spLocks noGrp="1"/>
+          </p:cNvSpPr>
+          <p:nvPr>
+            <p:ph type="title"/>
+          </p:nvPr>
+        </p:nvSpPr>
+        <p:spPr>
+          <a:xfrm>
+            <a:off x="2153413" y="2753377"/>
+            <a:ext cx="9358200" cy="1621200"/>
+          </a:xfrm>
+          <a:prstGeom prst="rect">
+            <a:avLst/>
+          </a:prstGeom>
+          <a:noFill/>
+          <a:ln>
+            <a:noFill/>
+          </a:ln>
+        </p:spPr>
+        <p:txBody>
+          <a:bodyPr spcFirstLastPara="1" wrap="square" lIns="0" tIns="0" rIns="0" bIns="0" anchor="b" anchorCtr="0">
+            <a:noAutofit/>
+          </a:bodyPr>
+          <a:lstStyle/>
+          <a:p>
+            <a:pPr marL="0" lvl="0" indent="0" algn="r" rtl="0">
+              <a:lnSpc>
+                <a:spcPct val="90000"/>
+              </a:lnSpc>
+              <a:spcBef>
+                <a:spcPts val="0"/>
+              </a:spcBef>
+              <a:spcAft>
+                <a:spcPts val="0"/>
+              </a:spcAft>
+              <a:buClr>
+                <a:schemeClr val="lt1"/>
+              </a:buClr>
+              <a:buSzPts val="3800"/>
+              <a:buFont typeface="Roboto Slab"/>
+              <a:buNone/>
+            </a:pPr>
+            <a:r>
+              <a:rPr lang="nl-NL" dirty="0"/>
+              <a:t>Thank you for your attention</a:t>
+            </a:r>
+            <a:endParaRPr dirty="0"/>
+          </a:p>
+        </p:txBody>
+      </p:sp>
+      <p:sp>
+        <p:nvSpPr>
+          <p:cNvPr id="767" name="Google Shape;767;p48"/>
+          <p:cNvSpPr txBox="1">
+            <a:spLocks noGrp="1"/>
+          </p:cNvSpPr>
+          <p:nvPr>
+            <p:ph type="subTitle" idx="2"/>
+          </p:nvPr>
+        </p:nvSpPr>
+        <p:spPr>
+          <a:xfrm>
+            <a:off x="7758450" y="4977468"/>
+            <a:ext cx="3729300" cy="937200"/>
+          </a:xfrm>
+          <a:prstGeom prst="rect">
+            <a:avLst/>
+          </a:prstGeom>
+          <a:noFill/>
+          <a:ln>
+            <a:noFill/>
+          </a:ln>
+        </p:spPr>
+        <p:txBody>
+          <a:bodyPr spcFirstLastPara="1" wrap="square" lIns="0" tIns="0" rIns="0" bIns="0" anchor="ctr" anchorCtr="0">
+            <a:noAutofit/>
+          </a:bodyPr>
+          <a:lstStyle/>
+          <a:p>
+            <a:pPr marL="0" indent="0">
+              <a:spcBef>
+                <a:spcPts val="0"/>
+              </a:spcBef>
+              <a:buSzPts val="3515"/>
+            </a:pPr>
+            <a:r>
+              <a:rPr lang="en-IN" sz="1600" dirty="0"/>
+              <a:t>Neeraja Bhide (5495601)</a:t>
+            </a:r>
+          </a:p>
+          <a:p>
+            <a:pPr marL="0" indent="0">
+              <a:spcBef>
+                <a:spcPts val="0"/>
+              </a:spcBef>
+              <a:buSzPts val="3515"/>
+            </a:pPr>
+            <a:r>
+              <a:rPr lang="en-IN" sz="1600" dirty="0"/>
+              <a:t>Pavan Prasad H.G. (5508053)</a:t>
+            </a:r>
+          </a:p>
+          <a:p>
+            <a:pPr marL="0" indent="0">
+              <a:spcBef>
+                <a:spcPts val="0"/>
+              </a:spcBef>
+              <a:buSzPts val="3515"/>
+            </a:pPr>
+            <a:r>
+              <a:rPr lang="en-IN" sz="1600" dirty="0"/>
+              <a:t>Paul Kartoidjojo (4480961)</a:t>
+            </a:r>
+          </a:p>
+          <a:p>
+            <a:pPr marL="0" indent="0">
+              <a:spcBef>
+                <a:spcPts val="0"/>
+              </a:spcBef>
+              <a:buSzPts val="3515"/>
+            </a:pPr>
+            <a:r>
+              <a:rPr lang="en-US" sz="1600" dirty="0"/>
+              <a:t>Anand Srikrishna (5306485)</a:t>
+            </a:r>
+          </a:p>
+          <a:p>
+            <a:pPr marL="0" lvl="0" indent="0" algn="r" rtl="0">
+              <a:lnSpc>
+                <a:spcPct val="115000"/>
+              </a:lnSpc>
+              <a:spcBef>
+                <a:spcPts val="0"/>
+              </a:spcBef>
+              <a:spcAft>
+                <a:spcPts val="0"/>
+              </a:spcAft>
+              <a:buSzPts val="1600"/>
+              <a:buFont typeface="Arial"/>
+              <a:buNone/>
+            </a:pPr>
+            <a:endParaRPr dirty="0"/>
+          </a:p>
+        </p:txBody>
+      </p:sp>
+      <p:sp>
+        <p:nvSpPr>
+          <p:cNvPr id="768" name="Google Shape;768;p48"/>
+          <p:cNvSpPr txBox="1">
+            <a:spLocks noGrp="1"/>
+          </p:cNvSpPr>
+          <p:nvPr>
+            <p:ph type="body" idx="4294967295"/>
+          </p:nvPr>
+        </p:nvSpPr>
+        <p:spPr>
+          <a:xfrm>
+            <a:off x="698500" y="5835457"/>
+            <a:ext cx="1454913" cy="688793"/>
+          </a:xfrm>
+          <a:prstGeom prst="rect">
+            <a:avLst/>
+          </a:prstGeom>
+          <a:noFill/>
+          <a:ln>
+            <a:noFill/>
+          </a:ln>
+        </p:spPr>
+        <p:txBody>
+          <a:bodyPr spcFirstLastPara="1" wrap="square" lIns="0" tIns="0" rIns="0" bIns="0" anchor="t" anchorCtr="0">
+            <a:noAutofit/>
+          </a:bodyPr>
+          <a:lstStyle/>
+          <a:p>
+            <a:pPr marL="263525" lvl="0" indent="-263525" algn="l" rtl="0">
+              <a:lnSpc>
+                <a:spcPct val="90000"/>
+              </a:lnSpc>
+              <a:spcBef>
+                <a:spcPts val="0"/>
+              </a:spcBef>
+              <a:spcAft>
+                <a:spcPts val="0"/>
+              </a:spcAft>
+              <a:buSzPts val="1600"/>
+              <a:buFont typeface="Arial"/>
+              <a:buChar char="▪"/>
+            </a:pPr>
+            <a:r>
+              <a:rPr lang="nl-NL"/>
+              <a:t> </a:t>
+            </a:r>
+            <a:endParaRPr/>
+          </a:p>
+        </p:txBody>
+      </p:sp>
+    </p:spTree>
+  </p:cSld>
+  <p:clrMapOvr>
+    <a:masterClrMapping/>
+  </p:clrMapOvr>
+  <mc:AlternateContent xmlns:mc="http://schemas.openxmlformats.org/markup-compatibility/2006" xmlns:p14="http://schemas.microsoft.com/office/powerpoint/2010/main">
+    <mc:Choice Requires="p14">
+      <p:transition spd="med" p14:dur="700">
+        <p:fade/>
+      </p:transition>
+    </mc:Choice>
+    <mc:Fallback xmlns:ahyp="http://schemas.microsoft.com/office/drawing/2018/hyperlinkcolor" xmlns:p15="http://schemas.microsoft.com/office/powerpoint/2012/main" xmlns:com="http://schemas.openxmlformats.org/drawingml/2006/compatibility" xmlns:pvml="urn:schemas-microsoft-com:office:powerpoint" xmlns:v="urn:schemas-microsoft-com:vml" xmlns:o="urn:schemas-microsoft-com:office:office" xmlns:dgm="http://schemas.openxmlformats.org/drawingml/2006/diagram" xmlns:c="http://schemas.openxmlformats.org/drawingml/2006/chart" xmlns:mv="urn:schemas-microsoft-com:mac:vml" xmlns="">
+      <p:transition spd="slow">
+        <p:fade/>
+      </p:transition>
+    </mc:Fallback>
+  </mc:AlternateContent>
+</p:sld>
+</file>
+
 <file path=ppt/slides/slide3.xml><?xml version="1.0" encoding="utf-8"?>
 <p:sld xmlns:a="http://schemas.openxmlformats.org/drawingml/2006/main" xmlns:r="http://schemas.openxmlformats.org/officeDocument/2006/relationships" xmlns:p="http://schemas.openxmlformats.org/presentationml/2006/main">
   <p:cSld>
@@ -47568,13 +49390,13 @@
             <a:spLocks noGrp="1"/>
           </p:cNvSpPr>
           <p:nvPr>
-            <p:ph type="body" idx="2"/>
+            <p:ph type="title" idx="4294967295"/>
           </p:nvPr>
         </p:nvSpPr>
         <p:spPr>
           <a:xfrm>
-            <a:off x="698499" y="718513"/>
-            <a:ext cx="10798175" cy="5229851"/>
+            <a:off x="698500" y="719138"/>
+            <a:ext cx="10798175" cy="5229225"/>
           </a:xfrm>
           <a:prstGeom prst="rect">
             <a:avLst/>
@@ -47582,15 +49404,20 @@
           <a:noFill/>
           <a:ln>
             <a:noFill/>
+            <a:prstDash/>
           </a:ln>
+          <a:effectLst/>
         </p:spPr>
         <p:txBody>
-          <a:bodyPr spcFirstLastPara="1" wrap="square" lIns="0" tIns="0" rIns="0" bIns="0" anchor="ctr" anchorCtr="0">
+          <a:bodyPr rot="0" spcFirstLastPara="1" vertOverflow="overflow" horzOverflow="overflow" vert="horz" wrap="square" lIns="0" tIns="0" rIns="0" bIns="0" numCol="1" spcCol="0" rtlCol="0" fromWordArt="0" anchor="ctr" anchorCtr="0" forceAA="0" compatLnSpc="1">
+            <a:prstTxWarp prst="textNoShape">
+              <a:avLst/>
+            </a:prstTxWarp>
             <a:noAutofit/>
           </a:bodyPr>
           <a:lstStyle/>
           <a:p>
-            <a:pPr marL="0" lvl="0" indent="0" algn="ctr" rtl="0">
+            <a:pPr marL="0" marR="0" lvl="0" indent="0" algn="ctr" defTabSz="914400" rtl="0" eaLnBrk="1" fontAlgn="auto" latinLnBrk="0" hangingPunct="1">
               <a:lnSpc>
                 <a:spcPct val="90000"/>
               </a:lnSpc>
@@ -47606,12 +49433,27 @@
               <a:buSzPts val="4400"/>
               <a:buFont typeface="Calibri"/>
               <a:buNone/>
+              <a:tabLst/>
+              <a:defRPr/>
             </a:pPr>
             <a:r>
-              <a:rPr lang="nl-NL" dirty="0"/>
+              <a:rPr kumimoji="0" lang="nl-NL" sz="4400" b="0" i="0" u="none" strike="noStrike" kern="0" cap="none" spc="0" normalizeH="0" baseline="0" noProof="0" dirty="0">
+                <a:ln>
+                  <a:noFill/>
+                </a:ln>
+                <a:solidFill>
+                  <a:schemeClr val="lt1"/>
+                </a:solidFill>
+                <a:effectLst/>
+                <a:uLnTx/>
+                <a:uFillTx/>
+                <a:latin typeface="Calibri"/>
+                <a:ea typeface="Calibri"/>
+                <a:cs typeface="Calibri"/>
+                <a:sym typeface="Calibri"/>
+              </a:rPr>
               <a:t>Motivation</a:t>
             </a:r>
-            <a:endParaRPr dirty="0"/>
           </a:p>
         </p:txBody>
       </p:sp>
@@ -47903,7 +49745,13 @@
       </p:sp>
       <p:sp>
         <p:nvSpPr>
-          <p:cNvPr id="554" name="Google Shape;554;p20"/>
+          <p:cNvPr id="554" name="Google Shape;554;p20">
+            <a:extLst>
+              <a:ext uri="{C183D7F6-B498-43B3-948B-1728B52AA6E4}">
+                <adec:decorative xmlns:adec="http://schemas.microsoft.com/office/drawing/2017/decorative" val="1"/>
+              </a:ext>
+            </a:extLst>
+          </p:cNvPr>
           <p:cNvSpPr txBox="1"/>
           <p:nvPr/>
         </p:nvSpPr>
@@ -48001,7 +49849,313 @@
               </a:rPr>
               <a:t>4</a:t>
             </a:fld>
-            <a:endParaRPr/>
+            <a:endParaRPr dirty="0"/>
+          </a:p>
+        </p:txBody>
+      </p:sp>
+      <p:sp>
+        <p:nvSpPr>
+          <p:cNvPr id="6" name="Google Shape;553;p20">
+            <a:extLst>
+              <a:ext uri="{FF2B5EF4-FFF2-40B4-BE49-F238E27FC236}">
+                <a16:creationId xmlns:a16="http://schemas.microsoft.com/office/drawing/2014/main" id="{A0E9C8CD-C41E-2C84-741E-EFBB7AB4FDBF}"/>
+              </a:ext>
+            </a:extLst>
+          </p:cNvPr>
+          <p:cNvSpPr txBox="1">
+            <a:spLocks/>
+          </p:cNvSpPr>
+          <p:nvPr/>
+        </p:nvSpPr>
+        <p:spPr>
+          <a:xfrm>
+            <a:off x="498672" y="5001352"/>
+            <a:ext cx="5902128" cy="858673"/>
+          </a:xfrm>
+          <a:prstGeom prst="rect">
+            <a:avLst/>
+          </a:prstGeom>
+          <a:noFill/>
+          <a:ln>
+            <a:noFill/>
+          </a:ln>
+        </p:spPr>
+        <p:txBody>
+          <a:bodyPr spcFirstLastPara="1" wrap="square" lIns="0" tIns="0" rIns="0" bIns="0" anchor="t" anchorCtr="0">
+            <a:normAutofit/>
+          </a:bodyPr>
+          <a:lstStyle>
+            <a:defPPr marR="0" lvl="0" algn="l" rtl="0">
+              <a:lnSpc>
+                <a:spcPct val="100000"/>
+              </a:lnSpc>
+              <a:spcBef>
+                <a:spcPts val="0"/>
+              </a:spcBef>
+              <a:spcAft>
+                <a:spcPts val="0"/>
+              </a:spcAft>
+            </a:defPPr>
+            <a:lvl1pPr marL="457200" marR="0" lvl="0" indent="-342900" algn="l" rtl="0">
+              <a:lnSpc>
+                <a:spcPct val="90000"/>
+              </a:lnSpc>
+              <a:spcBef>
+                <a:spcPts val="1200"/>
+              </a:spcBef>
+              <a:spcAft>
+                <a:spcPts val="0"/>
+              </a:spcAft>
+              <a:buClr>
+                <a:schemeClr val="accent1"/>
+              </a:buClr>
+              <a:buSzPts val="1800"/>
+              <a:buFont typeface="Arial"/>
+              <a:buChar char="▪"/>
+              <a:defRPr sz="1600" b="0" i="0" u="none" strike="noStrike" cap="none">
+                <a:solidFill>
+                  <a:srgbClr val="000000"/>
+                </a:solidFill>
+                <a:latin typeface="Arial"/>
+                <a:ea typeface="Arial"/>
+                <a:cs typeface="Arial"/>
+                <a:sym typeface="Arial"/>
+              </a:defRPr>
+            </a:lvl1pPr>
+            <a:lvl2pPr marL="914400" marR="0" lvl="1" indent="-342900" algn="l" rtl="0">
+              <a:lnSpc>
+                <a:spcPct val="90000"/>
+              </a:lnSpc>
+              <a:spcBef>
+                <a:spcPts val="1200"/>
+              </a:spcBef>
+              <a:spcAft>
+                <a:spcPts val="0"/>
+              </a:spcAft>
+              <a:buClr>
+                <a:schemeClr val="accent1"/>
+              </a:buClr>
+              <a:buSzPts val="1800"/>
+              <a:buFont typeface="Arial"/>
+              <a:buChar char="▪"/>
+              <a:defRPr sz="1600" b="0" i="0" u="none" strike="noStrike" cap="none">
+                <a:solidFill>
+                  <a:srgbClr val="000000"/>
+                </a:solidFill>
+                <a:latin typeface="Arial"/>
+                <a:ea typeface="Arial"/>
+                <a:cs typeface="Arial"/>
+                <a:sym typeface="Arial"/>
+              </a:defRPr>
+            </a:lvl2pPr>
+            <a:lvl3pPr marL="1371600" marR="0" lvl="2" indent="-228600" algn="l" rtl="0">
+              <a:lnSpc>
+                <a:spcPct val="90000"/>
+              </a:lnSpc>
+              <a:spcBef>
+                <a:spcPts val="1200"/>
+              </a:spcBef>
+              <a:spcAft>
+                <a:spcPts val="0"/>
+              </a:spcAft>
+              <a:buClr>
+                <a:schemeClr val="accent1"/>
+              </a:buClr>
+              <a:buSzPts val="1800"/>
+              <a:buFont typeface="Noto Sans Symbols"/>
+              <a:buNone/>
+              <a:defRPr sz="1600" b="0" i="0" u="none" strike="noStrike" cap="none">
+                <a:solidFill>
+                  <a:srgbClr val="000000"/>
+                </a:solidFill>
+                <a:latin typeface="Arial"/>
+                <a:ea typeface="Arial"/>
+                <a:cs typeface="Arial"/>
+                <a:sym typeface="Arial"/>
+              </a:defRPr>
+            </a:lvl3pPr>
+            <a:lvl4pPr marL="1828800" marR="0" lvl="3" indent="-228600" algn="l" rtl="0">
+              <a:lnSpc>
+                <a:spcPct val="90000"/>
+              </a:lnSpc>
+              <a:spcBef>
+                <a:spcPts val="1200"/>
+              </a:spcBef>
+              <a:spcAft>
+                <a:spcPts val="0"/>
+              </a:spcAft>
+              <a:buClr>
+                <a:schemeClr val="accent1"/>
+              </a:buClr>
+              <a:buSzPts val="1800"/>
+              <a:buFont typeface="Noto Sans Symbols"/>
+              <a:buNone/>
+              <a:defRPr sz="1600" b="0" i="0" u="none" strike="noStrike" cap="none">
+                <a:solidFill>
+                  <a:srgbClr val="000000"/>
+                </a:solidFill>
+                <a:latin typeface="Arial"/>
+                <a:ea typeface="Arial"/>
+                <a:cs typeface="Arial"/>
+                <a:sym typeface="Arial"/>
+              </a:defRPr>
+            </a:lvl4pPr>
+            <a:lvl5pPr marL="2286000" marR="0" lvl="4" indent="-342900" algn="l" rtl="0">
+              <a:lnSpc>
+                <a:spcPct val="90000"/>
+              </a:lnSpc>
+              <a:spcBef>
+                <a:spcPts val="1200"/>
+              </a:spcBef>
+              <a:spcAft>
+                <a:spcPts val="0"/>
+              </a:spcAft>
+              <a:buClr>
+                <a:schemeClr val="accent1"/>
+              </a:buClr>
+              <a:buSzPts val="1800"/>
+              <a:buFont typeface="Noto Sans Symbols"/>
+              <a:buAutoNum type="arabicPeriod"/>
+              <a:defRPr sz="1600" b="0" i="0" u="none" strike="noStrike" cap="none">
+                <a:solidFill>
+                  <a:srgbClr val="000000"/>
+                </a:solidFill>
+                <a:latin typeface="Arial"/>
+                <a:ea typeface="Arial"/>
+                <a:cs typeface="Arial"/>
+                <a:sym typeface="Arial"/>
+              </a:defRPr>
+            </a:lvl5pPr>
+            <a:lvl6pPr marL="2743200" marR="0" lvl="5" indent="-342900" algn="l" rtl="0">
+              <a:lnSpc>
+                <a:spcPct val="90000"/>
+              </a:lnSpc>
+              <a:spcBef>
+                <a:spcPts val="1200"/>
+              </a:spcBef>
+              <a:spcAft>
+                <a:spcPts val="0"/>
+              </a:spcAft>
+              <a:buClr>
+                <a:schemeClr val="accent1"/>
+              </a:buClr>
+              <a:buSzPts val="1800"/>
+              <a:buFont typeface="Noto Sans Symbols"/>
+              <a:buAutoNum type="alphaLcPeriod"/>
+              <a:defRPr sz="1600" b="0" i="0" u="none" strike="noStrike" cap="none">
+                <a:solidFill>
+                  <a:srgbClr val="000000"/>
+                </a:solidFill>
+                <a:latin typeface="Arial"/>
+                <a:ea typeface="Arial"/>
+                <a:cs typeface="Arial"/>
+                <a:sym typeface="Arial"/>
+              </a:defRPr>
+            </a:lvl6pPr>
+            <a:lvl7pPr marL="3200400" marR="0" lvl="6" indent="-342900" algn="l" rtl="0">
+              <a:lnSpc>
+                <a:spcPct val="90000"/>
+              </a:lnSpc>
+              <a:spcBef>
+                <a:spcPts val="1200"/>
+              </a:spcBef>
+              <a:spcAft>
+                <a:spcPts val="0"/>
+              </a:spcAft>
+              <a:buClr>
+                <a:schemeClr val="accent1"/>
+              </a:buClr>
+              <a:buSzPts val="1800"/>
+              <a:buFont typeface="Arial"/>
+              <a:buChar char="▪"/>
+              <a:defRPr sz="1600" b="0" i="0" u="none" strike="noStrike" cap="none">
+                <a:solidFill>
+                  <a:srgbClr val="000000"/>
+                </a:solidFill>
+                <a:latin typeface="Arial"/>
+                <a:ea typeface="Arial"/>
+                <a:cs typeface="Arial"/>
+                <a:sym typeface="Arial"/>
+              </a:defRPr>
+            </a:lvl7pPr>
+            <a:lvl8pPr marL="3657600" marR="0" lvl="7" indent="-228600" algn="l" rtl="0">
+              <a:lnSpc>
+                <a:spcPct val="90000"/>
+              </a:lnSpc>
+              <a:spcBef>
+                <a:spcPts val="1200"/>
+              </a:spcBef>
+              <a:spcAft>
+                <a:spcPts val="0"/>
+              </a:spcAft>
+              <a:buClr>
+                <a:schemeClr val="accent1"/>
+              </a:buClr>
+              <a:buSzPts val="1800"/>
+              <a:buFont typeface="Noto Sans Symbols"/>
+              <a:buNone/>
+              <a:defRPr sz="1600" b="0" i="0" u="none" strike="noStrike" cap="none">
+                <a:solidFill>
+                  <a:srgbClr val="000000"/>
+                </a:solidFill>
+                <a:latin typeface="Arial"/>
+                <a:ea typeface="Arial"/>
+                <a:cs typeface="Arial"/>
+                <a:sym typeface="Arial"/>
+              </a:defRPr>
+            </a:lvl8pPr>
+            <a:lvl9pPr marL="4114800" marR="0" lvl="8" indent="-228600" algn="l" rtl="0">
+              <a:lnSpc>
+                <a:spcPct val="90000"/>
+              </a:lnSpc>
+              <a:spcBef>
+                <a:spcPts val="1200"/>
+              </a:spcBef>
+              <a:spcAft>
+                <a:spcPts val="0"/>
+              </a:spcAft>
+              <a:buClr>
+                <a:schemeClr val="accent1"/>
+              </a:buClr>
+              <a:buSzPts val="1800"/>
+              <a:buFont typeface="Noto Sans Symbols"/>
+              <a:buNone/>
+              <a:defRPr sz="1600" b="0" i="0" u="none" strike="noStrike" cap="none">
+                <a:solidFill>
+                  <a:srgbClr val="000000"/>
+                </a:solidFill>
+                <a:latin typeface="Arial"/>
+                <a:ea typeface="Arial"/>
+                <a:cs typeface="Arial"/>
+                <a:sym typeface="Arial"/>
+              </a:defRPr>
+            </a:lvl9pPr>
+          </a:lstStyle>
+          <a:p>
+            <a:pPr marL="50800" indent="0">
+              <a:spcBef>
+                <a:spcPts val="0"/>
+              </a:spcBef>
+              <a:buSzPts val="1000"/>
+              <a:buNone/>
+            </a:pPr>
+            <a:r>
+              <a:rPr lang="en-US" sz="1400" dirty="0"/>
+              <a:t>[1] - Jizheng Liu et al. Sideslip Angle Estimation of Ground Vehicles: A Comparative Study</a:t>
+            </a:r>
+          </a:p>
+          <a:p>
+            <a:pPr marL="50800" indent="0">
+              <a:spcBef>
+                <a:spcPts val="0"/>
+              </a:spcBef>
+              <a:buSzPts val="1000"/>
+              <a:buNone/>
+            </a:pPr>
+            <a:r>
+              <a:rPr lang="en-US" sz="1400" dirty="0"/>
+              <a:t>[2] - Federico Cheli et al. A methodology for vehicle sideslip angle identification: comparison with experimental data</a:t>
+            </a:r>
           </a:p>
         </p:txBody>
       </p:sp>
@@ -48040,38 +50194,70 @@
             <a:spLocks noGrp="1"/>
           </p:cNvSpPr>
           <p:nvPr>
-            <p:ph type="body" idx="2"/>
+            <p:ph type="title" idx="4294967295"/>
           </p:nvPr>
         </p:nvSpPr>
         <p:spPr>
           <a:xfrm>
-            <a:off x="698499" y="718513"/>
-            <a:ext cx="10798200" cy="5229900"/>
+            <a:off x="698500" y="719138"/>
+            <a:ext cx="10798175" cy="5229225"/>
           </a:xfrm>
           <a:prstGeom prst="rect">
             <a:avLst/>
           </a:prstGeom>
+          <a:noFill/>
+          <a:ln>
+            <a:noFill/>
+            <a:prstDash/>
+          </a:ln>
+          <a:effectLst/>
         </p:spPr>
         <p:txBody>
-          <a:bodyPr spcFirstLastPara="1" wrap="square" lIns="0" tIns="0" rIns="0" bIns="0" anchor="ctr" anchorCtr="0">
+          <a:bodyPr rot="0" spcFirstLastPara="1" vertOverflow="overflow" horzOverflow="overflow" vert="horz" wrap="square" lIns="0" tIns="0" rIns="0" bIns="0" numCol="1" spcCol="0" rtlCol="0" fromWordArt="0" anchor="ctr" anchorCtr="0" forceAA="0" compatLnSpc="1">
+            <a:prstTxWarp prst="textNoShape">
+              <a:avLst/>
+            </a:prstTxWarp>
             <a:noAutofit/>
           </a:bodyPr>
           <a:lstStyle/>
           <a:p>
-            <a:pPr marL="0" lvl="0" indent="0" algn="ctr" rtl="0">
+            <a:pPr marL="0" marR="0" lvl="0" indent="0" algn="ctr" defTabSz="914400" rtl="0" eaLnBrk="1" fontAlgn="auto" latinLnBrk="0" hangingPunct="1">
+              <a:lnSpc>
+                <a:spcPct val="90000"/>
+              </a:lnSpc>
               <a:spcBef>
                 <a:spcPts val="1200"/>
               </a:spcBef>
               <a:spcAft>
                 <a:spcPts val="0"/>
               </a:spcAft>
-              <a:buNone/>
+              <a:buClr>
+                <a:schemeClr val="lt1"/>
+              </a:buClr>
+              <a:buSzPts val="4400"/>
+              <a:buFont typeface="Calibri"/>
+              <a:buNone/>
+              <a:tabLst/>
+              <a:defRPr/>
             </a:pPr>
             <a:r>
-              <a:rPr lang="nl-NL" dirty="0"/>
+              <a:rPr kumimoji="0" lang="nl-NL" sz="4400" b="0" i="0" u="none" strike="noStrike" kern="0" cap="none" spc="0" normalizeH="0" baseline="0" noProof="0" dirty="0">
+                <a:ln>
+                  <a:noFill/>
+                </a:ln>
+                <a:solidFill>
+                  <a:schemeClr val="lt1"/>
+                </a:solidFill>
+                <a:effectLst/>
+                <a:uLnTx/>
+                <a:uFillTx/>
+                <a:latin typeface="Calibri"/>
+                <a:ea typeface="Calibri"/>
+                <a:cs typeface="Calibri"/>
+                <a:sym typeface="Calibri"/>
+              </a:rPr>
               <a:t>Problem Statement</a:t>
             </a:r>
-            <a:endParaRPr dirty="0"/>
           </a:p>
         </p:txBody>
       </p:sp>
@@ -48166,8 +50352,8 @@
         </p:nvSpPr>
         <p:spPr>
           <a:xfrm>
-            <a:off x="516250" y="1606425"/>
-            <a:ext cx="7142100" cy="4356600"/>
+            <a:off x="516250" y="1606424"/>
+            <a:ext cx="7133247" cy="1822575"/>
           </a:xfrm>
           <a:prstGeom prst="rect">
             <a:avLst/>
@@ -48183,9 +50369,9 @@
           </a:bodyPr>
           <a:lstStyle/>
           <a:p>
-            <a:pPr marL="263525" lvl="0" indent="-288925" algn="l" rtl="0">
-              <a:lnSpc>
-                <a:spcPct val="90000"/>
+            <a:pPr marL="0" lvl="0" indent="0" algn="l" rtl="0">
+              <a:lnSpc>
+                <a:spcPct val="150000"/>
               </a:lnSpc>
               <a:spcBef>
                 <a:spcPts val="1200"/>
@@ -48194,7 +50380,7 @@
                 <a:spcPts val="0"/>
               </a:spcAft>
               <a:buSzPts val="2000"/>
-              <a:buChar char="▪"/>
+              <a:buNone/>
             </a:pPr>
             <a:r>
               <a:rPr lang="en-US" sz="2000" b="1" dirty="0">
@@ -48202,24 +50388,8 @@
                   <a:schemeClr val="dk1"/>
                 </a:solidFill>
               </a:rPr>
-              <a:t>Sideslip</a:t>
+              <a:t>“ Vehicle stability control from body Sideslip Control using Direct Yaw Moment Control”</a:t>
             </a:r>
-            <a:endParaRPr sz="1800" dirty="0">
-              <a:solidFill>
-                <a:schemeClr val="dk1"/>
-              </a:solidFill>
-            </a:endParaRPr>
-          </a:p>
-          <a:p>
-            <a:pPr marL="0" lvl="0" indent="0" algn="l" rtl="0">
-              <a:spcBef>
-                <a:spcPts val="1200"/>
-              </a:spcBef>
-              <a:spcAft>
-                <a:spcPts val="0"/>
-              </a:spcAft>
-              <a:buNone/>
-            </a:pPr>
             <a:endParaRPr dirty="0">
               <a:solidFill>
                 <a:schemeClr val="dk1"/>
@@ -48354,38 +50524,70 @@
             <a:spLocks noGrp="1"/>
           </p:cNvSpPr>
           <p:nvPr>
-            <p:ph type="body" idx="2"/>
+            <p:ph type="title" idx="4294967295"/>
           </p:nvPr>
         </p:nvSpPr>
         <p:spPr>
           <a:xfrm>
-            <a:off x="698499" y="718513"/>
-            <a:ext cx="10798200" cy="5229900"/>
+            <a:off x="698500" y="719138"/>
+            <a:ext cx="10798175" cy="5229225"/>
           </a:xfrm>
           <a:prstGeom prst="rect">
             <a:avLst/>
           </a:prstGeom>
+          <a:noFill/>
+          <a:ln>
+            <a:noFill/>
+            <a:prstDash/>
+          </a:ln>
+          <a:effectLst/>
         </p:spPr>
         <p:txBody>
-          <a:bodyPr spcFirstLastPara="1" wrap="square" lIns="0" tIns="0" rIns="0" bIns="0" anchor="ctr" anchorCtr="0">
+          <a:bodyPr rot="0" spcFirstLastPara="1" vertOverflow="overflow" horzOverflow="overflow" vert="horz" wrap="square" lIns="0" tIns="0" rIns="0" bIns="0" numCol="1" spcCol="0" rtlCol="0" fromWordArt="0" anchor="ctr" anchorCtr="0" forceAA="0" compatLnSpc="1">
+            <a:prstTxWarp prst="textNoShape">
+              <a:avLst/>
+            </a:prstTxWarp>
             <a:noAutofit/>
           </a:bodyPr>
           <a:lstStyle/>
           <a:p>
-            <a:pPr marL="0" lvl="0" indent="0" algn="ctr" rtl="0">
+            <a:pPr marL="0" marR="0" lvl="0" indent="0" algn="ctr" defTabSz="914400" rtl="0" eaLnBrk="1" fontAlgn="auto" latinLnBrk="0" hangingPunct="1">
+              <a:lnSpc>
+                <a:spcPct val="90000"/>
+              </a:lnSpc>
               <a:spcBef>
                 <a:spcPts val="1200"/>
               </a:spcBef>
               <a:spcAft>
                 <a:spcPts val="0"/>
               </a:spcAft>
-              <a:buNone/>
+              <a:buClr>
+                <a:schemeClr val="lt1"/>
+              </a:buClr>
+              <a:buSzPts val="4400"/>
+              <a:buFont typeface="Calibri"/>
+              <a:buNone/>
+              <a:tabLst/>
+              <a:defRPr/>
             </a:pPr>
             <a:r>
-              <a:rPr lang="nl-NL" dirty="0"/>
+              <a:rPr kumimoji="0" lang="nl-NL" sz="4400" b="0" i="0" u="none" strike="noStrike" kern="0" cap="none" spc="0" normalizeH="0" baseline="0" noProof="0" dirty="0">
+                <a:ln>
+                  <a:noFill/>
+                </a:ln>
+                <a:solidFill>
+                  <a:schemeClr val="lt1"/>
+                </a:solidFill>
+                <a:effectLst/>
+                <a:uLnTx/>
+                <a:uFillTx/>
+                <a:latin typeface="Calibri"/>
+                <a:ea typeface="Calibri"/>
+                <a:cs typeface="Calibri"/>
+                <a:sym typeface="Calibri"/>
+              </a:rPr>
               <a:t>Control Strategies</a:t>
             </a:r>
-            <a:endParaRPr dirty="0"/>
           </a:p>
         </p:txBody>
       </p:sp>
@@ -48402,7 +50604,7 @@
   <p:cSld>
     <p:spTree>
       <p:nvGrpSpPr>
-        <p:cNvPr id="1" name="Shape 700"/>
+        <p:cNvPr id="1" name=""/>
         <p:cNvGrpSpPr/>
         <p:nvPr/>
       </p:nvGrpSpPr>
@@ -48416,256 +50618,111 @@
       </p:grpSpPr>
       <p:sp>
         <p:nvSpPr>
-          <p:cNvPr id="701" name="Google Shape;701;p39"/>
-          <p:cNvSpPr txBox="1">
+          <p:cNvPr id="4" name="Title 3">
+            <a:extLst>
+              <a:ext uri="{FF2B5EF4-FFF2-40B4-BE49-F238E27FC236}">
+                <a16:creationId xmlns:a16="http://schemas.microsoft.com/office/drawing/2014/main" id="{FACE8355-3145-DB8E-39BE-0D7C2C3A4170}"/>
+              </a:ext>
+            </a:extLst>
+          </p:cNvPr>
+          <p:cNvSpPr>
             <a:spLocks noGrp="1"/>
           </p:cNvSpPr>
           <p:nvPr>
             <p:ph type="title"/>
           </p:nvPr>
         </p:nvSpPr>
-        <p:spPr>
-          <a:xfrm>
-            <a:off x="705148" y="741499"/>
-            <a:ext cx="6321900" cy="490500"/>
-          </a:xfrm>
-          <a:prstGeom prst="rect">
-            <a:avLst/>
-          </a:prstGeom>
-          <a:noFill/>
-          <a:ln>
-            <a:noFill/>
-          </a:ln>
-        </p:spPr>
+        <p:spPr/>
         <p:txBody>
-          <a:bodyPr spcFirstLastPara="1" wrap="square" lIns="0" tIns="0" rIns="0" bIns="0" anchor="t" anchorCtr="0">
-            <a:normAutofit/>
-          </a:bodyPr>
+          <a:bodyPr/>
           <a:lstStyle/>
           <a:p>
-            <a:pPr marL="0" lvl="0" indent="0" algn="l" rtl="0">
-              <a:lnSpc>
-                <a:spcPct val="90000"/>
-              </a:lnSpc>
-              <a:spcBef>
-                <a:spcPts val="0"/>
-              </a:spcBef>
-              <a:spcAft>
-                <a:spcPts val="0"/>
-              </a:spcAft>
-              <a:buClr>
-                <a:schemeClr val="accent1"/>
-              </a:buClr>
-              <a:buSzPts val="2976"/>
-              <a:buFont typeface="Roboto Slab"/>
-              <a:buNone/>
-            </a:pPr>
             <a:r>
-              <a:rPr lang="nl-NL" sz="2976" dirty="0"/>
-              <a:t>Control Strategies</a:t>
+              <a:rPr lang="en-IN" dirty="0"/>
+              <a:t>Reference Generator</a:t>
             </a:r>
-            <a:endParaRPr dirty="0"/>
+            <a:endParaRPr lang="en-US" dirty="0"/>
           </a:p>
         </p:txBody>
       </p:sp>
       <p:sp>
         <p:nvSpPr>
-          <p:cNvPr id="702" name="Google Shape;702;p39"/>
-          <p:cNvSpPr txBox="1">
+          <p:cNvPr id="5" name="Text Placeholder 4">
+            <a:extLst>
+              <a:ext uri="{FF2B5EF4-FFF2-40B4-BE49-F238E27FC236}">
+                <a16:creationId xmlns:a16="http://schemas.microsoft.com/office/drawing/2014/main" id="{244F1774-7BF7-EED2-4BA3-1122EA2AB986}"/>
+              </a:ext>
+            </a:extLst>
+          </p:cNvPr>
+          <p:cNvSpPr>
             <a:spLocks noGrp="1"/>
           </p:cNvSpPr>
           <p:nvPr>
             <p:ph type="body" idx="3"/>
           </p:nvPr>
         </p:nvSpPr>
+        <p:spPr/>
+        <p:txBody>
+          <a:bodyPr>
+            <a:normAutofit/>
+          </a:bodyPr>
+          <a:lstStyle/>
+          <a:p>
+            <a:r>
+              <a:rPr lang="en-US" sz="1800" dirty="0"/>
+              <a:t>Reference yaw rate (r</a:t>
+            </a:r>
+            <a:r>
+              <a:rPr lang="en-US" sz="1800" baseline="-25000" dirty="0"/>
+              <a:t>d,ref</a:t>
+            </a:r>
+            <a:r>
+              <a:rPr lang="en-US" sz="1800" dirty="0"/>
+              <a:t>) is generated from the steering wheel angle δ input using the bicycle model second-order transfer function</a:t>
+            </a:r>
+          </a:p>
+        </p:txBody>
+      </p:sp>
+      <p:pic>
+        <p:nvPicPr>
+          <p:cNvPr id="7" name="Picture 6">
+            <a:extLst>
+              <a:ext uri="{FF2B5EF4-FFF2-40B4-BE49-F238E27FC236}">
+                <a16:creationId xmlns:a16="http://schemas.microsoft.com/office/drawing/2014/main" id="{4F669957-B0C9-2EDE-D15D-EC0E0885CFD9}"/>
+              </a:ext>
+            </a:extLst>
+          </p:cNvPr>
+          <p:cNvPicPr>
+            <a:picLocks noChangeAspect="1"/>
+          </p:cNvPicPr>
+          <p:nvPr/>
+        </p:nvPicPr>
+        <p:blipFill>
+          <a:blip r:embed="rId2"/>
+          <a:stretch>
+            <a:fillRect/>
+          </a:stretch>
+        </p:blipFill>
         <p:spPr>
           <a:xfrm>
-            <a:off x="516250" y="1606425"/>
-            <a:ext cx="7142100" cy="4356600"/>
+            <a:off x="1834783" y="2902669"/>
+            <a:ext cx="4061812" cy="1386960"/>
           </a:xfrm>
           <a:prstGeom prst="rect">
             <a:avLst/>
           </a:prstGeom>
-          <a:noFill/>
-          <a:ln>
-            <a:noFill/>
-          </a:ln>
         </p:spPr>
-        <p:txBody>
-          <a:bodyPr spcFirstLastPara="1" wrap="square" lIns="0" tIns="0" rIns="0" bIns="0" anchor="t" anchorCtr="0">
-            <a:normAutofit/>
-          </a:bodyPr>
-          <a:lstStyle/>
-          <a:p>
-            <a:pPr marL="0" lvl="0" indent="0" algn="l" rtl="0">
-              <a:lnSpc>
-                <a:spcPct val="150000"/>
-              </a:lnSpc>
-              <a:spcBef>
-                <a:spcPts val="1200"/>
-              </a:spcBef>
-              <a:spcAft>
-                <a:spcPts val="0"/>
-              </a:spcAft>
-              <a:buNone/>
-            </a:pPr>
-            <a:endParaRPr sz="1700" dirty="0">
-              <a:solidFill>
-                <a:schemeClr val="dk1"/>
-              </a:solidFill>
-            </a:endParaRPr>
-          </a:p>
-          <a:p>
-            <a:pPr marL="457200" lvl="0" indent="-368300" algn="l" rtl="0">
-              <a:lnSpc>
-                <a:spcPct val="150000"/>
-              </a:lnSpc>
-              <a:spcBef>
-                <a:spcPts val="1200"/>
-              </a:spcBef>
-              <a:spcAft>
-                <a:spcPts val="0"/>
-              </a:spcAft>
-              <a:buClr>
-                <a:schemeClr val="dk1"/>
-              </a:buClr>
-              <a:buSzPts val="2200"/>
-              <a:buChar char="▪"/>
-            </a:pPr>
-            <a:endParaRPr sz="1900" dirty="0">
-              <a:solidFill>
-                <a:schemeClr val="dk1"/>
-              </a:solidFill>
-              <a:latin typeface="Calibri"/>
-              <a:ea typeface="Calibri"/>
-              <a:cs typeface="Calibri"/>
-              <a:sym typeface="Calibri"/>
-            </a:endParaRPr>
-          </a:p>
-          <a:p>
-            <a:pPr marL="457200" lvl="0" indent="0" algn="l" rtl="0">
-              <a:lnSpc>
-                <a:spcPct val="115000"/>
-              </a:lnSpc>
-              <a:spcBef>
-                <a:spcPts val="1200"/>
-              </a:spcBef>
-              <a:spcAft>
-                <a:spcPts val="0"/>
-              </a:spcAft>
-              <a:buNone/>
-            </a:pPr>
-            <a:endParaRPr sz="1800" dirty="0">
-              <a:solidFill>
-                <a:schemeClr val="dk1"/>
-              </a:solidFill>
-              <a:latin typeface="Calibri"/>
-              <a:ea typeface="Calibri"/>
-              <a:cs typeface="Calibri"/>
-              <a:sym typeface="Calibri"/>
-            </a:endParaRPr>
-          </a:p>
-          <a:p>
-            <a:pPr marL="538162" lvl="1" indent="-173038" algn="l" rtl="0">
-              <a:lnSpc>
-                <a:spcPct val="90000"/>
-              </a:lnSpc>
-              <a:spcBef>
-                <a:spcPts val="1200"/>
-              </a:spcBef>
-              <a:spcAft>
-                <a:spcPts val="0"/>
-              </a:spcAft>
-              <a:buSzPts val="1600"/>
-              <a:buFont typeface="Arial"/>
-              <a:buNone/>
-            </a:pPr>
-            <a:endParaRPr dirty="0"/>
-          </a:p>
-          <a:p>
-            <a:pPr marL="0" lvl="7" indent="0" algn="l" rtl="0">
-              <a:lnSpc>
-                <a:spcPct val="90000"/>
-              </a:lnSpc>
-              <a:spcBef>
-                <a:spcPts val="1200"/>
-              </a:spcBef>
-              <a:spcAft>
-                <a:spcPts val="0"/>
-              </a:spcAft>
-              <a:buSzPts val="1600"/>
-              <a:buNone/>
-            </a:pPr>
-            <a:endParaRPr dirty="0"/>
-          </a:p>
-        </p:txBody>
-      </p:sp>
-      <p:sp>
-        <p:nvSpPr>
-          <p:cNvPr id="703" name="Google Shape;703;p39"/>
-          <p:cNvSpPr txBox="1">
-            <a:spLocks noGrp="1"/>
-          </p:cNvSpPr>
-          <p:nvPr>
-            <p:ph type="sldNum" idx="12"/>
-          </p:nvPr>
-        </p:nvSpPr>
-        <p:spPr>
-          <a:xfrm>
-            <a:off x="11345000" y="6246130"/>
-            <a:ext cx="126900" cy="184800"/>
-          </a:xfrm>
-          <a:prstGeom prst="rect">
-            <a:avLst/>
-          </a:prstGeom>
-          <a:noFill/>
-          <a:ln>
-            <a:noFill/>
-          </a:ln>
-        </p:spPr>
-        <p:txBody>
-          <a:bodyPr spcFirstLastPara="1" wrap="square" lIns="0" tIns="0" rIns="0" bIns="0" anchor="ctr" anchorCtr="0">
-            <a:spAutoFit/>
-          </a:bodyPr>
-          <a:lstStyle/>
-          <a:p>
-            <a:pPr marL="0" lvl="0" indent="0" algn="r" rtl="0">
-              <a:lnSpc>
-                <a:spcPct val="100000"/>
-              </a:lnSpc>
-              <a:spcBef>
-                <a:spcPts val="0"/>
-              </a:spcBef>
-              <a:spcAft>
-                <a:spcPts val="0"/>
-              </a:spcAft>
-              <a:buClr>
-                <a:srgbClr val="FFFFFF"/>
-              </a:buClr>
-              <a:buSzPts val="1200"/>
-              <a:buFont typeface="Arial"/>
-              <a:buNone/>
-            </a:pPr>
-            <a:fld id="{00000000-1234-1234-1234-123412341234}" type="slidenum">
-              <a:rPr lang="nl-NL">
-                <a:solidFill>
-                  <a:srgbClr val="FFFFFF"/>
-                </a:solidFill>
-              </a:rPr>
-              <a:t>8</a:t>
-            </a:fld>
-            <a:endParaRPr/>
-          </a:p>
-        </p:txBody>
-      </p:sp>
+      </p:pic>
     </p:spTree>
+    <p:extLst>
+      <p:ext uri="{BB962C8B-B14F-4D97-AF65-F5344CB8AC3E}">
+        <p14:creationId xmlns:p14="http://schemas.microsoft.com/office/powerpoint/2010/main" val="2081844319"/>
+      </p:ext>
+    </p:extLst>
   </p:cSld>
   <p:clrMapOvr>
     <a:masterClrMapping/>
   </p:clrMapOvr>
-  <p:transition spd="slow">
-    <p:fade/>
-  </p:transition>
 </p:sld>
 </file>
 
@@ -48674,7 +50731,7 @@
   <p:cSld>
     <p:spTree>
       <p:nvGrpSpPr>
-        <p:cNvPr id="1" name="Shape 695"/>
+        <p:cNvPr id="1" name=""/>
         <p:cNvGrpSpPr/>
         <p:nvPr/>
       </p:nvGrpSpPr>
@@ -48688,47 +50745,220 @@
       </p:grpSpPr>
       <p:sp>
         <p:nvSpPr>
-          <p:cNvPr id="696" name="Google Shape;696;p38"/>
-          <p:cNvSpPr txBox="1">
+          <p:cNvPr id="4" name="Title 3">
+            <a:extLst>
+              <a:ext uri="{FF2B5EF4-FFF2-40B4-BE49-F238E27FC236}">
+                <a16:creationId xmlns:a16="http://schemas.microsoft.com/office/drawing/2014/main" id="{FACE8355-3145-DB8E-39BE-0D7C2C3A4170}"/>
+              </a:ext>
+            </a:extLst>
+          </p:cNvPr>
+          <p:cNvSpPr>
             <a:spLocks noGrp="1"/>
           </p:cNvSpPr>
           <p:nvPr>
-            <p:ph type="body" idx="2"/>
+            <p:ph type="title"/>
           </p:nvPr>
         </p:nvSpPr>
+        <p:spPr/>
+        <p:txBody>
+          <a:bodyPr/>
+          <a:lstStyle/>
+          <a:p>
+            <a:r>
+              <a:rPr lang="en-US" sz="3200" b="0" i="0" dirty="0">
+                <a:effectLst/>
+                <a:latin typeface="Arial" panose="020B0604020202020204" pitchFamily="34" charset="0"/>
+              </a:rPr>
+              <a:t>Direct Yaw moment Control</a:t>
+            </a:r>
+          </a:p>
+        </p:txBody>
+      </p:sp>
+      <p:sp>
+        <p:nvSpPr>
+          <p:cNvPr id="5" name="Text Placeholder 4">
+            <a:extLst>
+              <a:ext uri="{FF2B5EF4-FFF2-40B4-BE49-F238E27FC236}">
+                <a16:creationId xmlns:a16="http://schemas.microsoft.com/office/drawing/2014/main" id="{244F1774-7BF7-EED2-4BA3-1122EA2AB986}"/>
+              </a:ext>
+            </a:extLst>
+          </p:cNvPr>
+          <p:cNvSpPr>
+            <a:spLocks noGrp="1"/>
+          </p:cNvSpPr>
+          <p:nvPr>
+            <p:ph type="body" idx="3"/>
+          </p:nvPr>
+        </p:nvSpPr>
+        <p:spPr/>
+        <p:txBody>
+          <a:bodyPr>
+            <a:normAutofit/>
+          </a:bodyPr>
+          <a:lstStyle/>
+          <a:p>
+            <a:r>
+              <a:rPr lang="en-US" sz="1800" dirty="0"/>
+              <a:t>Error Yaw rate is fed into the controller.</a:t>
+            </a:r>
+          </a:p>
+          <a:p>
+            <a:endParaRPr lang="en-US" sz="1800" dirty="0"/>
+          </a:p>
+          <a:p>
+            <a:endParaRPr lang="en-US" sz="1800" dirty="0"/>
+          </a:p>
+          <a:p>
+            <a:endParaRPr lang="en-US" sz="1800" dirty="0"/>
+          </a:p>
+          <a:p>
+            <a:endParaRPr lang="en-US" sz="1800" dirty="0"/>
+          </a:p>
+          <a:p>
+            <a:pPr marL="114300" indent="0">
+              <a:buNone/>
+            </a:pPr>
+            <a:endParaRPr lang="en-US" sz="1800" dirty="0"/>
+          </a:p>
+          <a:p>
+            <a:r>
+              <a:rPr lang="en-US" sz="1800" dirty="0"/>
+              <a:t>LQR controller is designed considering the control input dM</a:t>
+            </a:r>
+            <a:r>
+              <a:rPr lang="en-US" sz="1800" baseline="-25000" dirty="0"/>
+              <a:t>Z</a:t>
+            </a:r>
+          </a:p>
+          <a:p>
+            <a:pPr marL="114300" indent="0">
+              <a:buNone/>
+            </a:pPr>
+            <a:r>
+              <a:rPr lang="en-US" sz="1800" baseline="-25000" dirty="0"/>
+              <a:t> </a:t>
+            </a:r>
+            <a:endParaRPr lang="en-US" sz="1800" dirty="0"/>
+          </a:p>
+        </p:txBody>
+      </p:sp>
+      <p:pic>
+        <p:nvPicPr>
+          <p:cNvPr id="8" name="Picture 7" descr="Diagram&#10;&#10;Description automatically generated">
+            <a:extLst>
+              <a:ext uri="{FF2B5EF4-FFF2-40B4-BE49-F238E27FC236}">
+                <a16:creationId xmlns:a16="http://schemas.microsoft.com/office/drawing/2014/main" id="{3832A9C4-47CF-318A-EC15-0979EF26ECC8}"/>
+              </a:ext>
+            </a:extLst>
+          </p:cNvPr>
+          <p:cNvPicPr>
+            <a:picLocks noChangeAspect="1"/>
+          </p:cNvPicPr>
+          <p:nvPr/>
+        </p:nvPicPr>
+        <p:blipFill>
+          <a:blip r:embed="rId3"/>
+          <a:stretch>
+            <a:fillRect/>
+          </a:stretch>
+        </p:blipFill>
         <p:spPr>
           <a:xfrm>
-            <a:off x="698499" y="718513"/>
-            <a:ext cx="10798200" cy="5229900"/>
+            <a:off x="1752600" y="2158335"/>
+            <a:ext cx="4068097" cy="1864544"/>
           </a:xfrm>
           <a:prstGeom prst="rect">
             <a:avLst/>
           </a:prstGeom>
         </p:spPr>
+      </p:pic>
+      <p:sp>
+        <p:nvSpPr>
+          <p:cNvPr id="14" name="TextBox 13">
+            <a:extLst>
+              <a:ext uri="{FF2B5EF4-FFF2-40B4-BE49-F238E27FC236}">
+                <a16:creationId xmlns:a16="http://schemas.microsoft.com/office/drawing/2014/main" id="{9CB66D6A-E16F-6A3B-3890-38FF96EDCCED}"/>
+              </a:ext>
+            </a:extLst>
+          </p:cNvPr>
+          <p:cNvSpPr txBox="1"/>
+          <p:nvPr/>
+        </p:nvSpPr>
+        <p:spPr>
+          <a:xfrm>
+            <a:off x="2487561" y="4708010"/>
+            <a:ext cx="2762865" cy="400110"/>
+          </a:xfrm>
+          <a:prstGeom prst="rect">
+            <a:avLst/>
+          </a:prstGeom>
+          <a:noFill/>
+        </p:spPr>
         <p:txBody>
-          <a:bodyPr spcFirstLastPara="1" wrap="square" lIns="0" tIns="0" rIns="0" bIns="0" anchor="ctr" anchorCtr="0">
-            <a:noAutofit/>
+          <a:bodyPr wrap="square">
+            <a:spAutoFit/>
           </a:bodyPr>
           <a:lstStyle/>
           <a:p>
-            <a:pPr marL="0" lvl="0" indent="0" algn="ctr" rtl="0">
-              <a:spcBef>
-                <a:spcPts val="1200"/>
-              </a:spcBef>
-              <a:spcAft>
-                <a:spcPts val="0"/>
-              </a:spcAft>
-              <a:buNone/>
-            </a:pPr>
             <a:r>
-              <a:rPr lang="nl-NL" dirty="0"/>
-              <a:t>Vehicle Validation Model</a:t>
+              <a:rPr lang="pl-PL" sz="2000" b="0" i="0" dirty="0">
+                <a:effectLst/>
+                <a:latin typeface="Arial" panose="020B0604020202020204" pitchFamily="34" charset="0"/>
+              </a:rPr>
+              <a:t>M</a:t>
             </a:r>
-            <a:endParaRPr dirty="0"/>
+            <a:r>
+              <a:rPr lang="pl-PL" sz="2000" b="0" i="0" baseline="-25000" dirty="0">
+                <a:effectLst/>
+                <a:latin typeface="Arial" panose="020B0604020202020204" pitchFamily="34" charset="0"/>
+              </a:rPr>
+              <a:t>z</a:t>
+            </a:r>
+            <a:r>
+              <a:rPr lang="pl-PL" sz="2000" b="0" i="0" dirty="0">
+                <a:effectLst/>
+                <a:latin typeface="Arial" panose="020B0604020202020204" pitchFamily="34" charset="0"/>
+              </a:rPr>
+              <a:t> = K</a:t>
+            </a:r>
+            <a:r>
+              <a:rPr lang="pl-PL" sz="2000" b="0" i="0" baseline="-25000" dirty="0">
+                <a:effectLst/>
+                <a:latin typeface="Arial" panose="020B0604020202020204" pitchFamily="34" charset="0"/>
+              </a:rPr>
+              <a:t>lqr</a:t>
+            </a:r>
+            <a:r>
+              <a:rPr lang="pl-PL" sz="2000" b="0" i="0" dirty="0">
+                <a:effectLst/>
+                <a:latin typeface="Arial" panose="020B0604020202020204" pitchFamily="34" charset="0"/>
+              </a:rPr>
+              <a:t> (u)(r</a:t>
+            </a:r>
+            <a:r>
+              <a:rPr lang="pl-PL" sz="2000" b="0" i="0" baseline="-25000" dirty="0">
+                <a:effectLst/>
+                <a:latin typeface="Arial" panose="020B0604020202020204" pitchFamily="34" charset="0"/>
+              </a:rPr>
+              <a:t>d,ref </a:t>
+            </a:r>
+            <a:r>
+              <a:rPr lang="pl-PL" sz="2000" b="0" i="0" dirty="0">
+                <a:effectLst/>
+                <a:latin typeface="Arial" panose="020B0604020202020204" pitchFamily="34" charset="0"/>
+              </a:rPr>
+              <a:t>− r)</a:t>
+            </a:r>
+            <a:endParaRPr lang="en-US" sz="2000" dirty="0"/>
           </a:p>
         </p:txBody>
       </p:sp>
     </p:spTree>
+    <p:extLst>
+      <p:ext uri="{BB962C8B-B14F-4D97-AF65-F5344CB8AC3E}">
+        <p14:creationId xmlns:p14="http://schemas.microsoft.com/office/powerpoint/2010/main" val="1360268478"/>
+      </p:ext>
+    </p:extLst>
   </p:cSld>
   <p:clrMapOvr>
     <a:masterClrMapping/>

--- a/GP/Group5_GP/Group Presentation.pptx
+++ b/GP/Group5_GP/Group Presentation.pptx
@@ -8146,7 +8146,7 @@
         <p:fade/>
       </p:transition>
     </mc:Choice>
-    <mc:Fallback xmlns:ahyp="http://schemas.microsoft.com/office/drawing/2018/hyperlinkcolor" xmlns:p15="http://schemas.microsoft.com/office/powerpoint/2012/main" xmlns:com="http://schemas.openxmlformats.org/drawingml/2006/compatibility" xmlns:pvml="urn:schemas-microsoft-com:office:powerpoint" xmlns:v="urn:schemas-microsoft-com:vml" xmlns:o="urn:schemas-microsoft-com:office:office" xmlns:dgm="http://schemas.openxmlformats.org/drawingml/2006/diagram" xmlns:c="http://schemas.openxmlformats.org/drawingml/2006/chart" xmlns:mv="urn:schemas-microsoft-com:mac:vml" xmlns="">
+    <mc:Fallback xmlns="" xmlns:mv="urn:schemas-microsoft-com:mac:vml" xmlns:c="http://schemas.openxmlformats.org/drawingml/2006/chart" xmlns:dgm="http://schemas.openxmlformats.org/drawingml/2006/diagram" xmlns:o="urn:schemas-microsoft-com:office:office" xmlns:v="urn:schemas-microsoft-com:vml" xmlns:pvml="urn:schemas-microsoft-com:office:powerpoint" xmlns:com="http://schemas.openxmlformats.org/drawingml/2006/compatibility" xmlns:p15="http://schemas.microsoft.com/office/powerpoint/2012/main" xmlns:ahyp="http://schemas.microsoft.com/office/drawing/2018/hyperlinkcolor">
       <p:transition spd="slow">
         <p:fade/>
       </p:transition>
@@ -24918,7 +24918,7 @@
         <p:fade/>
       </p:transition>
     </mc:Choice>
-    <mc:Fallback xmlns:ahyp="http://schemas.microsoft.com/office/drawing/2018/hyperlinkcolor" xmlns:p15="http://schemas.microsoft.com/office/powerpoint/2012/main" xmlns:com="http://schemas.openxmlformats.org/drawingml/2006/compatibility" xmlns:pvml="urn:schemas-microsoft-com:office:powerpoint" xmlns:v="urn:schemas-microsoft-com:vml" xmlns:o="urn:schemas-microsoft-com:office:office" xmlns:dgm="http://schemas.openxmlformats.org/drawingml/2006/diagram" xmlns:c="http://schemas.openxmlformats.org/drawingml/2006/chart" xmlns:mv="urn:schemas-microsoft-com:mac:vml" xmlns="">
+    <mc:Fallback xmlns="" xmlns:mv="urn:schemas-microsoft-com:mac:vml" xmlns:c="http://schemas.openxmlformats.org/drawingml/2006/chart" xmlns:dgm="http://schemas.openxmlformats.org/drawingml/2006/diagram" xmlns:o="urn:schemas-microsoft-com:office:office" xmlns:v="urn:schemas-microsoft-com:vml" xmlns:pvml="urn:schemas-microsoft-com:office:powerpoint" xmlns:com="http://schemas.openxmlformats.org/drawingml/2006/compatibility" xmlns:p15="http://schemas.microsoft.com/office/powerpoint/2012/main" xmlns:ahyp="http://schemas.microsoft.com/office/drawing/2018/hyperlinkcolor">
       <p:transition spd="slow">
         <p:fade/>
       </p:transition>
@@ -45763,6 +45763,11 @@
                 <a:endParaRPr lang="en-US" sz="1800" baseline="-25000" dirty="0"/>
               </a:p>
               <a:p>
+                <a:endParaRPr lang="en-US" sz="2000" dirty="0">
+                  <a:latin typeface="Arial" panose="020B0604020202020204" pitchFamily="34" charset="0"/>
+                </a:endParaRPr>
+              </a:p>
+              <a:p>
                 <a:r>
                   <a:rPr lang="en-US" sz="2000" dirty="0">
                     <a:latin typeface="Arial" panose="020B0604020202020204" pitchFamily="34" charset="0"/>
@@ -45930,8 +45935,8 @@
           </a:p>
         </p:txBody>
       </p:sp>
-      <mc:AlternateContent xmlns:mc="http://schemas.openxmlformats.org/markup-compatibility/2006">
-        <mc:Choice xmlns:a14="http://schemas.microsoft.com/office/drawing/2010/main" Requires="a14">
+      <mc:AlternateContent xmlns:mc="http://schemas.openxmlformats.org/markup-compatibility/2006" xmlns:a14="http://schemas.microsoft.com/office/drawing/2010/main">
+        <mc:Choice Requires="a14">
           <p:sp>
             <p:nvSpPr>
               <p:cNvPr id="5" name="Text Placeholder 4">
@@ -46433,7 +46438,7 @@
             </p:txBody>
           </p:sp>
         </mc:Choice>
-        <mc:Fallback>
+        <mc:Fallback xmlns="">
           <p:sp>
             <p:nvSpPr>
               <p:cNvPr id="5" name="Text Placeholder 4">
@@ -46954,6 +46959,358 @@
       </p:grpSpPr>
       <p:sp>
         <p:nvSpPr>
+          <p:cNvPr id="5" name="Google Shape;605;p26">
+            <a:extLst>
+              <a:ext uri="{FF2B5EF4-FFF2-40B4-BE49-F238E27FC236}">
+                <a16:creationId xmlns:a16="http://schemas.microsoft.com/office/drawing/2014/main" id="{8423F66B-86FB-71B1-CEB3-00B11EC07B4F}"/>
+              </a:ext>
+            </a:extLst>
+          </p:cNvPr>
+          <p:cNvSpPr txBox="1">
+            <a:spLocks/>
+          </p:cNvSpPr>
+          <p:nvPr/>
+        </p:nvSpPr>
+        <p:spPr>
+          <a:xfrm>
+            <a:off x="457295" y="1606425"/>
+            <a:ext cx="7142100" cy="4356600"/>
+          </a:xfrm>
+          <a:prstGeom prst="rect">
+            <a:avLst/>
+          </a:prstGeom>
+          <a:noFill/>
+          <a:ln>
+            <a:noFill/>
+          </a:ln>
+        </p:spPr>
+        <p:txBody>
+          <a:bodyPr spcFirstLastPara="1" wrap="square" lIns="0" tIns="0" rIns="0" bIns="0" anchor="t" anchorCtr="0">
+            <a:normAutofit/>
+          </a:bodyPr>
+          <a:lstStyle>
+            <a:defPPr marR="0" lvl="0" algn="l" rtl="0">
+              <a:lnSpc>
+                <a:spcPct val="100000"/>
+              </a:lnSpc>
+              <a:spcBef>
+                <a:spcPts val="0"/>
+              </a:spcBef>
+              <a:spcAft>
+                <a:spcPts val="0"/>
+              </a:spcAft>
+            </a:defPPr>
+            <a:lvl1pPr marL="457200" marR="0" lvl="0" indent="-342900" algn="l" rtl="0">
+              <a:lnSpc>
+                <a:spcPct val="90000"/>
+              </a:lnSpc>
+              <a:spcBef>
+                <a:spcPts val="1200"/>
+              </a:spcBef>
+              <a:spcAft>
+                <a:spcPts val="0"/>
+              </a:spcAft>
+              <a:buClr>
+                <a:schemeClr val="accent1"/>
+              </a:buClr>
+              <a:buSzPts val="1800"/>
+              <a:buFont typeface="Arial"/>
+              <a:buChar char="▪"/>
+              <a:defRPr sz="1600" b="0" i="0" u="none" strike="noStrike" cap="none">
+                <a:solidFill>
+                  <a:srgbClr val="000000"/>
+                </a:solidFill>
+                <a:latin typeface="Arial"/>
+                <a:ea typeface="Arial"/>
+                <a:cs typeface="Arial"/>
+                <a:sym typeface="Arial"/>
+              </a:defRPr>
+            </a:lvl1pPr>
+            <a:lvl2pPr marL="914400" marR="0" lvl="1" indent="-342900" algn="l" rtl="0">
+              <a:lnSpc>
+                <a:spcPct val="90000"/>
+              </a:lnSpc>
+              <a:spcBef>
+                <a:spcPts val="1200"/>
+              </a:spcBef>
+              <a:spcAft>
+                <a:spcPts val="0"/>
+              </a:spcAft>
+              <a:buClr>
+                <a:schemeClr val="accent1"/>
+              </a:buClr>
+              <a:buSzPts val="1800"/>
+              <a:buFont typeface="Arial"/>
+              <a:buChar char="▪"/>
+              <a:defRPr sz="1600" b="0" i="0" u="none" strike="noStrike" cap="none">
+                <a:solidFill>
+                  <a:srgbClr val="000000"/>
+                </a:solidFill>
+                <a:latin typeface="Arial"/>
+                <a:ea typeface="Arial"/>
+                <a:cs typeface="Arial"/>
+                <a:sym typeface="Arial"/>
+              </a:defRPr>
+            </a:lvl2pPr>
+            <a:lvl3pPr marL="1371600" marR="0" lvl="2" indent="-228600" algn="l" rtl="0">
+              <a:lnSpc>
+                <a:spcPct val="90000"/>
+              </a:lnSpc>
+              <a:spcBef>
+                <a:spcPts val="1200"/>
+              </a:spcBef>
+              <a:spcAft>
+                <a:spcPts val="0"/>
+              </a:spcAft>
+              <a:buClr>
+                <a:schemeClr val="accent1"/>
+              </a:buClr>
+              <a:buSzPts val="1800"/>
+              <a:buFont typeface="Noto Sans Symbols"/>
+              <a:buNone/>
+              <a:defRPr sz="1600" b="0" i="0" u="none" strike="noStrike" cap="none">
+                <a:solidFill>
+                  <a:srgbClr val="000000"/>
+                </a:solidFill>
+                <a:latin typeface="Arial"/>
+                <a:ea typeface="Arial"/>
+                <a:cs typeface="Arial"/>
+                <a:sym typeface="Arial"/>
+              </a:defRPr>
+            </a:lvl3pPr>
+            <a:lvl4pPr marL="1828800" marR="0" lvl="3" indent="-228600" algn="l" rtl="0">
+              <a:lnSpc>
+                <a:spcPct val="90000"/>
+              </a:lnSpc>
+              <a:spcBef>
+                <a:spcPts val="1200"/>
+              </a:spcBef>
+              <a:spcAft>
+                <a:spcPts val="0"/>
+              </a:spcAft>
+              <a:buClr>
+                <a:schemeClr val="accent1"/>
+              </a:buClr>
+              <a:buSzPts val="1800"/>
+              <a:buFont typeface="Noto Sans Symbols"/>
+              <a:buNone/>
+              <a:defRPr sz="1600" b="0" i="0" u="none" strike="noStrike" cap="none">
+                <a:solidFill>
+                  <a:srgbClr val="000000"/>
+                </a:solidFill>
+                <a:latin typeface="Arial"/>
+                <a:ea typeface="Arial"/>
+                <a:cs typeface="Arial"/>
+                <a:sym typeface="Arial"/>
+              </a:defRPr>
+            </a:lvl4pPr>
+            <a:lvl5pPr marL="2286000" marR="0" lvl="4" indent="-342900" algn="l" rtl="0">
+              <a:lnSpc>
+                <a:spcPct val="90000"/>
+              </a:lnSpc>
+              <a:spcBef>
+                <a:spcPts val="1200"/>
+              </a:spcBef>
+              <a:spcAft>
+                <a:spcPts val="0"/>
+              </a:spcAft>
+              <a:buClr>
+                <a:schemeClr val="accent1"/>
+              </a:buClr>
+              <a:buSzPts val="1800"/>
+              <a:buFont typeface="Noto Sans Symbols"/>
+              <a:buAutoNum type="arabicPeriod"/>
+              <a:defRPr sz="1600" b="0" i="0" u="none" strike="noStrike" cap="none">
+                <a:solidFill>
+                  <a:srgbClr val="000000"/>
+                </a:solidFill>
+                <a:latin typeface="Arial"/>
+                <a:ea typeface="Arial"/>
+                <a:cs typeface="Arial"/>
+                <a:sym typeface="Arial"/>
+              </a:defRPr>
+            </a:lvl5pPr>
+            <a:lvl6pPr marL="2743200" marR="0" lvl="5" indent="-342900" algn="l" rtl="0">
+              <a:lnSpc>
+                <a:spcPct val="90000"/>
+              </a:lnSpc>
+              <a:spcBef>
+                <a:spcPts val="1200"/>
+              </a:spcBef>
+              <a:spcAft>
+                <a:spcPts val="0"/>
+              </a:spcAft>
+              <a:buClr>
+                <a:schemeClr val="accent1"/>
+              </a:buClr>
+              <a:buSzPts val="1800"/>
+              <a:buFont typeface="Noto Sans Symbols"/>
+              <a:buAutoNum type="alphaLcPeriod"/>
+              <a:defRPr sz="1600" b="0" i="0" u="none" strike="noStrike" cap="none">
+                <a:solidFill>
+                  <a:srgbClr val="000000"/>
+                </a:solidFill>
+                <a:latin typeface="Arial"/>
+                <a:ea typeface="Arial"/>
+                <a:cs typeface="Arial"/>
+                <a:sym typeface="Arial"/>
+              </a:defRPr>
+            </a:lvl6pPr>
+            <a:lvl7pPr marL="3200400" marR="0" lvl="6" indent="-342900" algn="l" rtl="0">
+              <a:lnSpc>
+                <a:spcPct val="90000"/>
+              </a:lnSpc>
+              <a:spcBef>
+                <a:spcPts val="1200"/>
+              </a:spcBef>
+              <a:spcAft>
+                <a:spcPts val="0"/>
+              </a:spcAft>
+              <a:buClr>
+                <a:schemeClr val="accent1"/>
+              </a:buClr>
+              <a:buSzPts val="1800"/>
+              <a:buFont typeface="Arial"/>
+              <a:buChar char="▪"/>
+              <a:defRPr sz="1600" b="0" i="0" u="none" strike="noStrike" cap="none">
+                <a:solidFill>
+                  <a:srgbClr val="000000"/>
+                </a:solidFill>
+                <a:latin typeface="Arial"/>
+                <a:ea typeface="Arial"/>
+                <a:cs typeface="Arial"/>
+                <a:sym typeface="Arial"/>
+              </a:defRPr>
+            </a:lvl7pPr>
+            <a:lvl8pPr marL="3657600" marR="0" lvl="7" indent="-228600" algn="l" rtl="0">
+              <a:lnSpc>
+                <a:spcPct val="90000"/>
+              </a:lnSpc>
+              <a:spcBef>
+                <a:spcPts val="1200"/>
+              </a:spcBef>
+              <a:spcAft>
+                <a:spcPts val="0"/>
+              </a:spcAft>
+              <a:buClr>
+                <a:schemeClr val="accent1"/>
+              </a:buClr>
+              <a:buSzPts val="1800"/>
+              <a:buFont typeface="Noto Sans Symbols"/>
+              <a:buNone/>
+              <a:defRPr sz="1600" b="0" i="0" u="none" strike="noStrike" cap="none">
+                <a:solidFill>
+                  <a:srgbClr val="000000"/>
+                </a:solidFill>
+                <a:latin typeface="Arial"/>
+                <a:ea typeface="Arial"/>
+                <a:cs typeface="Arial"/>
+                <a:sym typeface="Arial"/>
+              </a:defRPr>
+            </a:lvl8pPr>
+            <a:lvl9pPr marL="4114800" marR="0" lvl="8" indent="-228600" algn="l" rtl="0">
+              <a:lnSpc>
+                <a:spcPct val="90000"/>
+              </a:lnSpc>
+              <a:spcBef>
+                <a:spcPts val="1200"/>
+              </a:spcBef>
+              <a:spcAft>
+                <a:spcPts val="0"/>
+              </a:spcAft>
+              <a:buClr>
+                <a:schemeClr val="accent1"/>
+              </a:buClr>
+              <a:buSzPts val="1800"/>
+              <a:buFont typeface="Noto Sans Symbols"/>
+              <a:buNone/>
+              <a:defRPr sz="1600" b="0" i="0" u="none" strike="noStrike" cap="none">
+                <a:solidFill>
+                  <a:srgbClr val="000000"/>
+                </a:solidFill>
+                <a:latin typeface="Arial"/>
+                <a:ea typeface="Arial"/>
+                <a:cs typeface="Arial"/>
+                <a:sym typeface="Arial"/>
+              </a:defRPr>
+            </a:lvl9pPr>
+          </a:lstStyle>
+          <a:p>
+            <a:pPr marL="263525" indent="-288925">
+              <a:buSzPts val="2000"/>
+            </a:pPr>
+            <a:r>
+              <a:rPr lang="en-US" sz="2000" dirty="0">
+                <a:solidFill>
+                  <a:schemeClr val="dk1"/>
+                </a:solidFill>
+              </a:rPr>
+              <a:t>Linear Bicycle model :</a:t>
+            </a:r>
+            <a:endParaRPr lang="en-US" sz="1800" dirty="0">
+              <a:solidFill>
+                <a:schemeClr val="dk1"/>
+              </a:solidFill>
+            </a:endParaRPr>
+          </a:p>
+          <a:p>
+            <a:pPr marL="0" indent="0">
+              <a:buFont typeface="Arial"/>
+              <a:buNone/>
+            </a:pPr>
+            <a:endParaRPr lang="en-US" dirty="0">
+              <a:solidFill>
+                <a:schemeClr val="dk1"/>
+              </a:solidFill>
+            </a:endParaRPr>
+          </a:p>
+          <a:p>
+            <a:pPr marL="538162" lvl="1" indent="-173038">
+              <a:buSzPts val="1600"/>
+              <a:buFont typeface="Arial"/>
+              <a:buNone/>
+            </a:pPr>
+            <a:endParaRPr lang="en-US" dirty="0"/>
+          </a:p>
+          <a:p>
+            <a:pPr marL="0" lvl="7" indent="0">
+              <a:buSzPts val="1600"/>
+            </a:pPr>
+            <a:endParaRPr lang="en-US" dirty="0"/>
+          </a:p>
+        </p:txBody>
+      </p:sp>
+      <p:pic>
+        <p:nvPicPr>
+          <p:cNvPr id="10" name="Picture 9">
+            <a:extLst>
+              <a:ext uri="{FF2B5EF4-FFF2-40B4-BE49-F238E27FC236}">
+                <a16:creationId xmlns:a16="http://schemas.microsoft.com/office/drawing/2014/main" id="{F3B77788-EEDF-07F5-F1F5-001F12A242FA}"/>
+              </a:ext>
+            </a:extLst>
+          </p:cNvPr>
+          <p:cNvPicPr>
+            <a:picLocks noChangeAspect="1"/>
+          </p:cNvPicPr>
+          <p:nvPr/>
+        </p:nvPicPr>
+        <p:blipFill rotWithShape="1">
+          <a:blip r:embed="rId3"/>
+          <a:srcRect b="30781"/>
+          <a:stretch/>
+        </p:blipFill>
+        <p:spPr>
+          <a:xfrm>
+            <a:off x="639732" y="2089997"/>
+            <a:ext cx="3210006" cy="1213274"/>
+          </a:xfrm>
+          <a:prstGeom prst="rect">
+            <a:avLst/>
+          </a:prstGeom>
+        </p:spPr>
+      </p:pic>
+      <p:sp>
+        <p:nvSpPr>
           <p:cNvPr id="708" name="Google Shape;708;p40"/>
           <p:cNvSpPr txBox="1">
             <a:spLocks noGrp="1"/>
@@ -47183,329 +47540,175 @@
           </a:p>
         </p:txBody>
       </p:sp>
-      <p:sp>
-        <p:nvSpPr>
-          <p:cNvPr id="5" name="Google Shape;605;p26">
+      <p:pic>
+        <p:nvPicPr>
+          <p:cNvPr id="3" name="Picture 2">
             <a:extLst>
               <a:ext uri="{FF2B5EF4-FFF2-40B4-BE49-F238E27FC236}">
-                <a16:creationId xmlns:a16="http://schemas.microsoft.com/office/drawing/2014/main" id="{8423F66B-86FB-71B1-CEB3-00B11EC07B4F}"/>
+                <a16:creationId xmlns:a16="http://schemas.microsoft.com/office/drawing/2014/main" id="{64F96293-916E-1145-298B-FEF5D0C70503}"/>
               </a:ext>
             </a:extLst>
           </p:cNvPr>
-          <p:cNvSpPr txBox="1">
-            <a:spLocks/>
-          </p:cNvSpPr>
+          <p:cNvPicPr>
+            <a:picLocks noChangeAspect="1"/>
+          </p:cNvPicPr>
           <p:nvPr/>
-        </p:nvSpPr>
+        </p:nvPicPr>
+        <p:blipFill rotWithShape="1">
+          <a:blip r:embed="rId4"/>
+          <a:srcRect l="290" t="2131" r="1"/>
+          <a:stretch/>
+        </p:blipFill>
         <p:spPr>
           <a:xfrm>
-            <a:off x="516250" y="1606425"/>
-            <a:ext cx="7142100" cy="4356600"/>
+            <a:off x="34978" y="3554729"/>
+            <a:ext cx="4422373" cy="2215103"/>
           </a:xfrm>
           <a:prstGeom prst="rect">
             <a:avLst/>
           </a:prstGeom>
-          <a:noFill/>
-          <a:ln>
-            <a:noFill/>
-          </a:ln>
         </p:spPr>
-        <p:txBody>
-          <a:bodyPr spcFirstLastPara="1" wrap="square" lIns="0" tIns="0" rIns="0" bIns="0" anchor="t" anchorCtr="0">
-            <a:normAutofit/>
-          </a:bodyPr>
-          <a:lstStyle>
-            <a:defPPr marR="0" lvl="0" algn="l" rtl="0">
-              <a:lnSpc>
-                <a:spcPct val="100000"/>
-              </a:lnSpc>
-              <a:spcBef>
-                <a:spcPts val="0"/>
-              </a:spcBef>
-              <a:spcAft>
-                <a:spcPts val="0"/>
-              </a:spcAft>
-            </a:defPPr>
-            <a:lvl1pPr marL="457200" marR="0" lvl="0" indent="-342900" algn="l" rtl="0">
-              <a:lnSpc>
-                <a:spcPct val="90000"/>
-              </a:lnSpc>
-              <a:spcBef>
-                <a:spcPts val="1200"/>
-              </a:spcBef>
-              <a:spcAft>
-                <a:spcPts val="0"/>
-              </a:spcAft>
-              <a:buClr>
-                <a:schemeClr val="accent1"/>
-              </a:buClr>
-              <a:buSzPts val="1800"/>
-              <a:buFont typeface="Arial"/>
-              <a:buChar char="▪"/>
-              <a:defRPr sz="1600" b="0" i="0" u="none" strike="noStrike" cap="none">
-                <a:solidFill>
-                  <a:srgbClr val="000000"/>
-                </a:solidFill>
-                <a:latin typeface="Arial"/>
-                <a:ea typeface="Arial"/>
-                <a:cs typeface="Arial"/>
-                <a:sym typeface="Arial"/>
-              </a:defRPr>
-            </a:lvl1pPr>
-            <a:lvl2pPr marL="914400" marR="0" lvl="1" indent="-342900" algn="l" rtl="0">
-              <a:lnSpc>
-                <a:spcPct val="90000"/>
-              </a:lnSpc>
-              <a:spcBef>
-                <a:spcPts val="1200"/>
-              </a:spcBef>
-              <a:spcAft>
-                <a:spcPts val="0"/>
-              </a:spcAft>
-              <a:buClr>
-                <a:schemeClr val="accent1"/>
-              </a:buClr>
-              <a:buSzPts val="1800"/>
-              <a:buFont typeface="Arial"/>
-              <a:buChar char="▪"/>
-              <a:defRPr sz="1600" b="0" i="0" u="none" strike="noStrike" cap="none">
-                <a:solidFill>
-                  <a:srgbClr val="000000"/>
-                </a:solidFill>
-                <a:latin typeface="Arial"/>
-                <a:ea typeface="Arial"/>
-                <a:cs typeface="Arial"/>
-                <a:sym typeface="Arial"/>
-              </a:defRPr>
-            </a:lvl2pPr>
-            <a:lvl3pPr marL="1371600" marR="0" lvl="2" indent="-228600" algn="l" rtl="0">
-              <a:lnSpc>
-                <a:spcPct val="90000"/>
-              </a:lnSpc>
-              <a:spcBef>
-                <a:spcPts val="1200"/>
-              </a:spcBef>
-              <a:spcAft>
-                <a:spcPts val="0"/>
-              </a:spcAft>
-              <a:buClr>
-                <a:schemeClr val="accent1"/>
-              </a:buClr>
-              <a:buSzPts val="1800"/>
-              <a:buFont typeface="Noto Sans Symbols"/>
-              <a:buNone/>
-              <a:defRPr sz="1600" b="0" i="0" u="none" strike="noStrike" cap="none">
-                <a:solidFill>
-                  <a:srgbClr val="000000"/>
-                </a:solidFill>
-                <a:latin typeface="Arial"/>
-                <a:ea typeface="Arial"/>
-                <a:cs typeface="Arial"/>
-                <a:sym typeface="Arial"/>
-              </a:defRPr>
-            </a:lvl3pPr>
-            <a:lvl4pPr marL="1828800" marR="0" lvl="3" indent="-228600" algn="l" rtl="0">
-              <a:lnSpc>
-                <a:spcPct val="90000"/>
-              </a:lnSpc>
-              <a:spcBef>
-                <a:spcPts val="1200"/>
-              </a:spcBef>
-              <a:spcAft>
-                <a:spcPts val="0"/>
-              </a:spcAft>
-              <a:buClr>
-                <a:schemeClr val="accent1"/>
-              </a:buClr>
-              <a:buSzPts val="1800"/>
-              <a:buFont typeface="Noto Sans Symbols"/>
-              <a:buNone/>
-              <a:defRPr sz="1600" b="0" i="0" u="none" strike="noStrike" cap="none">
-                <a:solidFill>
-                  <a:srgbClr val="000000"/>
-                </a:solidFill>
-                <a:latin typeface="Arial"/>
-                <a:ea typeface="Arial"/>
-                <a:cs typeface="Arial"/>
-                <a:sym typeface="Arial"/>
-              </a:defRPr>
-            </a:lvl4pPr>
-            <a:lvl5pPr marL="2286000" marR="0" lvl="4" indent="-342900" algn="l" rtl="0">
-              <a:lnSpc>
-                <a:spcPct val="90000"/>
-              </a:lnSpc>
-              <a:spcBef>
-                <a:spcPts val="1200"/>
-              </a:spcBef>
-              <a:spcAft>
-                <a:spcPts val="0"/>
-              </a:spcAft>
-              <a:buClr>
-                <a:schemeClr val="accent1"/>
-              </a:buClr>
-              <a:buSzPts val="1800"/>
-              <a:buFont typeface="Noto Sans Symbols"/>
-              <a:buAutoNum type="arabicPeriod"/>
-              <a:defRPr sz="1600" b="0" i="0" u="none" strike="noStrike" cap="none">
-                <a:solidFill>
-                  <a:srgbClr val="000000"/>
-                </a:solidFill>
-                <a:latin typeface="Arial"/>
-                <a:ea typeface="Arial"/>
-                <a:cs typeface="Arial"/>
-                <a:sym typeface="Arial"/>
-              </a:defRPr>
-            </a:lvl5pPr>
-            <a:lvl6pPr marL="2743200" marR="0" lvl="5" indent="-342900" algn="l" rtl="0">
-              <a:lnSpc>
-                <a:spcPct val="90000"/>
-              </a:lnSpc>
-              <a:spcBef>
-                <a:spcPts val="1200"/>
-              </a:spcBef>
-              <a:spcAft>
-                <a:spcPts val="0"/>
-              </a:spcAft>
-              <a:buClr>
-                <a:schemeClr val="accent1"/>
-              </a:buClr>
-              <a:buSzPts val="1800"/>
-              <a:buFont typeface="Noto Sans Symbols"/>
-              <a:buAutoNum type="alphaLcPeriod"/>
-              <a:defRPr sz="1600" b="0" i="0" u="none" strike="noStrike" cap="none">
-                <a:solidFill>
-                  <a:srgbClr val="000000"/>
-                </a:solidFill>
-                <a:latin typeface="Arial"/>
-                <a:ea typeface="Arial"/>
-                <a:cs typeface="Arial"/>
-                <a:sym typeface="Arial"/>
-              </a:defRPr>
-            </a:lvl6pPr>
-            <a:lvl7pPr marL="3200400" marR="0" lvl="6" indent="-342900" algn="l" rtl="0">
-              <a:lnSpc>
-                <a:spcPct val="90000"/>
-              </a:lnSpc>
-              <a:spcBef>
-                <a:spcPts val="1200"/>
-              </a:spcBef>
-              <a:spcAft>
-                <a:spcPts val="0"/>
-              </a:spcAft>
-              <a:buClr>
-                <a:schemeClr val="accent1"/>
-              </a:buClr>
-              <a:buSzPts val="1800"/>
-              <a:buFont typeface="Arial"/>
-              <a:buChar char="▪"/>
-              <a:defRPr sz="1600" b="0" i="0" u="none" strike="noStrike" cap="none">
-                <a:solidFill>
-                  <a:srgbClr val="000000"/>
-                </a:solidFill>
-                <a:latin typeface="Arial"/>
-                <a:ea typeface="Arial"/>
-                <a:cs typeface="Arial"/>
-                <a:sym typeface="Arial"/>
-              </a:defRPr>
-            </a:lvl7pPr>
-            <a:lvl8pPr marL="3657600" marR="0" lvl="7" indent="-228600" algn="l" rtl="0">
-              <a:lnSpc>
-                <a:spcPct val="90000"/>
-              </a:lnSpc>
-              <a:spcBef>
-                <a:spcPts val="1200"/>
-              </a:spcBef>
-              <a:spcAft>
-                <a:spcPts val="0"/>
-              </a:spcAft>
-              <a:buClr>
-                <a:schemeClr val="accent1"/>
-              </a:buClr>
-              <a:buSzPts val="1800"/>
-              <a:buFont typeface="Noto Sans Symbols"/>
-              <a:buNone/>
-              <a:defRPr sz="1600" b="0" i="0" u="none" strike="noStrike" cap="none">
-                <a:solidFill>
-                  <a:srgbClr val="000000"/>
-                </a:solidFill>
-                <a:latin typeface="Arial"/>
-                <a:ea typeface="Arial"/>
-                <a:cs typeface="Arial"/>
-                <a:sym typeface="Arial"/>
-              </a:defRPr>
-            </a:lvl8pPr>
-            <a:lvl9pPr marL="4114800" marR="0" lvl="8" indent="-228600" algn="l" rtl="0">
-              <a:lnSpc>
-                <a:spcPct val="90000"/>
-              </a:lnSpc>
-              <a:spcBef>
-                <a:spcPts val="1200"/>
-              </a:spcBef>
-              <a:spcAft>
-                <a:spcPts val="0"/>
-              </a:spcAft>
-              <a:buClr>
-                <a:schemeClr val="accent1"/>
-              </a:buClr>
-              <a:buSzPts val="1800"/>
-              <a:buFont typeface="Noto Sans Symbols"/>
-              <a:buNone/>
-              <a:defRPr sz="1600" b="0" i="0" u="none" strike="noStrike" cap="none">
-                <a:solidFill>
-                  <a:srgbClr val="000000"/>
-                </a:solidFill>
-                <a:latin typeface="Arial"/>
-                <a:ea typeface="Arial"/>
-                <a:cs typeface="Arial"/>
-                <a:sym typeface="Arial"/>
-              </a:defRPr>
-            </a:lvl9pPr>
-          </a:lstStyle>
-          <a:p>
-            <a:pPr marL="263525" indent="-288925">
-              <a:buSzPts val="2000"/>
-            </a:pPr>
-            <a:r>
-              <a:rPr lang="en-US" sz="2000" b="1" dirty="0">
-                <a:solidFill>
-                  <a:schemeClr val="dk1"/>
-                </a:solidFill>
-              </a:rPr>
-              <a:t>Linear Bicycle model</a:t>
-            </a:r>
-            <a:endParaRPr lang="en-US" sz="1800" dirty="0">
-              <a:solidFill>
-                <a:schemeClr val="dk1"/>
-              </a:solidFill>
-            </a:endParaRPr>
-          </a:p>
-          <a:p>
-            <a:pPr marL="0" indent="0">
-              <a:buFont typeface="Arial"/>
-              <a:buNone/>
-            </a:pPr>
-            <a:endParaRPr lang="en-US" dirty="0">
-              <a:solidFill>
-                <a:schemeClr val="dk1"/>
-              </a:solidFill>
-            </a:endParaRPr>
-          </a:p>
-          <a:p>
-            <a:pPr marL="538162" lvl="1" indent="-173038">
-              <a:buSzPts val="1600"/>
-              <a:buFont typeface="Arial"/>
-              <a:buNone/>
-            </a:pPr>
-            <a:endParaRPr lang="en-US" dirty="0"/>
-          </a:p>
-          <a:p>
-            <a:pPr marL="0" lvl="7" indent="0">
-              <a:buSzPts val="1600"/>
-            </a:pPr>
-            <a:endParaRPr lang="en-US" dirty="0"/>
-          </a:p>
-        </p:txBody>
-      </p:sp>
+      </p:pic>
+      <p:pic>
+        <p:nvPicPr>
+          <p:cNvPr id="6" name="Picture 5">
+            <a:extLst>
+              <a:ext uri="{FF2B5EF4-FFF2-40B4-BE49-F238E27FC236}">
+                <a16:creationId xmlns:a16="http://schemas.microsoft.com/office/drawing/2014/main" id="{8583958C-C429-5582-AB79-9DC924DC6B9B}"/>
+              </a:ext>
+            </a:extLst>
+          </p:cNvPr>
+          <p:cNvPicPr>
+            <a:picLocks noChangeAspect="1"/>
+          </p:cNvPicPr>
+          <p:nvPr/>
+        </p:nvPicPr>
+        <p:blipFill rotWithShape="1">
+          <a:blip r:embed="rId5"/>
+          <a:srcRect l="469" t="2427" r="846" b="2026"/>
+          <a:stretch/>
+        </p:blipFill>
+        <p:spPr>
+          <a:xfrm>
+            <a:off x="4467527" y="3554729"/>
+            <a:ext cx="3267124" cy="1014952"/>
+          </a:xfrm>
+          <a:prstGeom prst="rect">
+            <a:avLst/>
+          </a:prstGeom>
+        </p:spPr>
+      </p:pic>
+      <p:pic>
+        <p:nvPicPr>
+          <p:cNvPr id="8" name="Picture 7">
+            <a:extLst>
+              <a:ext uri="{FF2B5EF4-FFF2-40B4-BE49-F238E27FC236}">
+                <a16:creationId xmlns:a16="http://schemas.microsoft.com/office/drawing/2014/main" id="{9CB3DEF5-497A-6F83-A91D-ED3C02CD158B}"/>
+              </a:ext>
+            </a:extLst>
+          </p:cNvPr>
+          <p:cNvPicPr>
+            <a:picLocks noChangeAspect="1"/>
+          </p:cNvPicPr>
+          <p:nvPr/>
+        </p:nvPicPr>
+        <p:blipFill>
+          <a:blip r:embed="rId6"/>
+          <a:stretch>
+            <a:fillRect/>
+          </a:stretch>
+        </p:blipFill>
+        <p:spPr>
+          <a:xfrm>
+            <a:off x="3322204" y="1780069"/>
+            <a:ext cx="2682472" cy="266723"/>
+          </a:xfrm>
+          <a:prstGeom prst="rect">
+            <a:avLst/>
+          </a:prstGeom>
+        </p:spPr>
+      </p:pic>
+      <p:grpSp>
+        <p:nvGrpSpPr>
+          <p:cNvPr id="15" name="Group 14">
+            <a:extLst>
+              <a:ext uri="{FF2B5EF4-FFF2-40B4-BE49-F238E27FC236}">
+                <a16:creationId xmlns:a16="http://schemas.microsoft.com/office/drawing/2014/main" id="{AB8FE72E-251F-F308-AB2F-F2DB87C60838}"/>
+              </a:ext>
+            </a:extLst>
+          </p:cNvPr>
+          <p:cNvGrpSpPr/>
+          <p:nvPr/>
+        </p:nvGrpSpPr>
+        <p:grpSpPr>
+          <a:xfrm>
+            <a:off x="4165918" y="2266598"/>
+            <a:ext cx="2719410" cy="654633"/>
+            <a:chOff x="4165918" y="2266598"/>
+            <a:chExt cx="2719410" cy="654633"/>
+          </a:xfrm>
+        </p:grpSpPr>
+        <p:pic>
+          <p:nvPicPr>
+            <p:cNvPr id="12" name="Picture 11">
+              <a:extLst>
+                <a:ext uri="{FF2B5EF4-FFF2-40B4-BE49-F238E27FC236}">
+                  <a16:creationId xmlns:a16="http://schemas.microsoft.com/office/drawing/2014/main" id="{67E87BE0-EB80-0E16-7196-CA219D0AD802}"/>
+                </a:ext>
+              </a:extLst>
+            </p:cNvPr>
+            <p:cNvPicPr>
+              <a:picLocks noChangeAspect="1"/>
+            </p:cNvPicPr>
+            <p:nvPr/>
+          </p:nvPicPr>
+          <p:blipFill>
+            <a:blip r:embed="rId7"/>
+            <a:stretch>
+              <a:fillRect/>
+            </a:stretch>
+          </p:blipFill>
+          <p:spPr>
+            <a:xfrm>
+              <a:off x="5509111" y="2266598"/>
+              <a:ext cx="1376217" cy="654633"/>
+            </a:xfrm>
+            <a:prstGeom prst="rect">
+              <a:avLst/>
+            </a:prstGeom>
+          </p:spPr>
+        </p:pic>
+        <p:pic>
+          <p:nvPicPr>
+            <p:cNvPr id="14" name="Picture 13">
+              <a:extLst>
+                <a:ext uri="{FF2B5EF4-FFF2-40B4-BE49-F238E27FC236}">
+                  <a16:creationId xmlns:a16="http://schemas.microsoft.com/office/drawing/2014/main" id="{0EFE0A95-EEF5-6FE3-19C7-79F49C3F3D06}"/>
+                </a:ext>
+              </a:extLst>
+            </p:cNvPr>
+            <p:cNvPicPr>
+              <a:picLocks noChangeAspect="1"/>
+            </p:cNvPicPr>
+            <p:nvPr/>
+          </p:nvPicPr>
+          <p:blipFill>
+            <a:blip r:embed="rId8"/>
+            <a:stretch>
+              <a:fillRect/>
+            </a:stretch>
+          </p:blipFill>
+          <p:spPr>
+            <a:xfrm>
+              <a:off x="4165918" y="2266598"/>
+              <a:ext cx="1258256" cy="654633"/>
+            </a:xfrm>
+            <a:prstGeom prst="rect">
+              <a:avLst/>
+            </a:prstGeom>
+          </p:spPr>
+        </p:pic>
+      </p:grpSp>
     </p:spTree>
   </p:cSld>
   <p:clrMapOvr>
@@ -47681,7 +47884,7 @@
             </a:pPr>
             <a:r>
               <a:rPr lang="nl-NL" sz="2976" dirty="0"/>
-              <a:t>Simulation and Results</a:t>
+              <a:t>Simulation test maneuvre</a:t>
             </a:r>
             <a:endParaRPr dirty="0"/>
           </a:p>
@@ -47706,7 +47909,7 @@
         <p:spPr>
           <a:xfrm>
             <a:off x="400575" y="1250700"/>
-            <a:ext cx="7366200" cy="4356600"/>
+            <a:ext cx="7140767" cy="4356600"/>
           </a:xfrm>
           <a:prstGeom prst="rect">
             <a:avLst/>
@@ -47722,63 +47925,48 @@
           </a:bodyPr>
           <a:lstStyle/>
           <a:p>
-            <a:pPr marL="0" lvl="0" indent="0" algn="l" rtl="0">
+            <a:pPr marL="285750" indent="-285750">
               <a:lnSpc>
                 <a:spcPct val="150000"/>
               </a:lnSpc>
-              <a:spcBef>
-                <a:spcPts val="1200"/>
-              </a:spcBef>
-              <a:spcAft>
-                <a:spcPts val="0"/>
-              </a:spcAft>
-              <a:buNone/>
             </a:pPr>
-            <a:endParaRPr sz="8000" dirty="0">
-              <a:solidFill>
-                <a:schemeClr val="dk1"/>
-              </a:solidFill>
-            </a:endParaRPr>
+            <a:r>
+              <a:rPr lang="en-US" sz="1800" dirty="0">
+                <a:solidFill>
+                  <a:schemeClr val="dk1"/>
+                </a:solidFill>
+              </a:rPr>
+              <a:t>Sine with Dwell test (ISO 19365:2016) is performed. </a:t>
+            </a:r>
           </a:p>
           <a:p>
-            <a:pPr marL="457200" lvl="0" indent="0" algn="l" rtl="0">
-              <a:lnSpc>
-                <a:spcPct val="115000"/>
-              </a:lnSpc>
-              <a:spcBef>
-                <a:spcPts val="1200"/>
-              </a:spcBef>
-              <a:spcAft>
-                <a:spcPts val="0"/>
-              </a:spcAft>
-              <a:buNone/>
+            <a:pPr marL="285750" indent="-285750">
+              <a:lnSpc>
+                <a:spcPct val="150000"/>
+              </a:lnSpc>
             </a:pPr>
-            <a:endParaRPr sz="1800" dirty="0">
-              <a:solidFill>
-                <a:schemeClr val="dk1"/>
-              </a:solidFill>
-              <a:latin typeface="Calibri"/>
-              <a:ea typeface="Calibri"/>
-              <a:cs typeface="Calibri"/>
-              <a:sym typeface="Calibri"/>
-            </a:endParaRPr>
+            <a:r>
+              <a:rPr lang="en-US" sz="1800" b="0" i="0" dirty="0">
+                <a:effectLst/>
+                <a:latin typeface="Arial" panose="020B0604020202020204" pitchFamily="34" charset="0"/>
+              </a:rPr>
+              <a:t>Sine with Dwell maneuver is the worst-case scenario test used to test vehicle stability.</a:t>
+            </a:r>
           </a:p>
           <a:p>
-            <a:pPr marL="538162" lvl="1" indent="-173038" algn="l" rtl="0">
-              <a:lnSpc>
-                <a:spcPct val="90000"/>
-              </a:lnSpc>
-              <a:spcBef>
-                <a:spcPts val="1200"/>
-              </a:spcBef>
-              <a:spcAft>
-                <a:spcPts val="0"/>
-              </a:spcAft>
-              <a:buSzPct val="100000"/>
-              <a:buFont typeface="Arial"/>
-              <a:buNone/>
+            <a:pPr marL="285750" indent="-285750">
+              <a:lnSpc>
+                <a:spcPct val="150000"/>
+              </a:lnSpc>
             </a:pPr>
-            <a:endParaRPr dirty="0"/>
+            <a:r>
+              <a:rPr lang="en-US" sz="1800" b="0" i="0" dirty="0">
+                <a:effectLst/>
+                <a:latin typeface="Arial" panose="020B0604020202020204" pitchFamily="34" charset="0"/>
+              </a:rPr>
+              <a:t>Reference longitudinal velocity is 100 kmph and friction coefficient is 1</a:t>
+            </a:r>
+            <a:endParaRPr sz="1800" dirty="0"/>
           </a:p>
           <a:p>
             <a:pPr marL="0" lvl="7" indent="0" algn="l" rtl="0">
@@ -47794,7 +47982,7 @@
               <a:buSzPct val="100000"/>
               <a:buNone/>
             </a:pPr>
-            <a:endParaRPr dirty="0"/>
+            <a:endParaRPr sz="1800" dirty="0"/>
           </a:p>
         </p:txBody>
       </p:sp>
@@ -49306,7 +49494,7 @@
         <p:fade/>
       </p:transition>
     </mc:Choice>
-    <mc:Fallback xmlns:ahyp="http://schemas.microsoft.com/office/drawing/2018/hyperlinkcolor" xmlns:p15="http://schemas.microsoft.com/office/powerpoint/2012/main" xmlns:com="http://schemas.openxmlformats.org/drawingml/2006/compatibility" xmlns:pvml="urn:schemas-microsoft-com:office:powerpoint" xmlns:v="urn:schemas-microsoft-com:vml" xmlns:o="urn:schemas-microsoft-com:office:office" xmlns:dgm="http://schemas.openxmlformats.org/drawingml/2006/diagram" xmlns:c="http://schemas.openxmlformats.org/drawingml/2006/chart" xmlns:mv="urn:schemas-microsoft-com:mac:vml" xmlns="">
+    <mc:Fallback xmlns="" xmlns:mv="urn:schemas-microsoft-com:mac:vml" xmlns:c="http://schemas.openxmlformats.org/drawingml/2006/chart" xmlns:dgm="http://schemas.openxmlformats.org/drawingml/2006/diagram" xmlns:o="urn:schemas-microsoft-com:office:office" xmlns:v="urn:schemas-microsoft-com:vml" xmlns:pvml="urn:schemas-microsoft-com:office:powerpoint" xmlns:com="http://schemas.openxmlformats.org/drawingml/2006/compatibility" xmlns:p15="http://schemas.microsoft.com/office/powerpoint/2012/main" xmlns:ahyp="http://schemas.microsoft.com/office/drawing/2018/hyperlinkcolor">
       <p:transition spd="slow">
         <p:fade/>
       </p:transition>
@@ -49522,7 +49710,7 @@
         <p:fade/>
       </p:transition>
     </mc:Choice>
-    <mc:Fallback xmlns:ahyp="http://schemas.microsoft.com/office/drawing/2018/hyperlinkcolor" xmlns:p15="http://schemas.microsoft.com/office/powerpoint/2012/main" xmlns:com="http://schemas.openxmlformats.org/drawingml/2006/compatibility" xmlns:pvml="urn:schemas-microsoft-com:office:powerpoint" xmlns:v="urn:schemas-microsoft-com:vml" xmlns:o="urn:schemas-microsoft-com:office:office" xmlns:dgm="http://schemas.openxmlformats.org/drawingml/2006/diagram" xmlns:c="http://schemas.openxmlformats.org/drawingml/2006/chart" xmlns:mv="urn:schemas-microsoft-com:mac:vml" xmlns="">
+    <mc:Fallback xmlns="" xmlns:mv="urn:schemas-microsoft-com:mac:vml" xmlns:c="http://schemas.openxmlformats.org/drawingml/2006/chart" xmlns:dgm="http://schemas.openxmlformats.org/drawingml/2006/diagram" xmlns:o="urn:schemas-microsoft-com:office:office" xmlns:v="urn:schemas-microsoft-com:vml" xmlns:pvml="urn:schemas-microsoft-com:office:powerpoint" xmlns:com="http://schemas.openxmlformats.org/drawingml/2006/compatibility" xmlns:p15="http://schemas.microsoft.com/office/powerpoint/2012/main" xmlns:ahyp="http://schemas.microsoft.com/office/drawing/2018/hyperlinkcolor">
       <p:transition spd="slow">
         <p:fade/>
       </p:transition>

--- a/GP/Group5_GP/Group Presentation.pptx
+++ b/GP/Group5_GP/Group Presentation.pptx
@@ -8146,7 +8146,7 @@
         <p:fade/>
       </p:transition>
     </mc:Choice>
-    <mc:Fallback xmlns="" xmlns:mv="urn:schemas-microsoft-com:mac:vml" xmlns:c="http://schemas.openxmlformats.org/drawingml/2006/chart" xmlns:dgm="http://schemas.openxmlformats.org/drawingml/2006/diagram" xmlns:o="urn:schemas-microsoft-com:office:office" xmlns:v="urn:schemas-microsoft-com:vml" xmlns:pvml="urn:schemas-microsoft-com:office:powerpoint" xmlns:com="http://schemas.openxmlformats.org/drawingml/2006/compatibility" xmlns:p15="http://schemas.microsoft.com/office/powerpoint/2012/main" xmlns:ahyp="http://schemas.microsoft.com/office/drawing/2018/hyperlinkcolor">
+    <mc:Fallback xmlns:ahyp="http://schemas.microsoft.com/office/drawing/2018/hyperlinkcolor" xmlns:p15="http://schemas.microsoft.com/office/powerpoint/2012/main" xmlns:com="http://schemas.openxmlformats.org/drawingml/2006/compatibility" xmlns:pvml="urn:schemas-microsoft-com:office:powerpoint" xmlns:v="urn:schemas-microsoft-com:vml" xmlns:o="urn:schemas-microsoft-com:office:office" xmlns:dgm="http://schemas.openxmlformats.org/drawingml/2006/diagram" xmlns:c="http://schemas.openxmlformats.org/drawingml/2006/chart" xmlns:mv="urn:schemas-microsoft-com:mac:vml" xmlns="">
       <p:transition spd="slow">
         <p:fade/>
       </p:transition>
@@ -24918,7 +24918,7 @@
         <p:fade/>
       </p:transition>
     </mc:Choice>
-    <mc:Fallback xmlns="" xmlns:mv="urn:schemas-microsoft-com:mac:vml" xmlns:c="http://schemas.openxmlformats.org/drawingml/2006/chart" xmlns:dgm="http://schemas.openxmlformats.org/drawingml/2006/diagram" xmlns:o="urn:schemas-microsoft-com:office:office" xmlns:v="urn:schemas-microsoft-com:vml" xmlns:pvml="urn:schemas-microsoft-com:office:powerpoint" xmlns:com="http://schemas.openxmlformats.org/drawingml/2006/compatibility" xmlns:p15="http://schemas.microsoft.com/office/powerpoint/2012/main" xmlns:ahyp="http://schemas.microsoft.com/office/drawing/2018/hyperlinkcolor">
+    <mc:Fallback xmlns:ahyp="http://schemas.microsoft.com/office/drawing/2018/hyperlinkcolor" xmlns:p15="http://schemas.microsoft.com/office/powerpoint/2012/main" xmlns:com="http://schemas.openxmlformats.org/drawingml/2006/compatibility" xmlns:pvml="urn:schemas-microsoft-com:office:powerpoint" xmlns:v="urn:schemas-microsoft-com:vml" xmlns:o="urn:schemas-microsoft-com:office:office" xmlns:dgm="http://schemas.openxmlformats.org/drawingml/2006/diagram" xmlns:c="http://schemas.openxmlformats.org/drawingml/2006/chart" xmlns:mv="urn:schemas-microsoft-com:mac:vml" xmlns="">
       <p:transition spd="slow">
         <p:fade/>
       </p:transition>
@@ -45575,8 +45575,8 @@
           </a:p>
         </p:txBody>
       </p:sp>
-      <mc:AlternateContent xmlns:mc="http://schemas.openxmlformats.org/markup-compatibility/2006">
-        <mc:Choice xmlns:a14="http://schemas.microsoft.com/office/drawing/2010/main" Requires="a14">
+      <mc:AlternateContent xmlns:mc="http://schemas.openxmlformats.org/markup-compatibility/2006" xmlns:a14="http://schemas.microsoft.com/office/drawing/2010/main">
+        <mc:Choice Requires="a14">
           <p:sp>
             <p:nvSpPr>
               <p:cNvPr id="5" name="Text Placeholder 4">
@@ -45834,7 +45834,7 @@
             </p:txBody>
           </p:sp>
         </mc:Choice>
-        <mc:Fallback>
+        <mc:Fallback xmlns="">
           <p:sp>
             <p:nvSpPr>
               <p:cNvPr id="5" name="Text Placeholder 4">
@@ -47542,35 +47542,6 @@
       </p:sp>
       <p:pic>
         <p:nvPicPr>
-          <p:cNvPr id="3" name="Picture 2">
-            <a:extLst>
-              <a:ext uri="{FF2B5EF4-FFF2-40B4-BE49-F238E27FC236}">
-                <a16:creationId xmlns:a16="http://schemas.microsoft.com/office/drawing/2014/main" id="{64F96293-916E-1145-298B-FEF5D0C70503}"/>
-              </a:ext>
-            </a:extLst>
-          </p:cNvPr>
-          <p:cNvPicPr>
-            <a:picLocks noChangeAspect="1"/>
-          </p:cNvPicPr>
-          <p:nvPr/>
-        </p:nvPicPr>
-        <p:blipFill rotWithShape="1">
-          <a:blip r:embed="rId4"/>
-          <a:srcRect l="290" t="2131" r="1"/>
-          <a:stretch/>
-        </p:blipFill>
-        <p:spPr>
-          <a:xfrm>
-            <a:off x="34978" y="3554729"/>
-            <a:ext cx="4422373" cy="2215103"/>
-          </a:xfrm>
-          <a:prstGeom prst="rect">
-            <a:avLst/>
-          </a:prstGeom>
-        </p:spPr>
-      </p:pic>
-      <p:pic>
-        <p:nvPicPr>
           <p:cNvPr id="6" name="Picture 5">
             <a:extLst>
               <a:ext uri="{FF2B5EF4-FFF2-40B4-BE49-F238E27FC236}">
@@ -47584,7 +47555,7 @@
           <p:nvPr/>
         </p:nvPicPr>
         <p:blipFill rotWithShape="1">
-          <a:blip r:embed="rId5"/>
+          <a:blip r:embed="rId4"/>
           <a:srcRect l="469" t="2427" r="846" b="2026"/>
           <a:stretch/>
         </p:blipFill>
@@ -47613,7 +47584,7 @@
           <p:nvPr/>
         </p:nvPicPr>
         <p:blipFill>
-          <a:blip r:embed="rId6"/>
+          <a:blip r:embed="rId5"/>
           <a:stretch>
             <a:fillRect/>
           </a:stretch>
@@ -47663,7 +47634,7 @@
             <p:nvPr/>
           </p:nvPicPr>
           <p:blipFill>
-            <a:blip r:embed="rId7"/>
+            <a:blip r:embed="rId6"/>
             <a:stretch>
               <a:fillRect/>
             </a:stretch>
@@ -47693,7 +47664,7 @@
             <p:nvPr/>
           </p:nvPicPr>
           <p:blipFill>
-            <a:blip r:embed="rId8"/>
+            <a:blip r:embed="rId7"/>
             <a:stretch>
               <a:fillRect/>
             </a:stretch>
@@ -47709,6 +47680,35 @@
           </p:spPr>
         </p:pic>
       </p:grpSp>
+      <p:pic>
+        <p:nvPicPr>
+          <p:cNvPr id="4" name="Picture 3">
+            <a:extLst>
+              <a:ext uri="{FF2B5EF4-FFF2-40B4-BE49-F238E27FC236}">
+                <a16:creationId xmlns:a16="http://schemas.microsoft.com/office/drawing/2014/main" id="{60ADA27B-BACC-3FDF-35EA-2E7BE6A43CCC}"/>
+              </a:ext>
+            </a:extLst>
+          </p:cNvPr>
+          <p:cNvPicPr>
+            <a:picLocks noChangeAspect="1"/>
+          </p:cNvPicPr>
+          <p:nvPr/>
+        </p:nvPicPr>
+        <p:blipFill rotWithShape="1">
+          <a:blip r:embed="rId8"/>
+          <a:srcRect l="1049" t="3957" r="1870" b="2359"/>
+          <a:stretch/>
+        </p:blipFill>
+        <p:spPr>
+          <a:xfrm>
+            <a:off x="-8155" y="3519406"/>
+            <a:ext cx="4416727" cy="2227484"/>
+          </a:xfrm>
+          <a:prstGeom prst="rect">
+            <a:avLst/>
+          </a:prstGeom>
+        </p:spPr>
+      </p:pic>
     </p:spTree>
   </p:cSld>
   <p:clrMapOvr>
@@ -47964,7 +47964,20 @@
                 <a:effectLst/>
                 <a:latin typeface="Arial" panose="020B0604020202020204" pitchFamily="34" charset="0"/>
               </a:rPr>
-              <a:t>Reference longitudinal velocity is 100 kmph and friction coefficient is 1</a:t>
+              <a:t>Reference longitudinal velocity is 100 kmph and friction coefficient is 0.3.</a:t>
+            </a:r>
+          </a:p>
+          <a:p>
+            <a:pPr marL="285750" indent="-285750">
+              <a:lnSpc>
+                <a:spcPct val="150000"/>
+              </a:lnSpc>
+            </a:pPr>
+            <a:r>
+              <a:rPr lang="en-US" sz="1800" dirty="0">
+                <a:latin typeface="Arial" panose="020B0604020202020204" pitchFamily="34" charset="0"/>
+              </a:rPr>
+              <a:t>Low friction coefficient is considered to simulate higher sideslip angle evolution.</a:t>
             </a:r>
             <a:endParaRPr sz="1800" dirty="0"/>
           </a:p>
@@ -49494,7 +49507,7 @@
         <p:fade/>
       </p:transition>
     </mc:Choice>
-    <mc:Fallback xmlns="" xmlns:mv="urn:schemas-microsoft-com:mac:vml" xmlns:c="http://schemas.openxmlformats.org/drawingml/2006/chart" xmlns:dgm="http://schemas.openxmlformats.org/drawingml/2006/diagram" xmlns:o="urn:schemas-microsoft-com:office:office" xmlns:v="urn:schemas-microsoft-com:vml" xmlns:pvml="urn:schemas-microsoft-com:office:powerpoint" xmlns:com="http://schemas.openxmlformats.org/drawingml/2006/compatibility" xmlns:p15="http://schemas.microsoft.com/office/powerpoint/2012/main" xmlns:ahyp="http://schemas.microsoft.com/office/drawing/2018/hyperlinkcolor">
+    <mc:Fallback xmlns:ahyp="http://schemas.microsoft.com/office/drawing/2018/hyperlinkcolor" xmlns:p15="http://schemas.microsoft.com/office/powerpoint/2012/main" xmlns:com="http://schemas.openxmlformats.org/drawingml/2006/compatibility" xmlns:pvml="urn:schemas-microsoft-com:office:powerpoint" xmlns:v="urn:schemas-microsoft-com:vml" xmlns:o="urn:schemas-microsoft-com:office:office" xmlns:dgm="http://schemas.openxmlformats.org/drawingml/2006/diagram" xmlns:c="http://schemas.openxmlformats.org/drawingml/2006/chart" xmlns:mv="urn:schemas-microsoft-com:mac:vml" xmlns="">
       <p:transition spd="slow">
         <p:fade/>
       </p:transition>
@@ -49710,7 +49723,7 @@
         <p:fade/>
       </p:transition>
     </mc:Choice>
-    <mc:Fallback xmlns="" xmlns:mv="urn:schemas-microsoft-com:mac:vml" xmlns:c="http://schemas.openxmlformats.org/drawingml/2006/chart" xmlns:dgm="http://schemas.openxmlformats.org/drawingml/2006/diagram" xmlns:o="urn:schemas-microsoft-com:office:office" xmlns:v="urn:schemas-microsoft-com:vml" xmlns:pvml="urn:schemas-microsoft-com:office:powerpoint" xmlns:com="http://schemas.openxmlformats.org/drawingml/2006/compatibility" xmlns:p15="http://schemas.microsoft.com/office/powerpoint/2012/main" xmlns:ahyp="http://schemas.microsoft.com/office/drawing/2018/hyperlinkcolor">
+    <mc:Fallback xmlns:ahyp="http://schemas.microsoft.com/office/drawing/2018/hyperlinkcolor" xmlns:p15="http://schemas.microsoft.com/office/powerpoint/2012/main" xmlns:com="http://schemas.openxmlformats.org/drawingml/2006/compatibility" xmlns:pvml="urn:schemas-microsoft-com:office:powerpoint" xmlns:v="urn:schemas-microsoft-com:vml" xmlns:o="urn:schemas-microsoft-com:office:office" xmlns:dgm="http://schemas.openxmlformats.org/drawingml/2006/diagram" xmlns:c="http://schemas.openxmlformats.org/drawingml/2006/chart" xmlns:mv="urn:schemas-microsoft-com:mac:vml" xmlns="">
       <p:transition spd="slow">
         <p:fade/>
       </p:transition>
